--- a/SPSSTL_CSR.pptx
+++ b/SPSSTL_CSR.pptx
@@ -11754,14 +11754,7 @@
                 <a:latin typeface="Segoe UI Light" panose="020B0502040204020203" pitchFamily="34" charset="0"/>
                 <a:cs typeface="Segoe UI Light" panose="020B0502040204020203" pitchFamily="34" charset="0"/>
               </a:rPr>
-              <a:t>1</a:t>
-            </a:r>
-            <a:r>
-              <a:rPr lang="en-US" sz="2000" dirty="0" smtClean="0">
-                <a:latin typeface="Segoe UI Light" panose="020B0502040204020203" pitchFamily="34" charset="0"/>
-                <a:cs typeface="Segoe UI Light" panose="020B0502040204020203" pitchFamily="34" charset="0"/>
-              </a:rPr>
-              <a:t>/21/2017</a:t>
+              <a:t>1/21/2017</a:t>
             </a:r>
             <a:endParaRPr lang="en-US" sz="2000" dirty="0">
               <a:latin typeface="Segoe UI Light" panose="020B0502040204020203" pitchFamily="34" charset="0"/>
@@ -11852,8 +11845,24 @@
           </a:p>
           <a:p>
             <a:r>
+              <a:rPr lang="en-US" sz="4400" dirty="0" smtClean="0"/>
+              <a:t>OnPostRender  vs. </a:t>
+            </a:r>
+            <a:r>
+              <a:rPr lang="en-US" sz="4400" dirty="0" err="1" smtClean="0"/>
+              <a:t>registerInitCallback</a:t>
+            </a:r>
+            <a:r>
+              <a:rPr lang="en-US" sz="4400" dirty="0" smtClean="0"/>
+              <a:t> when</a:t>
+            </a:r>
+            <a:r>
+              <a:rPr lang="en-US" sz="4400" dirty="0" smtClean="0"/>
+              <a:t> working </a:t>
+            </a:r>
+            <a:r>
               <a:rPr lang="en-US" sz="4400" dirty="0"/>
-              <a:t>Use of OnPostRender to work with multiple fields (and gotcha’s)</a:t>
+              <a:t>with multiple fields (and gotcha’s)</a:t>
             </a:r>
           </a:p>
           <a:p>
@@ -15041,37 +15050,35 @@
         <p:spPr/>
         <p:txBody>
           <a:bodyPr>
-            <a:normAutofit fontScale="92500"/>
+            <a:normAutofit/>
           </a:bodyPr>
           <a:lstStyle/>
           <a:p>
             <a:r>
-              <a:rPr lang="en-US" sz="4000" dirty="0"/>
+              <a:rPr lang="en-US" sz="3600" dirty="0"/>
               <a:t>Show the basic structure of CSR for a field</a:t>
             </a:r>
           </a:p>
           <a:p>
             <a:r>
-              <a:rPr lang="en-US" sz="4000" dirty="0"/>
+              <a:rPr lang="en-US" sz="3600" dirty="0"/>
               <a:t>Briefly look at form context</a:t>
             </a:r>
           </a:p>
           <a:p>
             <a:r>
-              <a:rPr lang="en-US" sz="4000" dirty="0"/>
+              <a:rPr lang="en-US" sz="3600" dirty="0"/>
               <a:t>Show how to look at some OOB rendering to see how MS does it</a:t>
             </a:r>
           </a:p>
           <a:p>
             <a:r>
-              <a:rPr lang="en-US" sz="4000" dirty="0"/>
-              <a:t>If installed on fields, should be on all fields altered</a:t>
-            </a:r>
-          </a:p>
-          <a:p>
-            <a:r>
-              <a:rPr lang="en-US" sz="4000" dirty="0"/>
-              <a:t>window[ctx.FormUniqueId + "FormCtx"].ListSchema</a:t>
+              <a:rPr lang="en-US" sz="3600" dirty="0" smtClean="0"/>
+              <a:t>window[ctx.FormUniqueId </a:t>
+            </a:r>
+            <a:r>
+              <a:rPr lang="en-US" sz="3600" dirty="0"/>
+              <a:t>+ "FormCtx"].ListSchema</a:t>
             </a:r>
           </a:p>
           <a:p>
@@ -15210,16 +15217,22 @@
           <a:p>
             <a:r>
               <a:rPr lang="en-US" sz="4000" dirty="0"/>
-              <a:t>Use of an OnPostRender handler to wire events (and how many times is it called)</a:t>
+              <a:t>Use of an OnPostRender handler to wire events (and how many times is it called</a:t>
+            </a:r>
+            <a:r>
+              <a:rPr lang="en-US" sz="4000" dirty="0" smtClean="0"/>
+              <a:t>)</a:t>
             </a:r>
           </a:p>
           <a:p>
             <a:r>
               <a:rPr lang="en-US" sz="4000" dirty="0"/>
-              <a:t>Generalizing CSR to be more reusable (AutoComplete2CSR.js)</a:t>
-            </a:r>
-          </a:p>
-          <a:p>
+              <a:t>If installed on fields, should be on all fields </a:t>
+            </a:r>
+            <a:r>
+              <a:rPr lang="en-US" sz="4000" dirty="0" smtClean="0"/>
+              <a:t>altered</a:t>
+            </a:r>
             <a:endParaRPr lang="en-US" sz="4000" dirty="0"/>
           </a:p>
         </p:txBody>

--- a/SPSSTL_CSR.pptx
+++ b/SPSSTL_CSR.pptx
@@ -5,24 +5,26 @@
     <p:sldMasterId id="2147483660" r:id="rId1"/>
   </p:sldMasterIdLst>
   <p:notesMasterIdLst>
-    <p:notesMasterId r:id="rId17"/>
+    <p:notesMasterId r:id="rId19"/>
   </p:notesMasterIdLst>
   <p:sldIdLst>
     <p:sldId id="280" r:id="rId2"/>
     <p:sldId id="257" r:id="rId3"/>
-    <p:sldId id="260" r:id="rId4"/>
-    <p:sldId id="277" r:id="rId5"/>
-    <p:sldId id="274" r:id="rId6"/>
-    <p:sldId id="297" r:id="rId7"/>
-    <p:sldId id="296" r:id="rId8"/>
-    <p:sldId id="289" r:id="rId9"/>
-    <p:sldId id="290" r:id="rId10"/>
+    <p:sldId id="300" r:id="rId4"/>
+    <p:sldId id="260" r:id="rId5"/>
+    <p:sldId id="277" r:id="rId6"/>
+    <p:sldId id="274" r:id="rId7"/>
+    <p:sldId id="297" r:id="rId8"/>
+    <p:sldId id="296" r:id="rId9"/>
+    <p:sldId id="289" r:id="rId10"/>
     <p:sldId id="291" r:id="rId11"/>
-    <p:sldId id="294" r:id="rId12"/>
-    <p:sldId id="298" r:id="rId13"/>
-    <p:sldId id="281" r:id="rId14"/>
-    <p:sldId id="293" r:id="rId15"/>
-    <p:sldId id="270" r:id="rId16"/>
+    <p:sldId id="290" r:id="rId12"/>
+    <p:sldId id="299" r:id="rId13"/>
+    <p:sldId id="294" r:id="rId14"/>
+    <p:sldId id="298" r:id="rId15"/>
+    <p:sldId id="281" r:id="rId16"/>
+    <p:sldId id="293" r:id="rId17"/>
+    <p:sldId id="270" r:id="rId18"/>
   </p:sldIdLst>
   <p:sldSz cx="12192000" cy="6858000"/>
   <p:notesSz cx="6858000" cy="9144000"/>
@@ -8214,7 +8216,7 @@
           <a:p>
             <a:fld id="{02BC24F2-A104-4C75-B4B5-E72BF9C1C018}" type="datetimeFigureOut">
               <a:rPr lang="en-US" smtClean="0"/>
-              <a:t>1/8/2017</a:t>
+              <a:t>1/16/2017</a:t>
             </a:fld>
             <a:endParaRPr lang="en-US" dirty="0"/>
           </a:p>
@@ -11817,8 +11819,12 @@
           <a:lstStyle/>
           <a:p>
             <a:r>
+              <a:rPr lang="en-US" dirty="0" smtClean="0"/>
+              <a:t>Demo #2 </a:t>
+            </a:r>
+            <a:r>
               <a:rPr lang="en-US" dirty="0"/>
-              <a:t>Demo – Cascading Lookups</a:t>
+              <a:t>– Cascading Lookups</a:t>
             </a:r>
           </a:p>
         </p:txBody>
@@ -11840,30 +11846,37 @@
           <a:p>
             <a:r>
               <a:rPr lang="en-US" sz="4400" dirty="0"/>
-              <a:t>Modifying fields without overriding fields</a:t>
-            </a:r>
-          </a:p>
-          <a:p>
+              <a:t>Modifying fields without overriding </a:t>
+            </a:r>
             <a:r>
               <a:rPr lang="en-US" sz="4400" dirty="0" smtClean="0"/>
-              <a:t>OnPostRender  vs. </a:t>
-            </a:r>
+              <a:t>rendering</a:t>
+            </a:r>
+          </a:p>
+          <a:p>
             <a:r>
               <a:rPr lang="en-US" sz="4400" dirty="0" err="1" smtClean="0"/>
               <a:t>registerInitCallback</a:t>
             </a:r>
             <a:r>
               <a:rPr lang="en-US" sz="4400" dirty="0" smtClean="0"/>
-              <a:t> when</a:t>
-            </a:r>
+              <a:t> (only one)</a:t>
+            </a:r>
+          </a:p>
+          <a:p>
             <a:r>
               <a:rPr lang="en-US" sz="4400" dirty="0" smtClean="0"/>
-              <a:t> working </a:t>
-            </a:r>
-            <a:r>
-              <a:rPr lang="en-US" sz="4400" dirty="0"/>
-              <a:t>with multiple fields (and gotcha’s)</a:t>
-            </a:r>
+              <a:t>Setting </a:t>
+            </a:r>
+            <a:r>
+              <a:rPr lang="en-US" sz="4400" dirty="0" err="1" smtClean="0"/>
+              <a:t>jsLink</a:t>
+            </a:r>
+            <a:r>
+              <a:rPr lang="en-US" sz="4400" dirty="0" smtClean="0"/>
+              <a:t> on multiple fields (with dependencies)</a:t>
+            </a:r>
+            <a:endParaRPr lang="en-US" sz="4400" dirty="0"/>
           </a:p>
           <a:p>
             <a:endParaRPr lang="en-US" dirty="0"/>
@@ -11970,14 +11983,13 @@
           <a:lstStyle/>
           <a:p>
             <a:r>
+              <a:rPr lang="en-US" dirty="0" smtClean="0"/>
+              <a:t>Demo #3 </a:t>
+            </a:r>
+            <a:r>
               <a:rPr lang="en-US" dirty="0"/>
-              <a:t>Demo – </a:t>
-            </a:r>
-            <a:r>
-              <a:rPr lang="en-US" dirty="0" smtClean="0"/>
-              <a:t>Entity Editor</a:t>
-            </a:r>
-            <a:endParaRPr lang="en-US" dirty="0"/>
+              <a:t>– Type Ahead Fields</a:t>
+            </a:r>
           </a:p>
         </p:txBody>
       </p:sp>
@@ -11999,34 +12011,49 @@
           <a:lstStyle/>
           <a:p>
             <a:r>
-              <a:rPr lang="en-US" sz="3600" dirty="0"/>
-              <a:t>Demonstrate CSR </a:t>
-            </a:r>
-            <a:r>
-              <a:rPr lang="en-US" sz="3600" dirty="0" smtClean="0"/>
-              <a:t>for fields on </a:t>
-            </a:r>
-            <a:r>
-              <a:rPr lang="en-US" sz="3600" dirty="0"/>
-              <a:t>display forms and views</a:t>
-            </a:r>
-          </a:p>
-          <a:p>
-            <a:r>
-              <a:rPr lang="en-US" sz="3600" dirty="0" smtClean="0"/>
-              <a:t>registerGetValueCallback</a:t>
-            </a:r>
-          </a:p>
-          <a:p>
-            <a:r>
-              <a:rPr lang="en-US" sz="3600" dirty="0" smtClean="0"/>
-              <a:t>registerClientValidators and </a:t>
-            </a:r>
-            <a:r>
-              <a:rPr lang="en-US" sz="3600" dirty="0" err="1" smtClean="0"/>
-              <a:t>registerValidationErrorCallback</a:t>
-            </a:r>
-            <a:endParaRPr lang="en-US" sz="3600" dirty="0"/>
+              <a:rPr lang="en-US" sz="4000" dirty="0"/>
+              <a:t>How to handle Minimal Download Strategy</a:t>
+            </a:r>
+          </a:p>
+          <a:p>
+            <a:r>
+              <a:rPr lang="en-US" sz="4000" dirty="0"/>
+              <a:t>Use of an OnPostRender handler to wire events (and how many times is it called</a:t>
+            </a:r>
+            <a:r>
+              <a:rPr lang="en-US" sz="4000" dirty="0" smtClean="0"/>
+              <a:t>)</a:t>
+            </a:r>
+          </a:p>
+          <a:p>
+            <a:r>
+              <a:rPr lang="en-US" sz="4000" dirty="0"/>
+              <a:t>If installed on fields, should be on all fields </a:t>
+            </a:r>
+            <a:r>
+              <a:rPr lang="en-US" sz="4000" dirty="0" smtClean="0"/>
+              <a:t>altered</a:t>
+            </a:r>
+          </a:p>
+          <a:p>
+            <a:r>
+              <a:rPr lang="en-US" sz="4000" dirty="0"/>
+              <a:t>OnPostRender  vs. </a:t>
+            </a:r>
+            <a:r>
+              <a:rPr lang="en-US" sz="4000" dirty="0" err="1"/>
+              <a:t>registerInitCallback</a:t>
+            </a:r>
+            <a:r>
+              <a:rPr lang="en-US" sz="4000" dirty="0"/>
+              <a:t> when working with multiple fields (and gotcha’s)</a:t>
+            </a:r>
+          </a:p>
+          <a:p>
+            <a:pPr marL="0" indent="0">
+              <a:buNone/>
+            </a:pPr>
+            <a:endParaRPr lang="en-US" sz="4000" dirty="0"/>
           </a:p>
         </p:txBody>
       </p:sp>
@@ -12079,7 +12106,7 @@
     </p:spTree>
     <p:extLst>
       <p:ext uri="{BB962C8B-B14F-4D97-AF65-F5344CB8AC3E}">
-        <p14:creationId xmlns:p14="http://schemas.microsoft.com/office/powerpoint/2010/main" val="1905173316"/>
+        <p14:creationId xmlns:p14="http://schemas.microsoft.com/office/powerpoint/2010/main" val="2579643466"/>
       </p:ext>
     </p:extLst>
   </p:cSld>
@@ -12130,12 +12157,12 @@
           <a:lstStyle/>
           <a:p>
             <a:r>
-              <a:rPr lang="en-US" dirty="0"/>
-              <a:t>What can we override? </a:t>
-            </a:r>
-            <a:r>
               <a:rPr lang="en-US" dirty="0" smtClean="0"/>
-              <a:t>(views)</a:t>
+              <a:t>Demo #4 - Tabbed </a:t>
+            </a:r>
+            <a:r>
+              <a:rPr lang="en-US" dirty="0" smtClean="0"/>
+              <a:t>Form</a:t>
             </a:r>
             <a:endParaRPr lang="en-US" dirty="0"/>
           </a:p>
@@ -12153,544 +12180,77 @@
         </p:nvSpPr>
         <p:spPr/>
         <p:txBody>
-          <a:bodyPr>
-            <a:normAutofit fontScale="47500" lnSpcReduction="20000"/>
-          </a:bodyPr>
+          <a:bodyPr/>
           <a:lstStyle/>
           <a:p>
-            <a:pPr marL="0" indent="0">
-              <a:buNone/>
-            </a:pPr>
-            <a:r>
-              <a:rPr lang="en-US" dirty="0">
-                <a:solidFill>
-                  <a:srgbClr val="0000FF"/>
-                </a:solidFill>
-                <a:latin typeface="Consolas" panose="020B0609020204030204" pitchFamily="49" charset="0"/>
-              </a:rPr>
-              <a:t>var</a:t>
-            </a:r>
-            <a:r>
-              <a:rPr lang="en-US" dirty="0">
-                <a:solidFill>
-                  <a:srgbClr val="000000"/>
-                </a:solidFill>
-                <a:latin typeface="Consolas" panose="020B0609020204030204" pitchFamily="49" charset="0"/>
-              </a:rPr>
-              <a:t> </a:t>
-            </a:r>
-            <a:r>
-              <a:rPr lang="en-US" dirty="0" smtClean="0">
-                <a:solidFill>
-                  <a:srgbClr val="000000"/>
-                </a:solidFill>
-                <a:latin typeface="Consolas" panose="020B0609020204030204" pitchFamily="49" charset="0"/>
-              </a:rPr>
-              <a:t>overrides = </a:t>
-            </a:r>
-            <a:r>
-              <a:rPr lang="en-US" dirty="0">
-                <a:solidFill>
-                  <a:srgbClr val="000000"/>
-                </a:solidFill>
-                <a:latin typeface="Consolas" panose="020B0609020204030204" pitchFamily="49" charset="0"/>
-              </a:rPr>
-              <a:t>{</a:t>
-            </a:r>
-          </a:p>
-          <a:p>
-            <a:pPr marL="0" indent="0">
-              <a:buNone/>
-            </a:pPr>
-            <a:r>
-              <a:rPr lang="en-US" dirty="0">
-                <a:solidFill>
-                  <a:srgbClr val="000000"/>
-                </a:solidFill>
-                <a:latin typeface="Consolas" panose="020B0609020204030204" pitchFamily="49" charset="0"/>
-              </a:rPr>
-              <a:t>    </a:t>
-            </a:r>
-            <a:r>
-              <a:rPr lang="en-US" dirty="0" err="1">
-                <a:solidFill>
-                  <a:srgbClr val="000000"/>
-                </a:solidFill>
-                <a:latin typeface="Consolas" panose="020B0609020204030204" pitchFamily="49" charset="0"/>
-              </a:rPr>
-              <a:t>BaseViewID</a:t>
-            </a:r>
-            <a:r>
-              <a:rPr lang="en-US" dirty="0">
-                <a:solidFill>
-                  <a:srgbClr val="000000"/>
-                </a:solidFill>
-                <a:latin typeface="Consolas" panose="020B0609020204030204" pitchFamily="49" charset="0"/>
-              </a:rPr>
-              <a:t>: </a:t>
-            </a:r>
-            <a:r>
-              <a:rPr lang="en-US" dirty="0">
-                <a:solidFill>
-                  <a:srgbClr val="008000"/>
-                </a:solidFill>
-                <a:latin typeface="Consolas" panose="020B0609020204030204" pitchFamily="49" charset="0"/>
-              </a:rPr>
-              <a:t>/* ID specified in Schema.xml */</a:t>
-            </a:r>
-            <a:r>
-              <a:rPr lang="en-US" dirty="0">
-                <a:solidFill>
-                  <a:srgbClr val="000000"/>
-                </a:solidFill>
-                <a:latin typeface="Consolas" panose="020B0609020204030204" pitchFamily="49" charset="0"/>
-              </a:rPr>
-              <a:t>,  </a:t>
-            </a:r>
-          </a:p>
-          <a:p>
-            <a:pPr marL="0" indent="0">
-              <a:buNone/>
-            </a:pPr>
-            <a:r>
-              <a:rPr lang="en-US" dirty="0">
-                <a:solidFill>
-                  <a:srgbClr val="000000"/>
-                </a:solidFill>
-                <a:latin typeface="Consolas" panose="020B0609020204030204" pitchFamily="49" charset="0"/>
-              </a:rPr>
-              <a:t>    </a:t>
-            </a:r>
-            <a:r>
-              <a:rPr lang="en-US" dirty="0" err="1">
-                <a:solidFill>
-                  <a:srgbClr val="000000"/>
-                </a:solidFill>
-                <a:latin typeface="Consolas" panose="020B0609020204030204" pitchFamily="49" charset="0"/>
-              </a:rPr>
-              <a:t>ListTemplateType</a:t>
-            </a:r>
-            <a:r>
-              <a:rPr lang="en-US" dirty="0">
-                <a:solidFill>
-                  <a:srgbClr val="000000"/>
-                </a:solidFill>
-                <a:latin typeface="Consolas" panose="020B0609020204030204" pitchFamily="49" charset="0"/>
-              </a:rPr>
-              <a:t>: </a:t>
-            </a:r>
-            <a:r>
-              <a:rPr lang="en-US" dirty="0">
-                <a:solidFill>
-                  <a:srgbClr val="008000"/>
-                </a:solidFill>
-                <a:latin typeface="Consolas" panose="020B0609020204030204" pitchFamily="49" charset="0"/>
-              </a:rPr>
-              <a:t>/* List Template ID to target */</a:t>
-            </a:r>
-            <a:r>
-              <a:rPr lang="en-US" dirty="0">
-                <a:solidFill>
-                  <a:srgbClr val="000000"/>
-                </a:solidFill>
-                <a:latin typeface="Consolas" panose="020B0609020204030204" pitchFamily="49" charset="0"/>
-              </a:rPr>
-              <a:t>,  </a:t>
-            </a:r>
-          </a:p>
-          <a:p>
-            <a:pPr marL="0" indent="0">
-              <a:buNone/>
-            </a:pPr>
-            <a:r>
-              <a:rPr lang="en-US" dirty="0">
-                <a:solidFill>
-                  <a:srgbClr val="000000"/>
-                </a:solidFill>
-                <a:latin typeface="Consolas" panose="020B0609020204030204" pitchFamily="49" charset="0"/>
-              </a:rPr>
-              <a:t>    </a:t>
-            </a:r>
-            <a:r>
-              <a:rPr lang="en-US" dirty="0" err="1">
-                <a:solidFill>
-                  <a:srgbClr val="000000"/>
-                </a:solidFill>
-                <a:latin typeface="Consolas" panose="020B0609020204030204" pitchFamily="49" charset="0"/>
-              </a:rPr>
-              <a:t>ViewStyle</a:t>
-            </a:r>
-            <a:r>
-              <a:rPr lang="en-US" dirty="0">
-                <a:solidFill>
-                  <a:srgbClr val="000000"/>
-                </a:solidFill>
-                <a:latin typeface="Consolas" panose="020B0609020204030204" pitchFamily="49" charset="0"/>
-              </a:rPr>
-              <a:t>: </a:t>
-            </a:r>
-            <a:r>
-              <a:rPr lang="en-US" dirty="0">
-                <a:solidFill>
-                  <a:srgbClr val="008000"/>
-                </a:solidFill>
-                <a:latin typeface="Consolas" panose="020B0609020204030204" pitchFamily="49" charset="0"/>
-              </a:rPr>
-              <a:t>/* classic View Style: Boxed, no labels (12), Boxed (13), Newsletter (15), etc. */</a:t>
-            </a:r>
-            <a:r>
-              <a:rPr lang="en-US" dirty="0">
-                <a:solidFill>
-                  <a:srgbClr val="000000"/>
-                </a:solidFill>
-                <a:latin typeface="Consolas" panose="020B0609020204030204" pitchFamily="49" charset="0"/>
-              </a:rPr>
-              <a:t>,</a:t>
-            </a:r>
-          </a:p>
-          <a:p>
-            <a:pPr marL="0" indent="0">
-              <a:buNone/>
-            </a:pPr>
-            <a:r>
-              <a:rPr lang="en-US" dirty="0">
-                <a:solidFill>
-                  <a:srgbClr val="000000"/>
-                </a:solidFill>
-                <a:latin typeface="Consolas" panose="020B0609020204030204" pitchFamily="49" charset="0"/>
-              </a:rPr>
-              <a:t>    OnPreRender: </a:t>
-            </a:r>
-            <a:r>
-              <a:rPr lang="en-US" dirty="0">
-                <a:solidFill>
-                  <a:srgbClr val="008000"/>
-                </a:solidFill>
-                <a:latin typeface="Consolas" panose="020B0609020204030204" pitchFamily="49" charset="0"/>
-              </a:rPr>
-              <a:t>/* function or array of functions */</a:t>
-            </a:r>
-            <a:r>
-              <a:rPr lang="en-US" dirty="0">
-                <a:solidFill>
-                  <a:srgbClr val="000000"/>
-                </a:solidFill>
-                <a:latin typeface="Consolas" panose="020B0609020204030204" pitchFamily="49" charset="0"/>
-              </a:rPr>
-              <a:t>,</a:t>
-            </a:r>
-          </a:p>
-          <a:p>
-            <a:pPr marL="0" indent="0">
-              <a:buNone/>
-            </a:pPr>
-            <a:r>
-              <a:rPr lang="en-US" dirty="0">
-                <a:solidFill>
-                  <a:srgbClr val="000000"/>
-                </a:solidFill>
-                <a:latin typeface="Consolas" panose="020B0609020204030204" pitchFamily="49" charset="0"/>
-              </a:rPr>
-              <a:t>    Templates: {</a:t>
-            </a:r>
-          </a:p>
-          <a:p>
-            <a:pPr marL="0" indent="0">
-              <a:buNone/>
-            </a:pPr>
-            <a:r>
-              <a:rPr lang="en-US" dirty="0">
-                <a:solidFill>
-                  <a:srgbClr val="000000"/>
-                </a:solidFill>
-                <a:latin typeface="Consolas" panose="020B0609020204030204" pitchFamily="49" charset="0"/>
-              </a:rPr>
-              <a:t>        View: </a:t>
-            </a:r>
-            <a:r>
-              <a:rPr lang="en-US" dirty="0">
-                <a:solidFill>
-                  <a:srgbClr val="008000"/>
-                </a:solidFill>
-                <a:latin typeface="Consolas" panose="020B0609020204030204" pitchFamily="49" charset="0"/>
-              </a:rPr>
-              <a:t>/* function or string */</a:t>
-            </a:r>
-            <a:r>
-              <a:rPr lang="en-US" dirty="0">
-                <a:solidFill>
-                  <a:srgbClr val="000000"/>
-                </a:solidFill>
-                <a:latin typeface="Consolas" panose="020B0609020204030204" pitchFamily="49" charset="0"/>
-              </a:rPr>
-              <a:t>,</a:t>
-            </a:r>
-          </a:p>
-          <a:p>
-            <a:pPr marL="0" indent="0">
-              <a:buNone/>
-            </a:pPr>
-            <a:r>
-              <a:rPr lang="en-US" dirty="0">
-                <a:solidFill>
-                  <a:srgbClr val="000000"/>
-                </a:solidFill>
-                <a:latin typeface="Consolas" panose="020B0609020204030204" pitchFamily="49" charset="0"/>
-              </a:rPr>
-              <a:t>        Body: </a:t>
-            </a:r>
-            <a:r>
-              <a:rPr lang="en-US" dirty="0">
-                <a:solidFill>
-                  <a:srgbClr val="008000"/>
-                </a:solidFill>
-                <a:latin typeface="Consolas" panose="020B0609020204030204" pitchFamily="49" charset="0"/>
-              </a:rPr>
-              <a:t>/* function or string */</a:t>
-            </a:r>
-            <a:r>
-              <a:rPr lang="en-US" dirty="0">
-                <a:solidFill>
-                  <a:srgbClr val="000000"/>
-                </a:solidFill>
-                <a:latin typeface="Consolas" panose="020B0609020204030204" pitchFamily="49" charset="0"/>
-              </a:rPr>
-              <a:t>,</a:t>
-            </a:r>
-          </a:p>
-          <a:p>
-            <a:pPr marL="0" indent="0">
-              <a:buNone/>
-            </a:pPr>
-            <a:r>
-              <a:rPr lang="en-US" dirty="0">
-                <a:solidFill>
-                  <a:srgbClr val="000000"/>
-                </a:solidFill>
-                <a:latin typeface="Consolas" panose="020B0609020204030204" pitchFamily="49" charset="0"/>
-              </a:rPr>
-              <a:t>        Header: </a:t>
-            </a:r>
-            <a:r>
-              <a:rPr lang="en-US" dirty="0">
-                <a:solidFill>
-                  <a:srgbClr val="008000"/>
-                </a:solidFill>
-                <a:latin typeface="Consolas" panose="020B0609020204030204" pitchFamily="49" charset="0"/>
-              </a:rPr>
-              <a:t>/* function or string */</a:t>
-            </a:r>
-            <a:r>
-              <a:rPr lang="en-US" dirty="0">
-                <a:solidFill>
-                  <a:srgbClr val="000000"/>
-                </a:solidFill>
-                <a:latin typeface="Consolas" panose="020B0609020204030204" pitchFamily="49" charset="0"/>
-              </a:rPr>
-              <a:t>,</a:t>
-            </a:r>
-          </a:p>
-          <a:p>
-            <a:pPr marL="0" indent="0">
-              <a:buNone/>
-            </a:pPr>
-            <a:r>
-              <a:rPr lang="en-US" dirty="0">
-                <a:solidFill>
-                  <a:srgbClr val="000000"/>
-                </a:solidFill>
-                <a:latin typeface="Consolas" panose="020B0609020204030204" pitchFamily="49" charset="0"/>
-              </a:rPr>
-              <a:t>        Footer: </a:t>
-            </a:r>
-            <a:r>
-              <a:rPr lang="en-US" dirty="0">
-                <a:solidFill>
-                  <a:srgbClr val="008000"/>
-                </a:solidFill>
-                <a:latin typeface="Consolas" panose="020B0609020204030204" pitchFamily="49" charset="0"/>
-              </a:rPr>
-              <a:t>/* function or string */</a:t>
-            </a:r>
-            <a:r>
-              <a:rPr lang="en-US" dirty="0">
-                <a:solidFill>
-                  <a:srgbClr val="000000"/>
-                </a:solidFill>
-                <a:latin typeface="Consolas" panose="020B0609020204030204" pitchFamily="49" charset="0"/>
-              </a:rPr>
-              <a:t>,</a:t>
-            </a:r>
-          </a:p>
-          <a:p>
-            <a:pPr marL="0" indent="0">
-              <a:buNone/>
-            </a:pPr>
-            <a:r>
-              <a:rPr lang="en-US" dirty="0">
-                <a:solidFill>
-                  <a:srgbClr val="000000"/>
-                </a:solidFill>
-                <a:latin typeface="Consolas" panose="020B0609020204030204" pitchFamily="49" charset="0"/>
-              </a:rPr>
-              <a:t>        Group: </a:t>
-            </a:r>
-            <a:r>
-              <a:rPr lang="en-US" dirty="0">
-                <a:solidFill>
-                  <a:srgbClr val="008000"/>
-                </a:solidFill>
-                <a:latin typeface="Consolas" panose="020B0609020204030204" pitchFamily="49" charset="0"/>
-              </a:rPr>
-              <a:t>/* function or string */</a:t>
-            </a:r>
-            <a:r>
-              <a:rPr lang="en-US" dirty="0">
-                <a:solidFill>
-                  <a:srgbClr val="000000"/>
-                </a:solidFill>
-                <a:latin typeface="Consolas" panose="020B0609020204030204" pitchFamily="49" charset="0"/>
-              </a:rPr>
-              <a:t>,</a:t>
-            </a:r>
-          </a:p>
-          <a:p>
-            <a:pPr marL="0" indent="0">
-              <a:buNone/>
-            </a:pPr>
-            <a:r>
-              <a:rPr lang="en-US" dirty="0">
-                <a:solidFill>
-                  <a:srgbClr val="000000"/>
-                </a:solidFill>
-                <a:latin typeface="Consolas" panose="020B0609020204030204" pitchFamily="49" charset="0"/>
-              </a:rPr>
-              <a:t>        Item: </a:t>
-            </a:r>
-            <a:r>
-              <a:rPr lang="en-US" dirty="0">
-                <a:solidFill>
-                  <a:srgbClr val="008000"/>
-                </a:solidFill>
-                <a:latin typeface="Consolas" panose="020B0609020204030204" pitchFamily="49" charset="0"/>
-              </a:rPr>
-              <a:t>/* function or string */</a:t>
-            </a:r>
-            <a:r>
-              <a:rPr lang="en-US" dirty="0">
-                <a:solidFill>
-                  <a:srgbClr val="000000"/>
-                </a:solidFill>
-                <a:latin typeface="Consolas" panose="020B0609020204030204" pitchFamily="49" charset="0"/>
-              </a:rPr>
-              <a:t>,</a:t>
-            </a:r>
-          </a:p>
-          <a:p>
-            <a:pPr marL="0" indent="0">
-              <a:buNone/>
-            </a:pPr>
-            <a:r>
-              <a:rPr lang="en-US" dirty="0">
-                <a:solidFill>
-                  <a:srgbClr val="000000"/>
-                </a:solidFill>
-                <a:latin typeface="Consolas" panose="020B0609020204030204" pitchFamily="49" charset="0"/>
-              </a:rPr>
-              <a:t>        Fields: { </a:t>
-            </a:r>
-            <a:r>
-              <a:rPr lang="en-US" dirty="0">
-                <a:solidFill>
-                  <a:srgbClr val="008000"/>
-                </a:solidFill>
-                <a:latin typeface="Consolas" panose="020B0609020204030204" pitchFamily="49" charset="0"/>
-              </a:rPr>
-              <a:t>/* same as forms but </a:t>
-            </a:r>
-            <a:r>
-              <a:rPr lang="en-US" dirty="0" smtClean="0">
-                <a:solidFill>
-                  <a:srgbClr val="008000"/>
-                </a:solidFill>
-                <a:latin typeface="Consolas" panose="020B0609020204030204" pitchFamily="49" charset="0"/>
-              </a:rPr>
-              <a:t>override </a:t>
-            </a:r>
-            <a:r>
-              <a:rPr lang="en-US" dirty="0">
-                <a:solidFill>
-                  <a:srgbClr val="008000"/>
-                </a:solidFill>
-                <a:latin typeface="Consolas" panose="020B0609020204030204" pitchFamily="49" charset="0"/>
-              </a:rPr>
-              <a:t>View */</a:t>
-            </a:r>
-            <a:r>
-              <a:rPr lang="en-US" dirty="0">
-                <a:solidFill>
-                  <a:srgbClr val="000000"/>
-                </a:solidFill>
-                <a:latin typeface="Consolas" panose="020B0609020204030204" pitchFamily="49" charset="0"/>
-              </a:rPr>
-              <a:t> },</a:t>
-            </a:r>
-          </a:p>
-          <a:p>
-            <a:pPr marL="0" indent="0">
-              <a:buNone/>
-            </a:pPr>
-            <a:r>
-              <a:rPr lang="en-US" dirty="0">
-                <a:solidFill>
-                  <a:srgbClr val="000000"/>
-                </a:solidFill>
-                <a:latin typeface="Consolas" panose="020B0609020204030204" pitchFamily="49" charset="0"/>
-              </a:rPr>
-              <a:t>    },</a:t>
-            </a:r>
-          </a:p>
-          <a:p>
-            <a:pPr marL="0" indent="0">
-              <a:buNone/>
-            </a:pPr>
-            <a:r>
-              <a:rPr lang="en-US" dirty="0">
-                <a:solidFill>
-                  <a:srgbClr val="000000"/>
-                </a:solidFill>
-                <a:latin typeface="Consolas" panose="020B0609020204030204" pitchFamily="49" charset="0"/>
-              </a:rPr>
-              <a:t>    OnPostRender: </a:t>
-            </a:r>
-            <a:r>
-              <a:rPr lang="en-US" dirty="0">
-                <a:solidFill>
-                  <a:srgbClr val="008000"/>
-                </a:solidFill>
-                <a:latin typeface="Consolas" panose="020B0609020204030204" pitchFamily="49" charset="0"/>
-              </a:rPr>
-              <a:t>/* function or array of functions */</a:t>
-            </a:r>
-            <a:endParaRPr lang="en-US" dirty="0">
-              <a:solidFill>
-                <a:srgbClr val="000000"/>
-              </a:solidFill>
-              <a:latin typeface="Consolas" panose="020B0609020204030204" pitchFamily="49" charset="0"/>
-            </a:endParaRPr>
-          </a:p>
-          <a:p>
-            <a:pPr marL="0" indent="0">
-              <a:buNone/>
-            </a:pPr>
-            <a:r>
-              <a:rPr lang="en-US" dirty="0">
-                <a:solidFill>
-                  <a:srgbClr val="000000"/>
-                </a:solidFill>
-                <a:latin typeface="Consolas" panose="020B0609020204030204" pitchFamily="49" charset="0"/>
-              </a:rPr>
-              <a:t>};</a:t>
+            <a:r>
+              <a:rPr lang="en-US" dirty="0" smtClean="0"/>
+              <a:t>Note: </a:t>
+            </a:r>
+            <a:r>
+              <a:rPr lang="en-US" dirty="0" err="1" smtClean="0"/>
+              <a:t>JSLink</a:t>
+            </a:r>
+            <a:r>
+              <a:rPr lang="en-US" dirty="0" smtClean="0"/>
+              <a:t> on content types is quirky</a:t>
+            </a:r>
+          </a:p>
+          <a:p>
+            <a:pPr lvl="1"/>
+            <a:r>
+              <a:rPr lang="en-US" dirty="0" smtClean="0"/>
+              <a:t>They don’t get loaded on views, only on forms</a:t>
+            </a:r>
+          </a:p>
+          <a:p>
+            <a:pPr lvl="1"/>
+            <a:r>
+              <a:rPr lang="en-US" dirty="0" smtClean="0"/>
+              <a:t>If a content type is already in use on a list, the list content type does not get updated when you set the </a:t>
+            </a:r>
+            <a:r>
+              <a:rPr lang="en-US" dirty="0" err="1" smtClean="0"/>
+              <a:t>jsLink</a:t>
+            </a:r>
+            <a:r>
+              <a:rPr lang="en-US" dirty="0" smtClean="0"/>
+              <a:t> property of the site content type</a:t>
+            </a:r>
+          </a:p>
+          <a:p>
+            <a:pPr lvl="1"/>
+            <a:r>
+              <a:rPr lang="en-US" dirty="0" smtClean="0"/>
+              <a:t>You can update the </a:t>
+            </a:r>
+            <a:r>
+              <a:rPr lang="en-US" dirty="0" err="1" smtClean="0"/>
+              <a:t>jslink</a:t>
+            </a:r>
+            <a:r>
+              <a:rPr lang="en-US" dirty="0" smtClean="0"/>
+              <a:t> directly on each list content type that inherits</a:t>
+            </a:r>
+          </a:p>
+          <a:p>
+            <a:r>
+              <a:rPr lang="en-US" dirty="0" smtClean="0"/>
+              <a:t>Use </a:t>
+            </a:r>
+            <a:r>
+              <a:rPr lang="en-US" dirty="0" err="1" smtClean="0"/>
+              <a:t>ctx.formUniqueId</a:t>
+            </a:r>
+            <a:r>
+              <a:rPr lang="en-US" dirty="0" smtClean="0"/>
+              <a:t> to find the web part div, then manipulate the DOM</a:t>
+            </a:r>
+          </a:p>
+          <a:p>
+            <a:r>
+              <a:rPr lang="en-US" dirty="0" smtClean="0"/>
+              <a:t>Load CSS into the page inline</a:t>
             </a:r>
             <a:endParaRPr lang="en-US" dirty="0"/>
           </a:p>
@@ -12745,7 +12305,7 @@
     </p:spTree>
     <p:extLst>
       <p:ext uri="{BB962C8B-B14F-4D97-AF65-F5344CB8AC3E}">
-        <p14:creationId xmlns:p14="http://schemas.microsoft.com/office/powerpoint/2010/main" val="812032166"/>
+        <p14:creationId xmlns:p14="http://schemas.microsoft.com/office/powerpoint/2010/main" val="3887202615"/>
       </p:ext>
     </p:extLst>
   </p:cSld>
@@ -12782,6 +12342,93 @@
       </p:grpSpPr>
       <p:sp>
         <p:nvSpPr>
+          <p:cNvPr id="2" name="Title 1"/>
+          <p:cNvSpPr>
+            <a:spLocks noGrp="1"/>
+          </p:cNvSpPr>
+          <p:nvPr>
+            <p:ph type="title"/>
+          </p:nvPr>
+        </p:nvSpPr>
+        <p:spPr/>
+        <p:txBody>
+          <a:bodyPr/>
+          <a:lstStyle/>
+          <a:p>
+            <a:r>
+              <a:rPr lang="en-US" dirty="0"/>
+              <a:t>Demo </a:t>
+            </a:r>
+            <a:r>
+              <a:rPr lang="en-US" dirty="0" smtClean="0"/>
+              <a:t>#5 – </a:t>
+            </a:r>
+            <a:r>
+              <a:rPr lang="en-US" dirty="0" smtClean="0"/>
+              <a:t>Entity Editor</a:t>
+            </a:r>
+            <a:endParaRPr lang="en-US" dirty="0"/>
+          </a:p>
+        </p:txBody>
+      </p:sp>
+      <p:sp>
+        <p:nvSpPr>
+          <p:cNvPr id="3" name="Content Placeholder 2"/>
+          <p:cNvSpPr>
+            <a:spLocks noGrp="1"/>
+          </p:cNvSpPr>
+          <p:nvPr>
+            <p:ph idx="1"/>
+          </p:nvPr>
+        </p:nvSpPr>
+        <p:spPr/>
+        <p:txBody>
+          <a:bodyPr>
+            <a:normAutofit/>
+          </a:bodyPr>
+          <a:lstStyle/>
+          <a:p>
+            <a:r>
+              <a:rPr lang="en-US" sz="3600" dirty="0"/>
+              <a:t>Demonstrate CSR </a:t>
+            </a:r>
+            <a:r>
+              <a:rPr lang="en-US" sz="3600" dirty="0" smtClean="0"/>
+              <a:t>for fields on </a:t>
+            </a:r>
+            <a:r>
+              <a:rPr lang="en-US" sz="3600" dirty="0"/>
+              <a:t>display forms and views</a:t>
+            </a:r>
+          </a:p>
+          <a:p>
+            <a:r>
+              <a:rPr lang="en-US" sz="3600" dirty="0" smtClean="0"/>
+              <a:t>registerGetValueCallback</a:t>
+            </a:r>
+          </a:p>
+          <a:p>
+            <a:r>
+              <a:rPr lang="en-US" sz="3600" dirty="0" smtClean="0"/>
+              <a:t>registerClientValidators and </a:t>
+            </a:r>
+            <a:r>
+              <a:rPr lang="en-US" sz="3600" dirty="0" err="1" smtClean="0"/>
+              <a:t>registerValidationErrorCallback</a:t>
+            </a:r>
+            <a:endParaRPr lang="en-US" sz="3600" dirty="0" smtClean="0"/>
+          </a:p>
+          <a:p>
+            <a:r>
+              <a:rPr lang="en-US" sz="3600" dirty="0" smtClean="0"/>
+              <a:t>Deferred event handlers</a:t>
+            </a:r>
+            <a:endParaRPr lang="en-US" sz="3600" dirty="0"/>
+          </a:p>
+        </p:txBody>
+      </p:sp>
+      <p:sp>
+        <p:nvSpPr>
           <p:cNvPr id="4" name="Date Placeholder 3"/>
           <p:cNvSpPr>
             <a:spLocks noGrp="1"/>
@@ -12826,40 +12473,10 @@
           </a:p>
         </p:txBody>
       </p:sp>
-      <p:pic>
-        <p:nvPicPr>
-          <p:cNvPr id="2" name="Picture 1"/>
-          <p:cNvPicPr>
-            <a:picLocks noChangeAspect="1"/>
-          </p:cNvPicPr>
-          <p:nvPr/>
-        </p:nvPicPr>
-        <p:blipFill>
-          <a:blip r:embed="rId2">
-            <a:extLst>
-              <a:ext uri="{28A0092B-C50C-407E-A947-70E740481C1C}">
-                <a14:useLocalDpi xmlns:a14="http://schemas.microsoft.com/office/drawing/2010/main" val="0"/>
-              </a:ext>
-            </a:extLst>
-          </a:blip>
-          <a:stretch>
-            <a:fillRect/>
-          </a:stretch>
-        </p:blipFill>
-        <p:spPr>
-          <a:xfrm>
-            <a:off x="1101438" y="300515"/>
-            <a:ext cx="10037614" cy="5936099"/>
-          </a:xfrm>
-          <a:prstGeom prst="rect">
-            <a:avLst/>
-          </a:prstGeom>
-        </p:spPr>
-      </p:pic>
     </p:spTree>
     <p:extLst>
       <p:ext uri="{BB962C8B-B14F-4D97-AF65-F5344CB8AC3E}">
-        <p14:creationId xmlns:p14="http://schemas.microsoft.com/office/powerpoint/2010/main" val="264619781"/>
+        <p14:creationId xmlns:p14="http://schemas.microsoft.com/office/powerpoint/2010/main" val="1905173316"/>
       </p:ext>
     </p:extLst>
   </p:cSld>
@@ -12911,7 +12528,796 @@
           <a:p>
             <a:r>
               <a:rPr lang="en-US" dirty="0"/>
-              <a:t>Demo – Accordion View Display Template</a:t>
+              <a:t>What can we override? </a:t>
+            </a:r>
+            <a:r>
+              <a:rPr lang="en-US" dirty="0" smtClean="0"/>
+              <a:t>(views)</a:t>
+            </a:r>
+            <a:endParaRPr lang="en-US" dirty="0"/>
+          </a:p>
+        </p:txBody>
+      </p:sp>
+      <p:sp>
+        <p:nvSpPr>
+          <p:cNvPr id="3" name="Content Placeholder 2"/>
+          <p:cNvSpPr>
+            <a:spLocks noGrp="1"/>
+          </p:cNvSpPr>
+          <p:nvPr>
+            <p:ph idx="1"/>
+          </p:nvPr>
+        </p:nvSpPr>
+        <p:spPr/>
+        <p:txBody>
+          <a:bodyPr>
+            <a:normAutofit fontScale="47500" lnSpcReduction="20000"/>
+          </a:bodyPr>
+          <a:lstStyle/>
+          <a:p>
+            <a:pPr marL="0" indent="0">
+              <a:buNone/>
+            </a:pPr>
+            <a:r>
+              <a:rPr lang="en-US" dirty="0">
+                <a:solidFill>
+                  <a:srgbClr val="0000FF"/>
+                </a:solidFill>
+                <a:latin typeface="Consolas" panose="020B0609020204030204" pitchFamily="49" charset="0"/>
+              </a:rPr>
+              <a:t>var</a:t>
+            </a:r>
+            <a:r>
+              <a:rPr lang="en-US" dirty="0">
+                <a:solidFill>
+                  <a:srgbClr val="000000"/>
+                </a:solidFill>
+                <a:latin typeface="Consolas" panose="020B0609020204030204" pitchFamily="49" charset="0"/>
+              </a:rPr>
+              <a:t> </a:t>
+            </a:r>
+            <a:r>
+              <a:rPr lang="en-US" dirty="0" smtClean="0">
+                <a:solidFill>
+                  <a:srgbClr val="000000"/>
+                </a:solidFill>
+                <a:latin typeface="Consolas" panose="020B0609020204030204" pitchFamily="49" charset="0"/>
+              </a:rPr>
+              <a:t>overrides = </a:t>
+            </a:r>
+            <a:r>
+              <a:rPr lang="en-US" dirty="0">
+                <a:solidFill>
+                  <a:srgbClr val="000000"/>
+                </a:solidFill>
+                <a:latin typeface="Consolas" panose="020B0609020204030204" pitchFamily="49" charset="0"/>
+              </a:rPr>
+              <a:t>{</a:t>
+            </a:r>
+          </a:p>
+          <a:p>
+            <a:pPr marL="0" indent="0">
+              <a:buNone/>
+            </a:pPr>
+            <a:r>
+              <a:rPr lang="en-US" dirty="0">
+                <a:solidFill>
+                  <a:srgbClr val="000000"/>
+                </a:solidFill>
+                <a:latin typeface="Consolas" panose="020B0609020204030204" pitchFamily="49" charset="0"/>
+              </a:rPr>
+              <a:t>    </a:t>
+            </a:r>
+            <a:r>
+              <a:rPr lang="en-US" dirty="0" err="1">
+                <a:solidFill>
+                  <a:srgbClr val="000000"/>
+                </a:solidFill>
+                <a:latin typeface="Consolas" panose="020B0609020204030204" pitchFamily="49" charset="0"/>
+              </a:rPr>
+              <a:t>BaseViewID</a:t>
+            </a:r>
+            <a:r>
+              <a:rPr lang="en-US" dirty="0">
+                <a:solidFill>
+                  <a:srgbClr val="000000"/>
+                </a:solidFill>
+                <a:latin typeface="Consolas" panose="020B0609020204030204" pitchFamily="49" charset="0"/>
+              </a:rPr>
+              <a:t>: </a:t>
+            </a:r>
+            <a:r>
+              <a:rPr lang="en-US" dirty="0">
+                <a:solidFill>
+                  <a:srgbClr val="008000"/>
+                </a:solidFill>
+                <a:latin typeface="Consolas" panose="020B0609020204030204" pitchFamily="49" charset="0"/>
+              </a:rPr>
+              <a:t>/* ID specified in Schema.xml */</a:t>
+            </a:r>
+            <a:r>
+              <a:rPr lang="en-US" dirty="0">
+                <a:solidFill>
+                  <a:srgbClr val="000000"/>
+                </a:solidFill>
+                <a:latin typeface="Consolas" panose="020B0609020204030204" pitchFamily="49" charset="0"/>
+              </a:rPr>
+              <a:t>,  </a:t>
+            </a:r>
+          </a:p>
+          <a:p>
+            <a:pPr marL="0" indent="0">
+              <a:buNone/>
+            </a:pPr>
+            <a:r>
+              <a:rPr lang="en-US" dirty="0">
+                <a:solidFill>
+                  <a:srgbClr val="000000"/>
+                </a:solidFill>
+                <a:latin typeface="Consolas" panose="020B0609020204030204" pitchFamily="49" charset="0"/>
+              </a:rPr>
+              <a:t>    </a:t>
+            </a:r>
+            <a:r>
+              <a:rPr lang="en-US" dirty="0" err="1">
+                <a:solidFill>
+                  <a:srgbClr val="000000"/>
+                </a:solidFill>
+                <a:latin typeface="Consolas" panose="020B0609020204030204" pitchFamily="49" charset="0"/>
+              </a:rPr>
+              <a:t>ListTemplateType</a:t>
+            </a:r>
+            <a:r>
+              <a:rPr lang="en-US" dirty="0">
+                <a:solidFill>
+                  <a:srgbClr val="000000"/>
+                </a:solidFill>
+                <a:latin typeface="Consolas" panose="020B0609020204030204" pitchFamily="49" charset="0"/>
+              </a:rPr>
+              <a:t>: </a:t>
+            </a:r>
+            <a:r>
+              <a:rPr lang="en-US" dirty="0">
+                <a:solidFill>
+                  <a:srgbClr val="008000"/>
+                </a:solidFill>
+                <a:latin typeface="Consolas" panose="020B0609020204030204" pitchFamily="49" charset="0"/>
+              </a:rPr>
+              <a:t>/* List Template ID to target */</a:t>
+            </a:r>
+            <a:r>
+              <a:rPr lang="en-US" dirty="0">
+                <a:solidFill>
+                  <a:srgbClr val="000000"/>
+                </a:solidFill>
+                <a:latin typeface="Consolas" panose="020B0609020204030204" pitchFamily="49" charset="0"/>
+              </a:rPr>
+              <a:t>,  </a:t>
+            </a:r>
+          </a:p>
+          <a:p>
+            <a:pPr marL="0" indent="0">
+              <a:buNone/>
+            </a:pPr>
+            <a:r>
+              <a:rPr lang="en-US" dirty="0">
+                <a:solidFill>
+                  <a:srgbClr val="000000"/>
+                </a:solidFill>
+                <a:latin typeface="Consolas" panose="020B0609020204030204" pitchFamily="49" charset="0"/>
+              </a:rPr>
+              <a:t>    </a:t>
+            </a:r>
+            <a:r>
+              <a:rPr lang="en-US" dirty="0" err="1">
+                <a:solidFill>
+                  <a:srgbClr val="000000"/>
+                </a:solidFill>
+                <a:latin typeface="Consolas" panose="020B0609020204030204" pitchFamily="49" charset="0"/>
+              </a:rPr>
+              <a:t>ViewStyle</a:t>
+            </a:r>
+            <a:r>
+              <a:rPr lang="en-US" dirty="0">
+                <a:solidFill>
+                  <a:srgbClr val="000000"/>
+                </a:solidFill>
+                <a:latin typeface="Consolas" panose="020B0609020204030204" pitchFamily="49" charset="0"/>
+              </a:rPr>
+              <a:t>: </a:t>
+            </a:r>
+            <a:r>
+              <a:rPr lang="en-US" dirty="0">
+                <a:solidFill>
+                  <a:srgbClr val="008000"/>
+                </a:solidFill>
+                <a:latin typeface="Consolas" panose="020B0609020204030204" pitchFamily="49" charset="0"/>
+              </a:rPr>
+              <a:t>/* classic View Style: Boxed, no labels (12), Boxed (13), Newsletter (15), etc. */</a:t>
+            </a:r>
+            <a:r>
+              <a:rPr lang="en-US" dirty="0">
+                <a:solidFill>
+                  <a:srgbClr val="000000"/>
+                </a:solidFill>
+                <a:latin typeface="Consolas" panose="020B0609020204030204" pitchFamily="49" charset="0"/>
+              </a:rPr>
+              <a:t>,</a:t>
+            </a:r>
+          </a:p>
+          <a:p>
+            <a:pPr marL="0" indent="0">
+              <a:buNone/>
+            </a:pPr>
+            <a:r>
+              <a:rPr lang="en-US" dirty="0">
+                <a:solidFill>
+                  <a:srgbClr val="000000"/>
+                </a:solidFill>
+                <a:latin typeface="Consolas" panose="020B0609020204030204" pitchFamily="49" charset="0"/>
+              </a:rPr>
+              <a:t>    OnPreRender: </a:t>
+            </a:r>
+            <a:r>
+              <a:rPr lang="en-US" dirty="0">
+                <a:solidFill>
+                  <a:srgbClr val="008000"/>
+                </a:solidFill>
+                <a:latin typeface="Consolas" panose="020B0609020204030204" pitchFamily="49" charset="0"/>
+              </a:rPr>
+              <a:t>/* function or array of functions */</a:t>
+            </a:r>
+            <a:r>
+              <a:rPr lang="en-US" dirty="0">
+                <a:solidFill>
+                  <a:srgbClr val="000000"/>
+                </a:solidFill>
+                <a:latin typeface="Consolas" panose="020B0609020204030204" pitchFamily="49" charset="0"/>
+              </a:rPr>
+              <a:t>,</a:t>
+            </a:r>
+          </a:p>
+          <a:p>
+            <a:pPr marL="0" indent="0">
+              <a:buNone/>
+            </a:pPr>
+            <a:r>
+              <a:rPr lang="en-US" dirty="0">
+                <a:solidFill>
+                  <a:srgbClr val="000000"/>
+                </a:solidFill>
+                <a:latin typeface="Consolas" panose="020B0609020204030204" pitchFamily="49" charset="0"/>
+              </a:rPr>
+              <a:t>    Templates: {</a:t>
+            </a:r>
+          </a:p>
+          <a:p>
+            <a:pPr marL="0" indent="0">
+              <a:buNone/>
+            </a:pPr>
+            <a:r>
+              <a:rPr lang="en-US" dirty="0">
+                <a:solidFill>
+                  <a:srgbClr val="000000"/>
+                </a:solidFill>
+                <a:latin typeface="Consolas" panose="020B0609020204030204" pitchFamily="49" charset="0"/>
+              </a:rPr>
+              <a:t>        View: </a:t>
+            </a:r>
+            <a:r>
+              <a:rPr lang="en-US" dirty="0">
+                <a:solidFill>
+                  <a:srgbClr val="008000"/>
+                </a:solidFill>
+                <a:latin typeface="Consolas" panose="020B0609020204030204" pitchFamily="49" charset="0"/>
+              </a:rPr>
+              <a:t>/* function or string */</a:t>
+            </a:r>
+            <a:r>
+              <a:rPr lang="en-US" dirty="0">
+                <a:solidFill>
+                  <a:srgbClr val="000000"/>
+                </a:solidFill>
+                <a:latin typeface="Consolas" panose="020B0609020204030204" pitchFamily="49" charset="0"/>
+              </a:rPr>
+              <a:t>,</a:t>
+            </a:r>
+          </a:p>
+          <a:p>
+            <a:pPr marL="0" indent="0">
+              <a:buNone/>
+            </a:pPr>
+            <a:r>
+              <a:rPr lang="en-US" dirty="0">
+                <a:solidFill>
+                  <a:srgbClr val="000000"/>
+                </a:solidFill>
+                <a:latin typeface="Consolas" panose="020B0609020204030204" pitchFamily="49" charset="0"/>
+              </a:rPr>
+              <a:t>        Body: </a:t>
+            </a:r>
+            <a:r>
+              <a:rPr lang="en-US" dirty="0">
+                <a:solidFill>
+                  <a:srgbClr val="008000"/>
+                </a:solidFill>
+                <a:latin typeface="Consolas" panose="020B0609020204030204" pitchFamily="49" charset="0"/>
+              </a:rPr>
+              <a:t>/* function or string */</a:t>
+            </a:r>
+            <a:r>
+              <a:rPr lang="en-US" dirty="0">
+                <a:solidFill>
+                  <a:srgbClr val="000000"/>
+                </a:solidFill>
+                <a:latin typeface="Consolas" panose="020B0609020204030204" pitchFamily="49" charset="0"/>
+              </a:rPr>
+              <a:t>,</a:t>
+            </a:r>
+          </a:p>
+          <a:p>
+            <a:pPr marL="0" indent="0">
+              <a:buNone/>
+            </a:pPr>
+            <a:r>
+              <a:rPr lang="en-US" dirty="0">
+                <a:solidFill>
+                  <a:srgbClr val="000000"/>
+                </a:solidFill>
+                <a:latin typeface="Consolas" panose="020B0609020204030204" pitchFamily="49" charset="0"/>
+              </a:rPr>
+              <a:t>        Header: </a:t>
+            </a:r>
+            <a:r>
+              <a:rPr lang="en-US" dirty="0">
+                <a:solidFill>
+                  <a:srgbClr val="008000"/>
+                </a:solidFill>
+                <a:latin typeface="Consolas" panose="020B0609020204030204" pitchFamily="49" charset="0"/>
+              </a:rPr>
+              <a:t>/* function or string */</a:t>
+            </a:r>
+            <a:r>
+              <a:rPr lang="en-US" dirty="0">
+                <a:solidFill>
+                  <a:srgbClr val="000000"/>
+                </a:solidFill>
+                <a:latin typeface="Consolas" panose="020B0609020204030204" pitchFamily="49" charset="0"/>
+              </a:rPr>
+              <a:t>,</a:t>
+            </a:r>
+          </a:p>
+          <a:p>
+            <a:pPr marL="0" indent="0">
+              <a:buNone/>
+            </a:pPr>
+            <a:r>
+              <a:rPr lang="en-US" dirty="0">
+                <a:solidFill>
+                  <a:srgbClr val="000000"/>
+                </a:solidFill>
+                <a:latin typeface="Consolas" panose="020B0609020204030204" pitchFamily="49" charset="0"/>
+              </a:rPr>
+              <a:t>        Footer: </a:t>
+            </a:r>
+            <a:r>
+              <a:rPr lang="en-US" dirty="0">
+                <a:solidFill>
+                  <a:srgbClr val="008000"/>
+                </a:solidFill>
+                <a:latin typeface="Consolas" panose="020B0609020204030204" pitchFamily="49" charset="0"/>
+              </a:rPr>
+              <a:t>/* function or string */</a:t>
+            </a:r>
+            <a:r>
+              <a:rPr lang="en-US" dirty="0">
+                <a:solidFill>
+                  <a:srgbClr val="000000"/>
+                </a:solidFill>
+                <a:latin typeface="Consolas" panose="020B0609020204030204" pitchFamily="49" charset="0"/>
+              </a:rPr>
+              <a:t>,</a:t>
+            </a:r>
+          </a:p>
+          <a:p>
+            <a:pPr marL="0" indent="0">
+              <a:buNone/>
+            </a:pPr>
+            <a:r>
+              <a:rPr lang="en-US" dirty="0">
+                <a:solidFill>
+                  <a:srgbClr val="000000"/>
+                </a:solidFill>
+                <a:latin typeface="Consolas" panose="020B0609020204030204" pitchFamily="49" charset="0"/>
+              </a:rPr>
+              <a:t>        Group: </a:t>
+            </a:r>
+            <a:r>
+              <a:rPr lang="en-US" dirty="0">
+                <a:solidFill>
+                  <a:srgbClr val="008000"/>
+                </a:solidFill>
+                <a:latin typeface="Consolas" panose="020B0609020204030204" pitchFamily="49" charset="0"/>
+              </a:rPr>
+              <a:t>/* function or string */</a:t>
+            </a:r>
+            <a:r>
+              <a:rPr lang="en-US" dirty="0">
+                <a:solidFill>
+                  <a:srgbClr val="000000"/>
+                </a:solidFill>
+                <a:latin typeface="Consolas" panose="020B0609020204030204" pitchFamily="49" charset="0"/>
+              </a:rPr>
+              <a:t>,</a:t>
+            </a:r>
+          </a:p>
+          <a:p>
+            <a:pPr marL="0" indent="0">
+              <a:buNone/>
+            </a:pPr>
+            <a:r>
+              <a:rPr lang="en-US" dirty="0">
+                <a:solidFill>
+                  <a:srgbClr val="000000"/>
+                </a:solidFill>
+                <a:latin typeface="Consolas" panose="020B0609020204030204" pitchFamily="49" charset="0"/>
+              </a:rPr>
+              <a:t>        Item: </a:t>
+            </a:r>
+            <a:r>
+              <a:rPr lang="en-US" dirty="0">
+                <a:solidFill>
+                  <a:srgbClr val="008000"/>
+                </a:solidFill>
+                <a:latin typeface="Consolas" panose="020B0609020204030204" pitchFamily="49" charset="0"/>
+              </a:rPr>
+              <a:t>/* function or string */</a:t>
+            </a:r>
+            <a:r>
+              <a:rPr lang="en-US" dirty="0">
+                <a:solidFill>
+                  <a:srgbClr val="000000"/>
+                </a:solidFill>
+                <a:latin typeface="Consolas" panose="020B0609020204030204" pitchFamily="49" charset="0"/>
+              </a:rPr>
+              <a:t>,</a:t>
+            </a:r>
+          </a:p>
+          <a:p>
+            <a:pPr marL="0" indent="0">
+              <a:buNone/>
+            </a:pPr>
+            <a:r>
+              <a:rPr lang="en-US" dirty="0">
+                <a:solidFill>
+                  <a:srgbClr val="000000"/>
+                </a:solidFill>
+                <a:latin typeface="Consolas" panose="020B0609020204030204" pitchFamily="49" charset="0"/>
+              </a:rPr>
+              <a:t>        Fields: { </a:t>
+            </a:r>
+            <a:r>
+              <a:rPr lang="en-US" dirty="0">
+                <a:solidFill>
+                  <a:srgbClr val="008000"/>
+                </a:solidFill>
+                <a:latin typeface="Consolas" panose="020B0609020204030204" pitchFamily="49" charset="0"/>
+              </a:rPr>
+              <a:t>/* same as forms but </a:t>
+            </a:r>
+            <a:r>
+              <a:rPr lang="en-US" dirty="0" smtClean="0">
+                <a:solidFill>
+                  <a:srgbClr val="008000"/>
+                </a:solidFill>
+                <a:latin typeface="Consolas" panose="020B0609020204030204" pitchFamily="49" charset="0"/>
+              </a:rPr>
+              <a:t>override </a:t>
+            </a:r>
+            <a:r>
+              <a:rPr lang="en-US" dirty="0">
+                <a:solidFill>
+                  <a:srgbClr val="008000"/>
+                </a:solidFill>
+                <a:latin typeface="Consolas" panose="020B0609020204030204" pitchFamily="49" charset="0"/>
+              </a:rPr>
+              <a:t>View */</a:t>
+            </a:r>
+            <a:r>
+              <a:rPr lang="en-US" dirty="0">
+                <a:solidFill>
+                  <a:srgbClr val="000000"/>
+                </a:solidFill>
+                <a:latin typeface="Consolas" panose="020B0609020204030204" pitchFamily="49" charset="0"/>
+              </a:rPr>
+              <a:t> },</a:t>
+            </a:r>
+          </a:p>
+          <a:p>
+            <a:pPr marL="0" indent="0">
+              <a:buNone/>
+            </a:pPr>
+            <a:r>
+              <a:rPr lang="en-US" dirty="0">
+                <a:solidFill>
+                  <a:srgbClr val="000000"/>
+                </a:solidFill>
+                <a:latin typeface="Consolas" panose="020B0609020204030204" pitchFamily="49" charset="0"/>
+              </a:rPr>
+              <a:t>    },</a:t>
+            </a:r>
+          </a:p>
+          <a:p>
+            <a:pPr marL="0" indent="0">
+              <a:buNone/>
+            </a:pPr>
+            <a:r>
+              <a:rPr lang="en-US" dirty="0">
+                <a:solidFill>
+                  <a:srgbClr val="000000"/>
+                </a:solidFill>
+                <a:latin typeface="Consolas" panose="020B0609020204030204" pitchFamily="49" charset="0"/>
+              </a:rPr>
+              <a:t>    OnPostRender: </a:t>
+            </a:r>
+            <a:r>
+              <a:rPr lang="en-US" dirty="0">
+                <a:solidFill>
+                  <a:srgbClr val="008000"/>
+                </a:solidFill>
+                <a:latin typeface="Consolas" panose="020B0609020204030204" pitchFamily="49" charset="0"/>
+              </a:rPr>
+              <a:t>/* function or array of functions */</a:t>
+            </a:r>
+            <a:endParaRPr lang="en-US" dirty="0">
+              <a:solidFill>
+                <a:srgbClr val="000000"/>
+              </a:solidFill>
+              <a:latin typeface="Consolas" panose="020B0609020204030204" pitchFamily="49" charset="0"/>
+            </a:endParaRPr>
+          </a:p>
+          <a:p>
+            <a:pPr marL="0" indent="0">
+              <a:buNone/>
+            </a:pPr>
+            <a:r>
+              <a:rPr lang="en-US" dirty="0">
+                <a:solidFill>
+                  <a:srgbClr val="000000"/>
+                </a:solidFill>
+                <a:latin typeface="Consolas" panose="020B0609020204030204" pitchFamily="49" charset="0"/>
+              </a:rPr>
+              <a:t>};</a:t>
+            </a:r>
+            <a:endParaRPr lang="en-US" dirty="0"/>
+          </a:p>
+        </p:txBody>
+      </p:sp>
+      <p:sp>
+        <p:nvSpPr>
+          <p:cNvPr id="4" name="Date Placeholder 3"/>
+          <p:cNvSpPr>
+            <a:spLocks noGrp="1"/>
+          </p:cNvSpPr>
+          <p:nvPr>
+            <p:ph type="dt" sz="half" idx="10"/>
+          </p:nvPr>
+        </p:nvSpPr>
+        <p:spPr/>
+        <p:txBody>
+          <a:bodyPr/>
+          <a:lstStyle/>
+          <a:p>
+            <a:r>
+              <a:rPr lang="en-US" smtClean="0"/>
+              <a:t>1/21/2017</a:t>
+            </a:r>
+            <a:endParaRPr lang="en-US" dirty="0"/>
+          </a:p>
+        </p:txBody>
+      </p:sp>
+      <p:sp>
+        <p:nvSpPr>
+          <p:cNvPr id="5" name="Footer Placeholder 4"/>
+          <p:cNvSpPr>
+            <a:spLocks noGrp="1"/>
+          </p:cNvSpPr>
+          <p:nvPr>
+            <p:ph type="ftr" sz="quarter" idx="11"/>
+          </p:nvPr>
+        </p:nvSpPr>
+        <p:spPr/>
+        <p:txBody>
+          <a:bodyPr/>
+          <a:lstStyle/>
+          <a:p>
+            <a:r>
+              <a:rPr lang="en-US" smtClean="0"/>
+              <a:t>SharePoint Saturday St Louis - Spice up Your Forms and View with Client Side Rendering (CSR)</a:t>
+            </a:r>
+            <a:endParaRPr lang="en-US" dirty="0"/>
+          </a:p>
+        </p:txBody>
+      </p:sp>
+    </p:spTree>
+    <p:extLst>
+      <p:ext uri="{BB962C8B-B14F-4D97-AF65-F5344CB8AC3E}">
+        <p14:creationId xmlns:p14="http://schemas.microsoft.com/office/powerpoint/2010/main" val="812032166"/>
+      </p:ext>
+    </p:extLst>
+  </p:cSld>
+  <p:clrMapOvr>
+    <a:masterClrMapping/>
+  </p:clrMapOvr>
+</p:sld>
+</file>
+
+<file path=ppt/slides/slide15.xml><?xml version="1.0" encoding="utf-8"?>
+<p:sld xmlns:a="http://schemas.openxmlformats.org/drawingml/2006/main" xmlns:r="http://schemas.openxmlformats.org/officeDocument/2006/relationships" xmlns:p="http://schemas.openxmlformats.org/presentationml/2006/main">
+  <p:cSld>
+    <p:bg>
+      <p:bgPr>
+        <a:solidFill>
+          <a:schemeClr val="bg1"/>
+        </a:solidFill>
+        <a:effectLst/>
+      </p:bgPr>
+    </p:bg>
+    <p:spTree>
+      <p:nvGrpSpPr>
+        <p:cNvPr id="1" name=""/>
+        <p:cNvGrpSpPr/>
+        <p:nvPr/>
+      </p:nvGrpSpPr>
+      <p:grpSpPr>
+        <a:xfrm>
+          <a:off x="0" y="0"/>
+          <a:ext cx="0" cy="0"/>
+          <a:chOff x="0" y="0"/>
+          <a:chExt cx="0" cy="0"/>
+        </a:xfrm>
+      </p:grpSpPr>
+      <p:sp>
+        <p:nvSpPr>
+          <p:cNvPr id="4" name="Date Placeholder 3"/>
+          <p:cNvSpPr>
+            <a:spLocks noGrp="1"/>
+          </p:cNvSpPr>
+          <p:nvPr>
+            <p:ph type="dt" sz="half" idx="10"/>
+          </p:nvPr>
+        </p:nvSpPr>
+        <p:spPr/>
+        <p:txBody>
+          <a:bodyPr/>
+          <a:lstStyle/>
+          <a:p>
+            <a:r>
+              <a:rPr lang="en-US" smtClean="0"/>
+              <a:t>1/21/2017</a:t>
+            </a:r>
+            <a:endParaRPr lang="en-US" dirty="0"/>
+          </a:p>
+        </p:txBody>
+      </p:sp>
+      <p:sp>
+        <p:nvSpPr>
+          <p:cNvPr id="5" name="Footer Placeholder 4"/>
+          <p:cNvSpPr>
+            <a:spLocks noGrp="1"/>
+          </p:cNvSpPr>
+          <p:nvPr>
+            <p:ph type="ftr" sz="quarter" idx="11"/>
+          </p:nvPr>
+        </p:nvSpPr>
+        <p:spPr/>
+        <p:txBody>
+          <a:bodyPr/>
+          <a:lstStyle/>
+          <a:p>
+            <a:r>
+              <a:rPr lang="en-US" smtClean="0"/>
+              <a:t>SharePoint Saturday St Louis - Spice up Your Forms and View with Client Side Rendering (CSR)</a:t>
+            </a:r>
+            <a:endParaRPr lang="en-US" dirty="0"/>
+          </a:p>
+        </p:txBody>
+      </p:sp>
+      <p:pic>
+        <p:nvPicPr>
+          <p:cNvPr id="2" name="Picture 1"/>
+          <p:cNvPicPr>
+            <a:picLocks noChangeAspect="1"/>
+          </p:cNvPicPr>
+          <p:nvPr/>
+        </p:nvPicPr>
+        <p:blipFill>
+          <a:blip r:embed="rId2">
+            <a:extLst>
+              <a:ext uri="{28A0092B-C50C-407E-A947-70E740481C1C}">
+                <a14:useLocalDpi xmlns:a14="http://schemas.microsoft.com/office/drawing/2010/main" val="0"/>
+              </a:ext>
+            </a:extLst>
+          </a:blip>
+          <a:stretch>
+            <a:fillRect/>
+          </a:stretch>
+        </p:blipFill>
+        <p:spPr>
+          <a:xfrm>
+            <a:off x="1101438" y="300515"/>
+            <a:ext cx="10037614" cy="5936099"/>
+          </a:xfrm>
+          <a:prstGeom prst="rect">
+            <a:avLst/>
+          </a:prstGeom>
+        </p:spPr>
+      </p:pic>
+    </p:spTree>
+    <p:extLst>
+      <p:ext uri="{BB962C8B-B14F-4D97-AF65-F5344CB8AC3E}">
+        <p14:creationId xmlns:p14="http://schemas.microsoft.com/office/powerpoint/2010/main" val="264619781"/>
+      </p:ext>
+    </p:extLst>
+  </p:cSld>
+  <p:clrMapOvr>
+    <a:masterClrMapping/>
+  </p:clrMapOvr>
+</p:sld>
+</file>
+
+<file path=ppt/slides/slide16.xml><?xml version="1.0" encoding="utf-8"?>
+<p:sld xmlns:a="http://schemas.openxmlformats.org/drawingml/2006/main" xmlns:r="http://schemas.openxmlformats.org/officeDocument/2006/relationships" xmlns:p="http://schemas.openxmlformats.org/presentationml/2006/main">
+  <p:cSld>
+    <p:bg>
+      <p:bgPr>
+        <a:solidFill>
+          <a:schemeClr val="bg1"/>
+        </a:solidFill>
+        <a:effectLst/>
+      </p:bgPr>
+    </p:bg>
+    <p:spTree>
+      <p:nvGrpSpPr>
+        <p:cNvPr id="1" name=""/>
+        <p:cNvGrpSpPr/>
+        <p:nvPr/>
+      </p:nvGrpSpPr>
+      <p:grpSpPr>
+        <a:xfrm>
+          <a:off x="0" y="0"/>
+          <a:ext cx="0" cy="0"/>
+          <a:chOff x="0" y="0"/>
+          <a:chExt cx="0" cy="0"/>
+        </a:xfrm>
+      </p:grpSpPr>
+      <p:sp>
+        <p:nvSpPr>
+          <p:cNvPr id="2" name="Title 1"/>
+          <p:cNvSpPr>
+            <a:spLocks noGrp="1"/>
+          </p:cNvSpPr>
+          <p:nvPr>
+            <p:ph type="title"/>
+          </p:nvPr>
+        </p:nvSpPr>
+        <p:spPr>
+          <a:xfrm>
+            <a:off x="838199" y="365125"/>
+            <a:ext cx="10839595" cy="1325563"/>
+          </a:xfrm>
+        </p:spPr>
+        <p:txBody>
+          <a:bodyPr/>
+          <a:lstStyle/>
+          <a:p>
+            <a:r>
+              <a:rPr lang="en-US" dirty="0" smtClean="0"/>
+              <a:t>Demo #6 </a:t>
+            </a:r>
+            <a:r>
+              <a:rPr lang="en-US" dirty="0"/>
+              <a:t>– Accordion View Display Template</a:t>
             </a:r>
           </a:p>
         </p:txBody>
@@ -13005,7 +13411,7 @@
 </p:sld>
 </file>
 
-<file path=ppt/slides/slide15.xml><?xml version="1.0" encoding="utf-8"?>
+<file path=ppt/slides/slide17.xml><?xml version="1.0" encoding="utf-8"?>
 <p:sld xmlns:a="http://schemas.openxmlformats.org/drawingml/2006/main" xmlns:r="http://schemas.openxmlformats.org/officeDocument/2006/relationships" xmlns:p="http://schemas.openxmlformats.org/presentationml/2006/main">
   <p:cSld>
     <p:bg>
@@ -13632,36 +14038,200 @@
           <a:p>
             <a:r>
               <a:rPr lang="en-US" dirty="0"/>
-              <a:t>Target Audience &amp; Objectives</a:t>
+              <a:t>References</a:t>
             </a:r>
           </a:p>
         </p:txBody>
       </p:sp>
-      <p:graphicFrame>
-        <p:nvGraphicFramePr>
-          <p:cNvPr id="6" name="Content Placeholder 5"/>
-          <p:cNvGraphicFramePr>
-            <a:graphicFrameLocks noGrp="1"/>
-          </p:cNvGraphicFramePr>
+      <p:sp>
+        <p:nvSpPr>
+          <p:cNvPr id="3" name="Content Placeholder 2"/>
+          <p:cNvSpPr>
+            <a:spLocks noGrp="1"/>
+          </p:cNvSpPr>
           <p:nvPr>
             <p:ph idx="1"/>
-            <p:extLst>
-              <p:ext uri="{D42A27DB-BD31-4B8C-83A1-F6EECF244321}">
-                <p14:modId xmlns:p14="http://schemas.microsoft.com/office/powerpoint/2010/main" val="3516624346"/>
-              </p:ext>
-            </p:extLst>
           </p:nvPr>
-        </p:nvGraphicFramePr>
-        <p:xfrm>
-          <a:off x="838200" y="1758156"/>
-          <a:ext cx="10515600" cy="4530725"/>
-        </p:xfrm>
-        <a:graphic>
-          <a:graphicData uri="http://schemas.openxmlformats.org/drawingml/2006/diagram">
-            <dgm:relIds xmlns:dgm="http://schemas.openxmlformats.org/drawingml/2006/diagram" xmlns:r="http://schemas.openxmlformats.org/officeDocument/2006/relationships" r:dm="rId2" r:lo="rId3" r:qs="rId4" r:cs="rId5"/>
-          </a:graphicData>
-        </a:graphic>
-      </p:graphicFrame>
+        </p:nvSpPr>
+        <p:spPr>
+          <a:xfrm>
+            <a:off x="838200" y="1504538"/>
+            <a:ext cx="10515600" cy="4784580"/>
+          </a:xfrm>
+        </p:spPr>
+        <p:txBody>
+          <a:bodyPr/>
+          <a:lstStyle/>
+          <a:p>
+            <a:r>
+              <a:rPr lang="en-US" sz="2000" dirty="0"/>
+              <a:t>Martin Hatch, 7 part blog series on CSR</a:t>
+            </a:r>
+          </a:p>
+          <a:p>
+            <a:pPr marL="0" indent="0">
+              <a:buNone/>
+            </a:pPr>
+            <a:r>
+              <a:rPr lang="en-US" sz="1600" u="sng" dirty="0">
+                <a:solidFill>
+                  <a:schemeClr val="accent1">
+                    <a:lumMod val="50000"/>
+                  </a:schemeClr>
+                </a:solidFill>
+                <a:hlinkClick r:id="rId2"/>
+              </a:rPr>
+              <a:t>www.martinhatch.com/2013/08/jslink-and-display-templates-part-1.html</a:t>
+            </a:r>
+            <a:endParaRPr lang="en-US" sz="1600" u="sng" dirty="0">
+              <a:solidFill>
+                <a:schemeClr val="accent1">
+                  <a:lumMod val="50000"/>
+                </a:schemeClr>
+              </a:solidFill>
+            </a:endParaRPr>
+          </a:p>
+          <a:p>
+            <a:r>
+              <a:rPr lang="en-US" sz="2000" dirty="0"/>
+              <a:t>Andrew Markeev, has several good CSR posts on Code Project</a:t>
+            </a:r>
+          </a:p>
+          <a:p>
+            <a:pPr marL="0" indent="0">
+              <a:buNone/>
+            </a:pPr>
+            <a:r>
+              <a:rPr lang="en-US" sz="1600" u="sng" dirty="0">
+                <a:solidFill>
+                  <a:schemeClr val="accent1">
+                    <a:lumMod val="50000"/>
+                  </a:schemeClr>
+                </a:solidFill>
+                <a:hlinkClick r:id="rId3"/>
+              </a:rPr>
+              <a:t>www.codeproject.com/search.aspx?q=markeev&amp;doctypeid=1%3b2%3b3%3b13%3b14&amp;authorid=7585543</a:t>
+            </a:r>
+            <a:endParaRPr lang="en-US" sz="1600" u="sng" dirty="0">
+              <a:solidFill>
+                <a:schemeClr val="accent1">
+                  <a:lumMod val="50000"/>
+                </a:schemeClr>
+              </a:solidFill>
+            </a:endParaRPr>
+          </a:p>
+          <a:p>
+            <a:r>
+              <a:rPr lang="en-US" sz="2000" dirty="0"/>
+              <a:t>Wictor Wilén, great write-up on CSR and MDS</a:t>
+            </a:r>
+          </a:p>
+          <a:p>
+            <a:pPr marL="0" indent="0">
+              <a:buNone/>
+            </a:pPr>
+            <a:r>
+              <a:rPr lang="en-US" sz="1600" dirty="0">
+                <a:hlinkClick r:id="rId4"/>
+              </a:rPr>
+              <a:t>www.wictorwilen.se/the-correct-way-to-execute-javascript-functions-in-sharepoint-2013-mds-enabled-sites </a:t>
+            </a:r>
+            <a:endParaRPr lang="en-US" sz="1600" dirty="0"/>
+          </a:p>
+          <a:p>
+            <a:r>
+              <a:rPr lang="en-US" sz="2000" dirty="0"/>
+              <a:t>Office365 Developer Patterns and Practices </a:t>
+            </a:r>
+          </a:p>
+          <a:p>
+            <a:pPr marL="0" indent="0">
+              <a:buNone/>
+            </a:pPr>
+            <a:r>
+              <a:rPr lang="en-US" sz="1600" dirty="0">
+                <a:hlinkClick r:id="rId5"/>
+              </a:rPr>
+              <a:t>github.com/OfficeDev/PnP</a:t>
+            </a:r>
+            <a:endParaRPr lang="en-US" sz="1600" dirty="0"/>
+          </a:p>
+          <a:p>
+            <a:r>
+              <a:rPr lang="en-US" sz="2000" dirty="0"/>
+              <a:t>Slides and Code from this presentation</a:t>
+            </a:r>
+          </a:p>
+          <a:p>
+            <a:pPr marL="0" indent="0">
+              <a:buNone/>
+            </a:pPr>
+            <a:r>
+              <a:rPr lang="en-US" sz="1600" dirty="0" smtClean="0">
+                <a:hlinkClick r:id="rId6"/>
+              </a:rPr>
+              <a:t>github.com/</a:t>
+            </a:r>
+            <a:r>
+              <a:rPr lang="en-US" sz="1600" dirty="0" err="1" smtClean="0">
+                <a:hlinkClick r:id="rId6"/>
+              </a:rPr>
+              <a:t>mcsheaj</a:t>
+            </a:r>
+            <a:r>
+              <a:rPr lang="en-US" sz="1600" dirty="0" smtClean="0">
+                <a:hlinkClick r:id="rId6"/>
+              </a:rPr>
+              <a:t>/</a:t>
+            </a:r>
+            <a:r>
+              <a:rPr lang="en-US" sz="1600" dirty="0" err="1" smtClean="0">
+                <a:hlinkClick r:id="rId6"/>
+              </a:rPr>
+              <a:t>CSRDemos</a:t>
+            </a:r>
+            <a:endParaRPr lang="en-US" sz="1600" dirty="0" smtClean="0"/>
+          </a:p>
+          <a:p>
+            <a:r>
+              <a:rPr lang="en-US" sz="2000" dirty="0" smtClean="0"/>
+              <a:t>Jose Quinto, SharePoint </a:t>
+            </a:r>
+            <a:r>
+              <a:rPr lang="en-US" sz="2000" dirty="0"/>
+              <a:t>2013 Client Side Rendering: Register Templates Overrides in </a:t>
+            </a:r>
+            <a:r>
+              <a:rPr lang="en-US" sz="2000" dirty="0" smtClean="0"/>
+              <a:t>Detail</a:t>
+            </a:r>
+          </a:p>
+          <a:p>
+            <a:pPr marL="0" indent="0">
+              <a:buNone/>
+            </a:pPr>
+            <a:r>
+              <a:rPr lang="en-US" sz="1600" dirty="0">
+                <a:hlinkClick r:id="rId7"/>
+              </a:rPr>
+              <a:t>https://blog.josequinto.com/2016/01/14/sharepoint-2013-client-side-rendering-register-templates-overrides-in-detail</a:t>
+            </a:r>
+            <a:r>
+              <a:rPr lang="en-US" sz="1600" dirty="0" smtClean="0">
+                <a:hlinkClick r:id="rId7"/>
+              </a:rPr>
+              <a:t>/</a:t>
+            </a:r>
+            <a:endParaRPr lang="en-US" sz="1600" dirty="0" smtClean="0"/>
+          </a:p>
+          <a:p>
+            <a:pPr marL="0" indent="0">
+              <a:buNone/>
+            </a:pPr>
+            <a:endParaRPr lang="en-US" sz="1600" dirty="0"/>
+          </a:p>
+        </p:txBody>
+      </p:sp>
       <p:sp>
         <p:nvSpPr>
           <p:cNvPr id="4" name="Date Placeholder 3"/>
@@ -13711,7 +14281,7 @@
     </p:spTree>
     <p:extLst>
       <p:ext uri="{BB962C8B-B14F-4D97-AF65-F5344CB8AC3E}">
-        <p14:creationId xmlns:p14="http://schemas.microsoft.com/office/powerpoint/2010/main" val="841752910"/>
+        <p14:creationId xmlns:p14="http://schemas.microsoft.com/office/powerpoint/2010/main" val="2594131776"/>
       </p:ext>
     </p:extLst>
   </p:cSld>
@@ -13763,7 +14333,7 @@
           <a:p>
             <a:r>
               <a:rPr lang="en-US" dirty="0"/>
-              <a:t>What is JSLink?</a:t>
+              <a:t>Target Audience &amp; Objectives</a:t>
             </a:r>
           </a:p>
         </p:txBody>
@@ -13778,14 +14348,14 @@
             <p:ph idx="1"/>
             <p:extLst>
               <p:ext uri="{D42A27DB-BD31-4B8C-83A1-F6EECF244321}">
-                <p14:modId xmlns:p14="http://schemas.microsoft.com/office/powerpoint/2010/main" val="4270857075"/>
+                <p14:modId xmlns:p14="http://schemas.microsoft.com/office/powerpoint/2010/main" val="3516624346"/>
               </p:ext>
             </p:extLst>
           </p:nvPr>
         </p:nvGraphicFramePr>
         <p:xfrm>
-          <a:off x="838200" y="1825625"/>
-          <a:ext cx="10515600" cy="4438988"/>
+          <a:off x="838200" y="1758156"/>
+          <a:ext cx="10515600" cy="4530725"/>
         </p:xfrm>
         <a:graphic>
           <a:graphicData uri="http://schemas.openxmlformats.org/drawingml/2006/diagram">
@@ -13842,7 +14412,7 @@
     </p:spTree>
     <p:extLst>
       <p:ext uri="{BB962C8B-B14F-4D97-AF65-F5344CB8AC3E}">
-        <p14:creationId xmlns:p14="http://schemas.microsoft.com/office/powerpoint/2010/main" val="1903600794"/>
+        <p14:creationId xmlns:p14="http://schemas.microsoft.com/office/powerpoint/2010/main" val="841752910"/>
       </p:ext>
     </p:extLst>
   </p:cSld>
@@ -13894,19 +14464,14 @@
           <a:p>
             <a:r>
               <a:rPr lang="en-US" dirty="0"/>
-              <a:t>What is Client Side </a:t>
-            </a:r>
-            <a:r>
-              <a:rPr lang="en-US" dirty="0" smtClean="0"/>
-              <a:t>Rendering?</a:t>
-            </a:r>
-            <a:endParaRPr lang="en-US" dirty="0"/>
+              <a:t>What is JSLink?</a:t>
+            </a:r>
           </a:p>
         </p:txBody>
       </p:sp>
       <p:graphicFrame>
         <p:nvGraphicFramePr>
-          <p:cNvPr id="7" name="Content Placeholder 6"/>
+          <p:cNvPr id="6" name="Content Placeholder 5"/>
           <p:cNvGraphicFramePr>
             <a:graphicFrameLocks noGrp="1"/>
           </p:cNvGraphicFramePr>
@@ -13914,14 +14479,14 @@
             <p:ph idx="1"/>
             <p:extLst>
               <p:ext uri="{D42A27DB-BD31-4B8C-83A1-F6EECF244321}">
-                <p14:modId xmlns:p14="http://schemas.microsoft.com/office/powerpoint/2010/main" val="1750118428"/>
+                <p14:modId xmlns:p14="http://schemas.microsoft.com/office/powerpoint/2010/main" val="4270857075"/>
               </p:ext>
             </p:extLst>
           </p:nvPr>
         </p:nvGraphicFramePr>
         <p:xfrm>
           <a:off x="838200" y="1825625"/>
-          <a:ext cx="10515600" cy="4351338"/>
+          <a:ext cx="10515600" cy="4438988"/>
         </p:xfrm>
         <a:graphic>
           <a:graphicData uri="http://schemas.openxmlformats.org/drawingml/2006/diagram">
@@ -13978,7 +14543,7 @@
     </p:spTree>
     <p:extLst>
       <p:ext uri="{BB962C8B-B14F-4D97-AF65-F5344CB8AC3E}">
-        <p14:creationId xmlns:p14="http://schemas.microsoft.com/office/powerpoint/2010/main" val="2267418070"/>
+        <p14:creationId xmlns:p14="http://schemas.microsoft.com/office/powerpoint/2010/main" val="1903600794"/>
       </p:ext>
     </p:extLst>
   </p:cSld>
@@ -14029,114 +14594,42 @@
           <a:lstStyle/>
           <a:p>
             <a:r>
+              <a:rPr lang="en-US" dirty="0"/>
+              <a:t>What is Client Side </a:t>
+            </a:r>
+            <a:r>
               <a:rPr lang="en-US" dirty="0" smtClean="0"/>
-              <a:t>What is Client Side Rendering?</a:t>
+              <a:t>Rendering?</a:t>
             </a:r>
             <a:endParaRPr lang="en-US" dirty="0"/>
           </a:p>
         </p:txBody>
       </p:sp>
-      <p:sp>
-        <p:nvSpPr>
-          <p:cNvPr id="3" name="Content Placeholder 2"/>
-          <p:cNvSpPr>
-            <a:spLocks noGrp="1"/>
-          </p:cNvSpPr>
+      <p:graphicFrame>
+        <p:nvGraphicFramePr>
+          <p:cNvPr id="7" name="Content Placeholder 6"/>
+          <p:cNvGraphicFramePr>
+            <a:graphicFrameLocks noGrp="1"/>
+          </p:cNvGraphicFramePr>
           <p:nvPr>
             <p:ph idx="1"/>
+            <p:extLst>
+              <p:ext uri="{D42A27DB-BD31-4B8C-83A1-F6EECF244321}">
+                <p14:modId xmlns:p14="http://schemas.microsoft.com/office/powerpoint/2010/main" val="1750118428"/>
+              </p:ext>
+            </p:extLst>
           </p:nvPr>
-        </p:nvSpPr>
-        <p:spPr/>
-        <p:txBody>
-          <a:bodyPr/>
-          <a:lstStyle/>
-          <a:p>
-            <a:r>
-              <a:rPr lang="en-US" dirty="0" smtClean="0"/>
-              <a:t>An API implemented in </a:t>
-            </a:r>
-            <a:r>
-              <a:rPr lang="en-US" dirty="0" err="1" smtClean="0"/>
-              <a:t>SPClientTemplates</a:t>
-            </a:r>
-            <a:r>
-              <a:rPr lang="en-US" dirty="0" smtClean="0"/>
-              <a:t>, which is defined in clienttemplates.js</a:t>
-            </a:r>
-          </a:p>
-          <a:p>
-            <a:r>
-              <a:rPr lang="en-US" dirty="0" smtClean="0"/>
-              <a:t>Override parts of the rendering by calling:</a:t>
-            </a:r>
-          </a:p>
-          <a:p>
-            <a:pPr marL="0" indent="0">
-              <a:buNone/>
-            </a:pPr>
-            <a:r>
-              <a:rPr lang="en-US" dirty="0" smtClean="0"/>
-              <a:t> </a:t>
-            </a:r>
-          </a:p>
-          <a:p>
-            <a:pPr marL="0" indent="0">
-              <a:buNone/>
-            </a:pPr>
-            <a:r>
-              <a:rPr lang="en-US" b="1" dirty="0" err="1" smtClean="0">
-                <a:solidFill>
-                  <a:schemeClr val="tx2"/>
-                </a:solidFill>
-              </a:rPr>
-              <a:t>SPClientTemplates.TemplateManager.RegisterTemplateOverrides</a:t>
-            </a:r>
-            <a:r>
-              <a:rPr lang="en-US" b="1" dirty="0" smtClean="0">
-                <a:solidFill>
-                  <a:schemeClr val="tx2"/>
-                </a:solidFill>
-              </a:rPr>
-              <a:t>(</a:t>
-            </a:r>
-            <a:r>
-              <a:rPr lang="en-US" b="1" dirty="0" err="1" smtClean="0">
-                <a:solidFill>
-                  <a:schemeClr val="tx2"/>
-                </a:solidFill>
-              </a:rPr>
-              <a:t>obj</a:t>
-            </a:r>
-            <a:r>
-              <a:rPr lang="en-US" b="1" dirty="0" smtClean="0">
-                <a:solidFill>
-                  <a:schemeClr val="tx2"/>
-                </a:solidFill>
-              </a:rPr>
-              <a:t>)</a:t>
-            </a:r>
-          </a:p>
-          <a:p>
-            <a:pPr marL="0" indent="0">
-              <a:buNone/>
-            </a:pPr>
-            <a:endParaRPr lang="en-US" b="1" dirty="0" smtClean="0">
-              <a:solidFill>
-                <a:schemeClr val="tx2"/>
-              </a:solidFill>
-            </a:endParaRPr>
-          </a:p>
-          <a:p>
-            <a:r>
-              <a:rPr lang="en-US" dirty="0" smtClean="0"/>
-              <a:t>The object input to this function describes the parts of the rendering process that we would like to take over</a:t>
-            </a:r>
-          </a:p>
-          <a:p>
-            <a:endParaRPr lang="en-US" dirty="0"/>
-          </a:p>
-        </p:txBody>
-      </p:sp>
+        </p:nvGraphicFramePr>
+        <p:xfrm>
+          <a:off x="838200" y="1825625"/>
+          <a:ext cx="10515600" cy="4351338"/>
+        </p:xfrm>
+        <a:graphic>
+          <a:graphicData uri="http://schemas.openxmlformats.org/drawingml/2006/diagram">
+            <dgm:relIds xmlns:dgm="http://schemas.openxmlformats.org/drawingml/2006/diagram" xmlns:r="http://schemas.openxmlformats.org/officeDocument/2006/relationships" r:dm="rId2" r:lo="rId3" r:qs="rId4" r:cs="rId5"/>
+          </a:graphicData>
+        </a:graphic>
+      </p:graphicFrame>
       <p:sp>
         <p:nvSpPr>
           <p:cNvPr id="4" name="Date Placeholder 3"/>
@@ -14186,7 +14679,7 @@
     </p:spTree>
     <p:extLst>
       <p:ext uri="{BB962C8B-B14F-4D97-AF65-F5344CB8AC3E}">
-        <p14:creationId xmlns:p14="http://schemas.microsoft.com/office/powerpoint/2010/main" val="1885492642"/>
+        <p14:creationId xmlns:p14="http://schemas.microsoft.com/office/powerpoint/2010/main" val="2267418070"/>
       </p:ext>
     </p:extLst>
   </p:cSld>
@@ -14238,6 +14731,214 @@
           <a:p>
             <a:r>
               <a:rPr lang="en-US" dirty="0" smtClean="0"/>
+              <a:t>What is Client Side Rendering?</a:t>
+            </a:r>
+            <a:endParaRPr lang="en-US" dirty="0"/>
+          </a:p>
+        </p:txBody>
+      </p:sp>
+      <p:sp>
+        <p:nvSpPr>
+          <p:cNvPr id="3" name="Content Placeholder 2"/>
+          <p:cNvSpPr>
+            <a:spLocks noGrp="1"/>
+          </p:cNvSpPr>
+          <p:nvPr>
+            <p:ph idx="1"/>
+          </p:nvPr>
+        </p:nvSpPr>
+        <p:spPr/>
+        <p:txBody>
+          <a:bodyPr/>
+          <a:lstStyle/>
+          <a:p>
+            <a:r>
+              <a:rPr lang="en-US" dirty="0" smtClean="0"/>
+              <a:t>An API implemented in </a:t>
+            </a:r>
+            <a:r>
+              <a:rPr lang="en-US" dirty="0" err="1" smtClean="0"/>
+              <a:t>SPClientTemplates</a:t>
+            </a:r>
+            <a:r>
+              <a:rPr lang="en-US" dirty="0" smtClean="0"/>
+              <a:t>, which is defined in clienttemplates.js</a:t>
+            </a:r>
+          </a:p>
+          <a:p>
+            <a:r>
+              <a:rPr lang="en-US" dirty="0" smtClean="0"/>
+              <a:t>Override parts of the rendering by calling:</a:t>
+            </a:r>
+          </a:p>
+          <a:p>
+            <a:pPr marL="0" indent="0">
+              <a:buNone/>
+            </a:pPr>
+            <a:r>
+              <a:rPr lang="en-US" dirty="0" smtClean="0"/>
+              <a:t> </a:t>
+            </a:r>
+          </a:p>
+          <a:p>
+            <a:pPr marL="0" indent="0">
+              <a:buNone/>
+            </a:pPr>
+            <a:r>
+              <a:rPr lang="en-US" b="1" dirty="0" err="1" smtClean="0">
+                <a:solidFill>
+                  <a:schemeClr val="tx2"/>
+                </a:solidFill>
+              </a:rPr>
+              <a:t>SPClientTemplates.TemplateManager.RegisterTemplateOverrides</a:t>
+            </a:r>
+            <a:r>
+              <a:rPr lang="en-US" b="1" dirty="0" smtClean="0">
+                <a:solidFill>
+                  <a:schemeClr val="tx2"/>
+                </a:solidFill>
+              </a:rPr>
+              <a:t>(</a:t>
+            </a:r>
+            <a:r>
+              <a:rPr lang="en-US" b="1" dirty="0" err="1" smtClean="0">
+                <a:solidFill>
+                  <a:schemeClr val="tx2"/>
+                </a:solidFill>
+              </a:rPr>
+              <a:t>obj</a:t>
+            </a:r>
+            <a:r>
+              <a:rPr lang="en-US" b="1" dirty="0" smtClean="0">
+                <a:solidFill>
+                  <a:schemeClr val="tx2"/>
+                </a:solidFill>
+              </a:rPr>
+              <a:t>)</a:t>
+            </a:r>
+          </a:p>
+          <a:p>
+            <a:pPr marL="0" indent="0">
+              <a:buNone/>
+            </a:pPr>
+            <a:endParaRPr lang="en-US" b="1" dirty="0" smtClean="0">
+              <a:solidFill>
+                <a:schemeClr val="tx2"/>
+              </a:solidFill>
+            </a:endParaRPr>
+          </a:p>
+          <a:p>
+            <a:r>
+              <a:rPr lang="en-US" dirty="0" smtClean="0"/>
+              <a:t>The object input to this function describes the parts of the rendering process that we would like to take over</a:t>
+            </a:r>
+          </a:p>
+          <a:p>
+            <a:endParaRPr lang="en-US" dirty="0"/>
+          </a:p>
+        </p:txBody>
+      </p:sp>
+      <p:sp>
+        <p:nvSpPr>
+          <p:cNvPr id="4" name="Date Placeholder 3"/>
+          <p:cNvSpPr>
+            <a:spLocks noGrp="1"/>
+          </p:cNvSpPr>
+          <p:nvPr>
+            <p:ph type="dt" sz="half" idx="10"/>
+          </p:nvPr>
+        </p:nvSpPr>
+        <p:spPr/>
+        <p:txBody>
+          <a:bodyPr/>
+          <a:lstStyle/>
+          <a:p>
+            <a:r>
+              <a:rPr lang="en-US" smtClean="0"/>
+              <a:t>1/21/2017</a:t>
+            </a:r>
+            <a:endParaRPr lang="en-US" dirty="0"/>
+          </a:p>
+        </p:txBody>
+      </p:sp>
+      <p:sp>
+        <p:nvSpPr>
+          <p:cNvPr id="5" name="Footer Placeholder 4"/>
+          <p:cNvSpPr>
+            <a:spLocks noGrp="1"/>
+          </p:cNvSpPr>
+          <p:nvPr>
+            <p:ph type="ftr" sz="quarter" idx="11"/>
+          </p:nvPr>
+        </p:nvSpPr>
+        <p:spPr/>
+        <p:txBody>
+          <a:bodyPr/>
+          <a:lstStyle/>
+          <a:p>
+            <a:r>
+              <a:rPr lang="en-US" smtClean="0"/>
+              <a:t>SharePoint Saturday St Louis - Spice up Your Forms and View with Client Side Rendering (CSR)</a:t>
+            </a:r>
+            <a:endParaRPr lang="en-US" dirty="0"/>
+          </a:p>
+        </p:txBody>
+      </p:sp>
+    </p:spTree>
+    <p:extLst>
+      <p:ext uri="{BB962C8B-B14F-4D97-AF65-F5344CB8AC3E}">
+        <p14:creationId xmlns:p14="http://schemas.microsoft.com/office/powerpoint/2010/main" val="1885492642"/>
+      </p:ext>
+    </p:extLst>
+  </p:cSld>
+  <p:clrMapOvr>
+    <a:masterClrMapping/>
+  </p:clrMapOvr>
+</p:sld>
+</file>
+
+<file path=ppt/slides/slide8.xml><?xml version="1.0" encoding="utf-8"?>
+<p:sld xmlns:a="http://schemas.openxmlformats.org/drawingml/2006/main" xmlns:r="http://schemas.openxmlformats.org/officeDocument/2006/relationships" xmlns:p="http://schemas.openxmlformats.org/presentationml/2006/main">
+  <p:cSld>
+    <p:bg>
+      <p:bgPr>
+        <a:solidFill>
+          <a:schemeClr val="bg1"/>
+        </a:solidFill>
+        <a:effectLst/>
+      </p:bgPr>
+    </p:bg>
+    <p:spTree>
+      <p:nvGrpSpPr>
+        <p:cNvPr id="1" name=""/>
+        <p:cNvGrpSpPr/>
+        <p:nvPr/>
+      </p:nvGrpSpPr>
+      <p:grpSpPr>
+        <a:xfrm>
+          <a:off x="0" y="0"/>
+          <a:ext cx="0" cy="0"/>
+          <a:chOff x="0" y="0"/>
+          <a:chExt cx="0" cy="0"/>
+        </a:xfrm>
+      </p:grpSpPr>
+      <p:sp>
+        <p:nvSpPr>
+          <p:cNvPr id="2" name="Title 1"/>
+          <p:cNvSpPr>
+            <a:spLocks noGrp="1"/>
+          </p:cNvSpPr>
+          <p:nvPr>
+            <p:ph type="title"/>
+          </p:nvPr>
+        </p:nvSpPr>
+        <p:spPr/>
+        <p:txBody>
+          <a:bodyPr/>
+          <a:lstStyle/>
+          <a:p>
+            <a:r>
+              <a:rPr lang="en-US" dirty="0" smtClean="0"/>
               <a:t>What can we override? (forms)</a:t>
             </a:r>
             <a:endParaRPr lang="en-US" dirty="0"/>
@@ -14990,7 +15691,7 @@
 </p:sld>
 </file>
 
-<file path=ppt/slides/slide8.xml><?xml version="1.0" encoding="utf-8"?>
+<file path=ppt/slides/slide9.xml><?xml version="1.0" encoding="utf-8"?>
 <p:sld xmlns:a="http://schemas.openxmlformats.org/drawingml/2006/main" xmlns:r="http://schemas.openxmlformats.org/officeDocument/2006/relationships" xmlns:p="http://schemas.openxmlformats.org/presentationml/2006/main">
   <p:cSld>
     <p:bg>
@@ -15031,9 +15732,18 @@
           <a:lstStyle/>
           <a:p>
             <a:r>
+              <a:rPr lang="en-US" dirty="0" smtClean="0"/>
+              <a:t>Demo #1 </a:t>
+            </a:r>
+            <a:r>
               <a:rPr lang="en-US" dirty="0"/>
-              <a:t>Demo – OOB CSR</a:t>
-            </a:r>
+              <a:t>– </a:t>
+            </a:r>
+            <a:r>
+              <a:rPr lang="en-US" dirty="0" smtClean="0"/>
+              <a:t>CSR Spy</a:t>
+            </a:r>
+            <a:endParaRPr lang="en-US" dirty="0"/>
           </a:p>
         </p:txBody>
       </p:sp>
@@ -15136,157 +15846,6 @@
     <p:extLst>
       <p:ext uri="{BB962C8B-B14F-4D97-AF65-F5344CB8AC3E}">
         <p14:creationId xmlns:p14="http://schemas.microsoft.com/office/powerpoint/2010/main" val="2974240577"/>
-      </p:ext>
-    </p:extLst>
-  </p:cSld>
-  <p:clrMapOvr>
-    <a:masterClrMapping/>
-  </p:clrMapOvr>
-</p:sld>
-</file>
-
-<file path=ppt/slides/slide9.xml><?xml version="1.0" encoding="utf-8"?>
-<p:sld xmlns:a="http://schemas.openxmlformats.org/drawingml/2006/main" xmlns:r="http://schemas.openxmlformats.org/officeDocument/2006/relationships" xmlns:p="http://schemas.openxmlformats.org/presentationml/2006/main">
-  <p:cSld>
-    <p:bg>
-      <p:bgPr>
-        <a:solidFill>
-          <a:schemeClr val="bg1"/>
-        </a:solidFill>
-        <a:effectLst/>
-      </p:bgPr>
-    </p:bg>
-    <p:spTree>
-      <p:nvGrpSpPr>
-        <p:cNvPr id="1" name=""/>
-        <p:cNvGrpSpPr/>
-        <p:nvPr/>
-      </p:nvGrpSpPr>
-      <p:grpSpPr>
-        <a:xfrm>
-          <a:off x="0" y="0"/>
-          <a:ext cx="0" cy="0"/>
-          <a:chOff x="0" y="0"/>
-          <a:chExt cx="0" cy="0"/>
-        </a:xfrm>
-      </p:grpSpPr>
-      <p:sp>
-        <p:nvSpPr>
-          <p:cNvPr id="2" name="Title 1"/>
-          <p:cNvSpPr>
-            <a:spLocks noGrp="1"/>
-          </p:cNvSpPr>
-          <p:nvPr>
-            <p:ph type="title"/>
-          </p:nvPr>
-        </p:nvSpPr>
-        <p:spPr/>
-        <p:txBody>
-          <a:bodyPr/>
-          <a:lstStyle/>
-          <a:p>
-            <a:r>
-              <a:rPr lang="en-US" dirty="0"/>
-              <a:t>Demo – Type Ahead Fields</a:t>
-            </a:r>
-          </a:p>
-        </p:txBody>
-      </p:sp>
-      <p:sp>
-        <p:nvSpPr>
-          <p:cNvPr id="3" name="Content Placeholder 2"/>
-          <p:cNvSpPr>
-            <a:spLocks noGrp="1"/>
-          </p:cNvSpPr>
-          <p:nvPr>
-            <p:ph idx="1"/>
-          </p:nvPr>
-        </p:nvSpPr>
-        <p:spPr/>
-        <p:txBody>
-          <a:bodyPr>
-            <a:normAutofit/>
-          </a:bodyPr>
-          <a:lstStyle/>
-          <a:p>
-            <a:r>
-              <a:rPr lang="en-US" sz="4000" dirty="0"/>
-              <a:t>How to handle Minimal Download Strategy</a:t>
-            </a:r>
-          </a:p>
-          <a:p>
-            <a:r>
-              <a:rPr lang="en-US" sz="4000" dirty="0"/>
-              <a:t>Use of an OnPostRender handler to wire events (and how many times is it called</a:t>
-            </a:r>
-            <a:r>
-              <a:rPr lang="en-US" sz="4000" dirty="0" smtClean="0"/>
-              <a:t>)</a:t>
-            </a:r>
-          </a:p>
-          <a:p>
-            <a:r>
-              <a:rPr lang="en-US" sz="4000" dirty="0"/>
-              <a:t>If installed on fields, should be on all fields </a:t>
-            </a:r>
-            <a:r>
-              <a:rPr lang="en-US" sz="4000" dirty="0" smtClean="0"/>
-              <a:t>altered</a:t>
-            </a:r>
-            <a:endParaRPr lang="en-US" sz="4000" dirty="0"/>
-          </a:p>
-        </p:txBody>
-      </p:sp>
-      <p:sp>
-        <p:nvSpPr>
-          <p:cNvPr id="4" name="Date Placeholder 3"/>
-          <p:cNvSpPr>
-            <a:spLocks noGrp="1"/>
-          </p:cNvSpPr>
-          <p:nvPr>
-            <p:ph type="dt" sz="half" idx="10"/>
-          </p:nvPr>
-        </p:nvSpPr>
-        <p:spPr/>
-        <p:txBody>
-          <a:bodyPr/>
-          <a:lstStyle/>
-          <a:p>
-            <a:r>
-              <a:rPr lang="en-US" smtClean="0"/>
-              <a:t>1/21/2017</a:t>
-            </a:r>
-            <a:endParaRPr lang="en-US" dirty="0"/>
-          </a:p>
-        </p:txBody>
-      </p:sp>
-      <p:sp>
-        <p:nvSpPr>
-          <p:cNvPr id="5" name="Footer Placeholder 4"/>
-          <p:cNvSpPr>
-            <a:spLocks noGrp="1"/>
-          </p:cNvSpPr>
-          <p:nvPr>
-            <p:ph type="ftr" sz="quarter" idx="11"/>
-          </p:nvPr>
-        </p:nvSpPr>
-        <p:spPr/>
-        <p:txBody>
-          <a:bodyPr/>
-          <a:lstStyle/>
-          <a:p>
-            <a:r>
-              <a:rPr lang="en-US" smtClean="0"/>
-              <a:t>SharePoint Saturday St Louis - Spice up Your Forms and View with Client Side Rendering (CSR)</a:t>
-            </a:r>
-            <a:endParaRPr lang="en-US" dirty="0"/>
-          </a:p>
-        </p:txBody>
-      </p:sp>
-    </p:spTree>
-    <p:extLst>
-      <p:ext uri="{BB962C8B-B14F-4D97-AF65-F5344CB8AC3E}">
-        <p14:creationId xmlns:p14="http://schemas.microsoft.com/office/powerpoint/2010/main" val="2579643466"/>
       </p:ext>
     </p:extLst>
   </p:cSld>

--- a/SPSSTL_CSR.pptx
+++ b/SPSSTL_CSR.pptx
@@ -3427,375 +3427,6 @@
       <dsp:cNvGrpSpPr/>
     </dsp:nvGrpSpPr>
     <dsp:grpSpPr/>
-    <dsp:sp modelId="{AC944DED-EBB6-488E-BF26-669AE3A7F6BE}">
-      <dsp:nvSpPr>
-        <dsp:cNvPr id="0" name=""/>
-        <dsp:cNvSpPr/>
-      </dsp:nvSpPr>
-      <dsp:spPr>
-        <a:xfrm>
-          <a:off x="-134034" y="0"/>
-          <a:ext cx="10783669" cy="4530725"/>
-        </a:xfrm>
-        <a:prstGeom prst="diamond">
-          <a:avLst/>
-        </a:prstGeom>
-        <a:solidFill>
-          <a:srgbClr val="ECECEC">
-            <a:alpha val="0"/>
-          </a:srgbClr>
-        </a:solidFill>
-        <a:ln>
-          <a:noFill/>
-        </a:ln>
-        <a:effectLst/>
-      </dsp:spPr>
-      <dsp:style>
-        <a:lnRef idx="0">
-          <a:scrgbClr r="0" g="0" b="0"/>
-        </a:lnRef>
-        <a:fillRef idx="1">
-          <a:scrgbClr r="0" g="0" b="0"/>
-        </a:fillRef>
-        <a:effectRef idx="0">
-          <a:scrgbClr r="0" g="0" b="0"/>
-        </a:effectRef>
-        <a:fontRef idx="minor"/>
-      </dsp:style>
-    </dsp:sp>
-    <dsp:sp modelId="{A938AC64-1965-4837-94E0-32948ED8DF0E}">
-      <dsp:nvSpPr>
-        <dsp:cNvPr id="0" name=""/>
-        <dsp:cNvSpPr/>
-      </dsp:nvSpPr>
-      <dsp:spPr>
-        <a:xfrm>
-          <a:off x="1108197" y="147993"/>
-          <a:ext cx="3540008" cy="2024449"/>
-        </a:xfrm>
-        <a:prstGeom prst="roundRect">
-          <a:avLst/>
-        </a:prstGeom>
-        <a:solidFill>
-          <a:schemeClr val="accent1">
-            <a:hueOff val="0"/>
-            <a:satOff val="0"/>
-            <a:lumOff val="0"/>
-            <a:alphaOff val="0"/>
-          </a:schemeClr>
-        </a:solidFill>
-        <a:ln w="12700" cap="flat" cmpd="sng" algn="ctr">
-          <a:solidFill>
-            <a:schemeClr val="lt1">
-              <a:hueOff val="0"/>
-              <a:satOff val="0"/>
-              <a:lumOff val="0"/>
-              <a:alphaOff val="0"/>
-            </a:schemeClr>
-          </a:solidFill>
-          <a:prstDash val="solid"/>
-          <a:miter lim="800000"/>
-        </a:ln>
-        <a:effectLst/>
-      </dsp:spPr>
-      <dsp:style>
-        <a:lnRef idx="2">
-          <a:scrgbClr r="0" g="0" b="0"/>
-        </a:lnRef>
-        <a:fillRef idx="1">
-          <a:scrgbClr r="0" g="0" b="0"/>
-        </a:fillRef>
-        <a:effectRef idx="0">
-          <a:scrgbClr r="0" g="0" b="0"/>
-        </a:effectRef>
-        <a:fontRef idx="minor">
-          <a:schemeClr val="lt1"/>
-        </a:fontRef>
-      </dsp:style>
-      <dsp:txBody>
-        <a:bodyPr spcFirstLastPara="0" vert="horz" wrap="square" lIns="106680" tIns="106680" rIns="106680" bIns="106680" numCol="1" spcCol="1270" anchor="ctr" anchorCtr="0">
-          <a:noAutofit/>
-        </a:bodyPr>
-        <a:lstStyle/>
-        <a:p>
-          <a:pPr lvl="0" algn="ctr" defTabSz="1244600" rtl="0">
-            <a:lnSpc>
-              <a:spcPct val="90000"/>
-            </a:lnSpc>
-            <a:spcBef>
-              <a:spcPct val="0"/>
-            </a:spcBef>
-            <a:spcAft>
-              <a:spcPct val="35000"/>
-            </a:spcAft>
-          </a:pPr>
-          <a:r>
-            <a:rPr lang="en-US" sz="2800" kern="1200" dirty="0"/>
-            <a:t>Who? Developers </a:t>
-          </a:r>
-        </a:p>
-        <a:p>
-          <a:pPr lvl="0" algn="ctr" defTabSz="1244600" rtl="0">
-            <a:lnSpc>
-              <a:spcPct val="90000"/>
-            </a:lnSpc>
-            <a:spcBef>
-              <a:spcPct val="0"/>
-            </a:spcBef>
-            <a:spcAft>
-              <a:spcPct val="35000"/>
-            </a:spcAft>
-          </a:pPr>
-          <a:r>
-            <a:rPr lang="en-US" sz="2800" kern="1200" dirty="0"/>
-            <a:t>(including Citizen Developers)</a:t>
-          </a:r>
-        </a:p>
-      </dsp:txBody>
-      <dsp:txXfrm>
-        <a:off x="1207022" y="246818"/>
-        <a:ext cx="3342358" cy="1826799"/>
-      </dsp:txXfrm>
-    </dsp:sp>
-    <dsp:sp modelId="{9345D29A-389E-42F7-82F5-13738ADA8976}">
-      <dsp:nvSpPr>
-        <dsp:cNvPr id="0" name=""/>
-        <dsp:cNvSpPr/>
-      </dsp:nvSpPr>
-      <dsp:spPr>
-        <a:xfrm>
-          <a:off x="5875504" y="210818"/>
-          <a:ext cx="3589625" cy="1987078"/>
-        </a:xfrm>
-        <a:prstGeom prst="roundRect">
-          <a:avLst/>
-        </a:prstGeom>
-        <a:solidFill>
-          <a:schemeClr val="accent1">
-            <a:hueOff val="0"/>
-            <a:satOff val="0"/>
-            <a:lumOff val="0"/>
-            <a:alphaOff val="0"/>
-          </a:schemeClr>
-        </a:solidFill>
-        <a:ln w="12700" cap="flat" cmpd="sng" algn="ctr">
-          <a:solidFill>
-            <a:schemeClr val="lt1">
-              <a:hueOff val="0"/>
-              <a:satOff val="0"/>
-              <a:lumOff val="0"/>
-              <a:alphaOff val="0"/>
-            </a:schemeClr>
-          </a:solidFill>
-          <a:prstDash val="solid"/>
-          <a:miter lim="800000"/>
-        </a:ln>
-        <a:effectLst/>
-      </dsp:spPr>
-      <dsp:style>
-        <a:lnRef idx="2">
-          <a:scrgbClr r="0" g="0" b="0"/>
-        </a:lnRef>
-        <a:fillRef idx="1">
-          <a:scrgbClr r="0" g="0" b="0"/>
-        </a:fillRef>
-        <a:effectRef idx="0">
-          <a:scrgbClr r="0" g="0" b="0"/>
-        </a:effectRef>
-        <a:fontRef idx="minor">
-          <a:schemeClr val="lt1"/>
-        </a:fontRef>
-      </dsp:style>
-      <dsp:txBody>
-        <a:bodyPr spcFirstLastPara="0" vert="horz" wrap="square" lIns="106680" tIns="106680" rIns="106680" bIns="106680" numCol="1" spcCol="1270" anchor="ctr" anchorCtr="0">
-          <a:noAutofit/>
-        </a:bodyPr>
-        <a:lstStyle/>
-        <a:p>
-          <a:pPr lvl="0" algn="ctr" defTabSz="1244600" rtl="0">
-            <a:lnSpc>
-              <a:spcPct val="90000"/>
-            </a:lnSpc>
-            <a:spcBef>
-              <a:spcPct val="0"/>
-            </a:spcBef>
-            <a:spcAft>
-              <a:spcPct val="35000"/>
-            </a:spcAft>
-          </a:pPr>
-          <a:r>
-            <a:rPr lang="en-US" sz="2800" kern="1200" dirty="0"/>
-            <a:t>Show practical examples of CSR to customize forms (and possibly Views)</a:t>
-          </a:r>
-        </a:p>
-      </dsp:txBody>
-      <dsp:txXfrm>
-        <a:off x="5972505" y="307819"/>
-        <a:ext cx="3395623" cy="1793076"/>
-      </dsp:txXfrm>
-    </dsp:sp>
-    <dsp:sp modelId="{26309244-D78B-4147-92EB-687CA5A90E3A}">
-      <dsp:nvSpPr>
-        <dsp:cNvPr id="0" name=""/>
-        <dsp:cNvSpPr/>
-      </dsp:nvSpPr>
-      <dsp:spPr>
-        <a:xfrm>
-          <a:off x="1126794" y="2547286"/>
-          <a:ext cx="3521225" cy="1983438"/>
-        </a:xfrm>
-        <a:prstGeom prst="roundRect">
-          <a:avLst/>
-        </a:prstGeom>
-        <a:solidFill>
-          <a:schemeClr val="accent1">
-            <a:hueOff val="0"/>
-            <a:satOff val="0"/>
-            <a:lumOff val="0"/>
-            <a:alphaOff val="0"/>
-          </a:schemeClr>
-        </a:solidFill>
-        <a:ln w="12700" cap="flat" cmpd="sng" algn="ctr">
-          <a:solidFill>
-            <a:schemeClr val="lt1">
-              <a:hueOff val="0"/>
-              <a:satOff val="0"/>
-              <a:lumOff val="0"/>
-              <a:alphaOff val="0"/>
-            </a:schemeClr>
-          </a:solidFill>
-          <a:prstDash val="solid"/>
-          <a:miter lim="800000"/>
-        </a:ln>
-        <a:effectLst/>
-      </dsp:spPr>
-      <dsp:style>
-        <a:lnRef idx="2">
-          <a:scrgbClr r="0" g="0" b="0"/>
-        </a:lnRef>
-        <a:fillRef idx="1">
-          <a:scrgbClr r="0" g="0" b="0"/>
-        </a:fillRef>
-        <a:effectRef idx="0">
-          <a:scrgbClr r="0" g="0" b="0"/>
-        </a:effectRef>
-        <a:fontRef idx="minor">
-          <a:schemeClr val="lt1"/>
-        </a:fontRef>
-      </dsp:style>
-      <dsp:txBody>
-        <a:bodyPr spcFirstLastPara="0" vert="horz" wrap="square" lIns="106680" tIns="106680" rIns="106680" bIns="106680" numCol="1" spcCol="1270" anchor="ctr" anchorCtr="0">
-          <a:noAutofit/>
-        </a:bodyPr>
-        <a:lstStyle/>
-        <a:p>
-          <a:pPr lvl="0" algn="ctr" defTabSz="1244600" rtl="0">
-            <a:lnSpc>
-              <a:spcPct val="90000"/>
-            </a:lnSpc>
-            <a:spcBef>
-              <a:spcPct val="0"/>
-            </a:spcBef>
-            <a:spcAft>
-              <a:spcPct val="35000"/>
-            </a:spcAft>
-          </a:pPr>
-          <a:r>
-            <a:rPr lang="en-US" sz="2800" kern="1200" dirty="0"/>
-            <a:t>Talk about gotchas MDS, dep</a:t>
-          </a:r>
-          <a:r>
-            <a:rPr lang="en-US" sz="2800" b="1" kern="1200" dirty="0"/>
-            <a:t>lo</a:t>
-          </a:r>
-          <a:r>
-            <a:rPr lang="en-US" sz="2800" kern="1200" dirty="0"/>
-            <a:t>yment, JSLink limitations</a:t>
-          </a:r>
-        </a:p>
-      </dsp:txBody>
-      <dsp:txXfrm>
-        <a:off x="1223617" y="2644109"/>
-        <a:ext cx="3327579" cy="1789792"/>
-      </dsp:txXfrm>
-    </dsp:sp>
-    <dsp:sp modelId="{EEEB16C2-02E3-4B32-9461-82D301FB9452}">
-      <dsp:nvSpPr>
-        <dsp:cNvPr id="0" name=""/>
-        <dsp:cNvSpPr/>
-      </dsp:nvSpPr>
-      <dsp:spPr>
-        <a:xfrm>
-          <a:off x="5873905" y="2533840"/>
-          <a:ext cx="3589042" cy="1996884"/>
-        </a:xfrm>
-        <a:prstGeom prst="roundRect">
-          <a:avLst/>
-        </a:prstGeom>
-        <a:solidFill>
-          <a:schemeClr val="accent1">
-            <a:hueOff val="0"/>
-            <a:satOff val="0"/>
-            <a:lumOff val="0"/>
-            <a:alphaOff val="0"/>
-          </a:schemeClr>
-        </a:solidFill>
-        <a:ln w="12700" cap="flat" cmpd="sng" algn="ctr">
-          <a:solidFill>
-            <a:schemeClr val="lt1">
-              <a:hueOff val="0"/>
-              <a:satOff val="0"/>
-              <a:lumOff val="0"/>
-              <a:alphaOff val="0"/>
-            </a:schemeClr>
-          </a:solidFill>
-          <a:prstDash val="solid"/>
-          <a:miter lim="800000"/>
-        </a:ln>
-        <a:effectLst/>
-      </dsp:spPr>
-      <dsp:style>
-        <a:lnRef idx="2">
-          <a:scrgbClr r="0" g="0" b="0"/>
-        </a:lnRef>
-        <a:fillRef idx="1">
-          <a:scrgbClr r="0" g="0" b="0"/>
-        </a:fillRef>
-        <a:effectRef idx="0">
-          <a:scrgbClr r="0" g="0" b="0"/>
-        </a:effectRef>
-        <a:fontRef idx="minor">
-          <a:schemeClr val="lt1"/>
-        </a:fontRef>
-      </dsp:style>
-      <dsp:txBody>
-        <a:bodyPr spcFirstLastPara="0" vert="horz" wrap="square" lIns="106680" tIns="106680" rIns="106680" bIns="106680" numCol="1" spcCol="1270" anchor="ctr" anchorCtr="0">
-          <a:noAutofit/>
-        </a:bodyPr>
-        <a:lstStyle/>
-        <a:p>
-          <a:pPr lvl="0" algn="ctr" defTabSz="1244600" rtl="0">
-            <a:lnSpc>
-              <a:spcPct val="90000"/>
-            </a:lnSpc>
-            <a:spcBef>
-              <a:spcPct val="0"/>
-            </a:spcBef>
-            <a:spcAft>
-              <a:spcPct val="35000"/>
-            </a:spcAft>
-          </a:pPr>
-          <a:r>
-            <a:rPr lang="en-US" sz="2800" kern="1200" dirty="0"/>
-            <a:t>Demonstrate building components that can be easily reused by power users</a:t>
-          </a:r>
-        </a:p>
-      </dsp:txBody>
-      <dsp:txXfrm>
-        <a:off x="5971385" y="2631320"/>
-        <a:ext cx="3394082" cy="1801924"/>
-      </dsp:txXfrm>
-    </dsp:sp>
   </dsp:spTree>
 </dsp:drawing>
 </file>
@@ -3808,422 +3439,6 @@
       <dsp:cNvGrpSpPr/>
     </dsp:nvGrpSpPr>
     <dsp:grpSpPr/>
-    <dsp:sp modelId="{49121172-462D-4D7B-B892-B91EF6B7757D}">
-      <dsp:nvSpPr>
-        <dsp:cNvPr id="0" name=""/>
-        <dsp:cNvSpPr/>
-      </dsp:nvSpPr>
-      <dsp:spPr>
-        <a:xfrm>
-          <a:off x="0" y="2326"/>
-          <a:ext cx="10515600" cy="1428248"/>
-        </a:xfrm>
-        <a:prstGeom prst="roundRect">
-          <a:avLst/>
-        </a:prstGeom>
-        <a:solidFill>
-          <a:srgbClr val="2E74B4"/>
-        </a:solidFill>
-        <a:ln w="12700" cap="flat" cmpd="sng" algn="ctr">
-          <a:solidFill>
-            <a:schemeClr val="lt1">
-              <a:hueOff val="0"/>
-              <a:satOff val="0"/>
-              <a:lumOff val="0"/>
-              <a:alphaOff val="0"/>
-            </a:schemeClr>
-          </a:solidFill>
-          <a:prstDash val="solid"/>
-          <a:miter lim="800000"/>
-        </a:ln>
-        <a:effectLst/>
-      </dsp:spPr>
-      <dsp:style>
-        <a:lnRef idx="2">
-          <a:scrgbClr r="0" g="0" b="0"/>
-        </a:lnRef>
-        <a:fillRef idx="1">
-          <a:scrgbClr r="0" g="0" b="0"/>
-        </a:fillRef>
-        <a:effectRef idx="0">
-          <a:scrgbClr r="0" g="0" b="0"/>
-        </a:effectRef>
-        <a:fontRef idx="minor">
-          <a:schemeClr val="lt1"/>
-        </a:fontRef>
-      </dsp:style>
-      <dsp:txBody>
-        <a:bodyPr spcFirstLastPara="0" vert="horz" wrap="square" lIns="121920" tIns="121920" rIns="121920" bIns="121920" numCol="1" spcCol="1270" anchor="ctr" anchorCtr="0">
-          <a:noAutofit/>
-        </a:bodyPr>
-        <a:lstStyle/>
-        <a:p>
-          <a:pPr lvl="0" algn="l" defTabSz="1422400" rtl="0">
-            <a:lnSpc>
-              <a:spcPct val="90000"/>
-            </a:lnSpc>
-            <a:spcBef>
-              <a:spcPct val="0"/>
-            </a:spcBef>
-            <a:spcAft>
-              <a:spcPct val="35000"/>
-            </a:spcAft>
-          </a:pPr>
-          <a:r>
-            <a:rPr lang="en-US" sz="3200" kern="1200" dirty="0"/>
-            <a:t>A mechanism to inject JavaScript into various pages</a:t>
-          </a:r>
-        </a:p>
-      </dsp:txBody>
-      <dsp:txXfrm>
-        <a:off x="69721" y="72047"/>
-        <a:ext cx="10376158" cy="1288806"/>
-      </dsp:txXfrm>
-    </dsp:sp>
-    <dsp:sp modelId="{D72AC7AB-600E-41F0-A1F1-04EC62A14A47}">
-      <dsp:nvSpPr>
-        <dsp:cNvPr id="0" name=""/>
-        <dsp:cNvSpPr/>
-      </dsp:nvSpPr>
-      <dsp:spPr>
-        <a:xfrm>
-          <a:off x="0" y="1528035"/>
-          <a:ext cx="10515600" cy="1428248"/>
-        </a:xfrm>
-        <a:prstGeom prst="roundRect">
-          <a:avLst/>
-        </a:prstGeom>
-        <a:solidFill>
-          <a:srgbClr val="BB5611"/>
-        </a:solidFill>
-        <a:ln w="12700" cap="flat" cmpd="sng" algn="ctr">
-          <a:solidFill>
-            <a:schemeClr val="lt1">
-              <a:hueOff val="0"/>
-              <a:satOff val="0"/>
-              <a:lumOff val="0"/>
-              <a:alphaOff val="0"/>
-            </a:schemeClr>
-          </a:solidFill>
-          <a:prstDash val="solid"/>
-          <a:miter lim="800000"/>
-        </a:ln>
-        <a:effectLst/>
-      </dsp:spPr>
-      <dsp:style>
-        <a:lnRef idx="2">
-          <a:scrgbClr r="0" g="0" b="0"/>
-        </a:lnRef>
-        <a:fillRef idx="1">
-          <a:scrgbClr r="0" g="0" b="0"/>
-        </a:fillRef>
-        <a:effectRef idx="0">
-          <a:scrgbClr r="0" g="0" b="0"/>
-        </a:effectRef>
-        <a:fontRef idx="minor">
-          <a:schemeClr val="lt1"/>
-        </a:fontRef>
-      </dsp:style>
-      <dsp:txBody>
-        <a:bodyPr spcFirstLastPara="0" vert="horz" wrap="square" lIns="121920" tIns="121920" rIns="121920" bIns="121920" numCol="1" spcCol="1270" anchor="ctr" anchorCtr="0">
-          <a:noAutofit/>
-        </a:bodyPr>
-        <a:lstStyle/>
-        <a:p>
-          <a:pPr lvl="0" algn="l" defTabSz="1422400" rtl="0">
-            <a:lnSpc>
-              <a:spcPct val="90000"/>
-            </a:lnSpc>
-            <a:spcBef>
-              <a:spcPct val="0"/>
-            </a:spcBef>
-            <a:spcAft>
-              <a:spcPct val="35000"/>
-            </a:spcAft>
-          </a:pPr>
-          <a:r>
-            <a:rPr lang="en-US" sz="3200" kern="1200" dirty="0"/>
-            <a:t>A property that can be set on various SharePoint objects</a:t>
-          </a:r>
-        </a:p>
-        <a:p>
-          <a:pPr lvl="0" algn="l" defTabSz="1422400" rtl="0">
-            <a:lnSpc>
-              <a:spcPct val="90000"/>
-            </a:lnSpc>
-            <a:spcBef>
-              <a:spcPct val="0"/>
-            </a:spcBef>
-            <a:spcAft>
-              <a:spcPct val="35000"/>
-            </a:spcAft>
-          </a:pPr>
-          <a:r>
-            <a:rPr lang="en-US" sz="500" kern="1200" dirty="0"/>
-            <a:t>      </a:t>
-          </a:r>
-          <a:r>
-            <a:rPr lang="en-US" sz="2000" kern="1200" dirty="0"/>
-            <a:t>- Form, Field, Content Type, View, List View Web Part (XLSTListViewWebPart)</a:t>
-          </a:r>
-          <a:endParaRPr lang="en-US" sz="500" kern="1200" dirty="0"/>
-        </a:p>
-      </dsp:txBody>
-      <dsp:txXfrm>
-        <a:off x="69721" y="1597756"/>
-        <a:ext cx="10376158" cy="1288806"/>
-      </dsp:txXfrm>
-    </dsp:sp>
-    <dsp:sp modelId="{9F78F9A8-91DB-4B53-9C97-66189ADC155B}">
-      <dsp:nvSpPr>
-        <dsp:cNvPr id="0" name=""/>
-        <dsp:cNvSpPr/>
-      </dsp:nvSpPr>
-      <dsp:spPr>
-        <a:xfrm>
-          <a:off x="0" y="2870790"/>
-          <a:ext cx="10515600" cy="68811"/>
-        </a:xfrm>
-        <a:prstGeom prst="rect">
-          <a:avLst/>
-        </a:prstGeom>
-        <a:noFill/>
-        <a:ln>
-          <a:noFill/>
-        </a:ln>
-        <a:effectLst/>
-      </dsp:spPr>
-      <dsp:style>
-        <a:lnRef idx="0">
-          <a:scrgbClr r="0" g="0" b="0"/>
-        </a:lnRef>
-        <a:fillRef idx="0">
-          <a:scrgbClr r="0" g="0" b="0"/>
-        </a:fillRef>
-        <a:effectRef idx="0">
-          <a:scrgbClr r="0" g="0" b="0"/>
-        </a:effectRef>
-        <a:fontRef idx="minor"/>
-      </dsp:style>
-      <dsp:txBody>
-        <a:bodyPr spcFirstLastPara="0" vert="horz" wrap="square" lIns="333870" tIns="6350" rIns="35560" bIns="6350" numCol="1" spcCol="1270" anchor="t" anchorCtr="0">
-          <a:noAutofit/>
-        </a:bodyPr>
-        <a:lstStyle/>
-        <a:p>
-          <a:pPr marL="57150" lvl="1" indent="-57150" algn="l" defTabSz="177800" rtl="0">
-            <a:lnSpc>
-              <a:spcPct val="90000"/>
-            </a:lnSpc>
-            <a:spcBef>
-              <a:spcPct val="0"/>
-            </a:spcBef>
-            <a:spcAft>
-              <a:spcPct val="20000"/>
-            </a:spcAft>
-            <a:buChar char="••"/>
-          </a:pPr>
-          <a:endParaRPr lang="en-US" sz="400" kern="1200" dirty="0"/>
-        </a:p>
-      </dsp:txBody>
-      <dsp:txXfrm>
-        <a:off x="0" y="2870790"/>
-        <a:ext cx="10515600" cy="68811"/>
-      </dsp:txXfrm>
-    </dsp:sp>
-    <dsp:sp modelId="{1A186D14-F1CB-4CF9-8AD8-6C09CA5E9B12}">
-      <dsp:nvSpPr>
-        <dsp:cNvPr id="0" name=""/>
-        <dsp:cNvSpPr/>
-      </dsp:nvSpPr>
-      <dsp:spPr>
-        <a:xfrm>
-          <a:off x="0" y="3010739"/>
-          <a:ext cx="10515600" cy="1428248"/>
-        </a:xfrm>
-        <a:prstGeom prst="roundRect">
-          <a:avLst/>
-        </a:prstGeom>
-        <a:solidFill>
-          <a:srgbClr val="4F7B31"/>
-        </a:solidFill>
-        <a:ln w="12700" cap="flat" cmpd="sng" algn="ctr">
-          <a:solidFill>
-            <a:schemeClr val="lt1">
-              <a:hueOff val="0"/>
-              <a:satOff val="0"/>
-              <a:lumOff val="0"/>
-              <a:alphaOff val="0"/>
-            </a:schemeClr>
-          </a:solidFill>
-          <a:prstDash val="solid"/>
-          <a:miter lim="800000"/>
-        </a:ln>
-        <a:effectLst/>
-      </dsp:spPr>
-      <dsp:style>
-        <a:lnRef idx="2">
-          <a:scrgbClr r="0" g="0" b="0"/>
-        </a:lnRef>
-        <a:fillRef idx="1">
-          <a:scrgbClr r="0" g="0" b="0"/>
-        </a:fillRef>
-        <a:effectRef idx="0">
-          <a:scrgbClr r="0" g="0" b="0"/>
-        </a:effectRef>
-        <a:fontRef idx="minor">
-          <a:schemeClr val="lt1"/>
-        </a:fontRef>
-      </dsp:style>
-      <dsp:txBody>
-        <a:bodyPr spcFirstLastPara="0" vert="horz" wrap="square" lIns="121920" tIns="121920" rIns="121920" bIns="121920" numCol="1" spcCol="1270" anchor="ctr" anchorCtr="0">
-          <a:noAutofit/>
-        </a:bodyPr>
-        <a:lstStyle/>
-        <a:p>
-          <a:pPr lvl="0" algn="l" defTabSz="1422400" rtl="0">
-            <a:lnSpc>
-              <a:spcPct val="90000"/>
-            </a:lnSpc>
-            <a:spcBef>
-              <a:spcPct val="0"/>
-            </a:spcBef>
-            <a:spcAft>
-              <a:spcPts val="600"/>
-            </a:spcAft>
-          </a:pPr>
-          <a:r>
-            <a:rPr lang="en-US" sz="3200" kern="1200" dirty="0"/>
-            <a:t>CSR depends on a mechanism to inject JavaScript</a:t>
-          </a:r>
-        </a:p>
-        <a:p>
-          <a:pPr lvl="0" algn="l" defTabSz="1422400" rtl="0">
-            <a:lnSpc>
-              <a:spcPct val="90000"/>
-            </a:lnSpc>
-            <a:spcBef>
-              <a:spcPct val="0"/>
-            </a:spcBef>
-            <a:spcAft>
-              <a:spcPts val="0"/>
-            </a:spcAft>
-          </a:pPr>
-          <a:r>
-            <a:rPr lang="en-US" sz="1800" kern="1200" dirty="0"/>
-            <a:t>      - It does </a:t>
-          </a:r>
-          <a:r>
-            <a:rPr lang="en-US" sz="1800" b="1" u="sng" kern="1200" dirty="0"/>
-            <a:t>NOT</a:t>
-          </a:r>
-          <a:r>
-            <a:rPr lang="en-US" sz="1800" kern="1200" dirty="0"/>
-            <a:t> depend on JSLink</a:t>
-          </a:r>
-        </a:p>
-        <a:p>
-          <a:pPr lvl="0" algn="l" defTabSz="1422400" rtl="0">
-            <a:lnSpc>
-              <a:spcPct val="90000"/>
-            </a:lnSpc>
-            <a:spcBef>
-              <a:spcPct val="0"/>
-            </a:spcBef>
-            <a:spcAft>
-              <a:spcPts val="0"/>
-            </a:spcAft>
-          </a:pPr>
-          <a:r>
-            <a:rPr lang="en-US" sz="1800" kern="1200" dirty="0"/>
-            <a:t>      - There are other </a:t>
-          </a:r>
-          <a:r>
-            <a:rPr lang="en-US" sz="1800" kern="1200" dirty="0" smtClean="0"/>
-            <a:t>alternatives (Custom Actions, CEWP, etc.)</a:t>
-          </a:r>
-          <a:endParaRPr lang="en-US" sz="1800" kern="1200" dirty="0"/>
-        </a:p>
-        <a:p>
-          <a:pPr lvl="0" algn="l" defTabSz="1422400" rtl="0">
-            <a:lnSpc>
-              <a:spcPct val="90000"/>
-            </a:lnSpc>
-            <a:spcBef>
-              <a:spcPct val="0"/>
-            </a:spcBef>
-            <a:spcAft>
-              <a:spcPts val="0"/>
-            </a:spcAft>
-          </a:pPr>
-          <a:r>
-            <a:rPr lang="en-US" sz="1800" kern="1200" dirty="0"/>
-            <a:t>      - In some cases, JSLink works quite well with CSR, in others it does not play well with CSR at all</a:t>
-          </a:r>
-        </a:p>
-      </dsp:txBody>
-      <dsp:txXfrm>
-        <a:off x="69721" y="3080460"/>
-        <a:ext cx="10376158" cy="1288806"/>
-      </dsp:txXfrm>
-    </dsp:sp>
-    <dsp:sp modelId="{728BF77C-9C68-40F1-BB96-F8B36C52BBC6}">
-      <dsp:nvSpPr>
-        <dsp:cNvPr id="0" name=""/>
-        <dsp:cNvSpPr/>
-      </dsp:nvSpPr>
-      <dsp:spPr>
-        <a:xfrm>
-          <a:off x="0" y="4367850"/>
-          <a:ext cx="10515600" cy="68811"/>
-        </a:xfrm>
-        <a:prstGeom prst="rect">
-          <a:avLst/>
-        </a:prstGeom>
-        <a:noFill/>
-        <a:ln>
-          <a:noFill/>
-        </a:ln>
-        <a:effectLst/>
-      </dsp:spPr>
-      <dsp:style>
-        <a:lnRef idx="0">
-          <a:scrgbClr r="0" g="0" b="0"/>
-        </a:lnRef>
-        <a:fillRef idx="0">
-          <a:scrgbClr r="0" g="0" b="0"/>
-        </a:fillRef>
-        <a:effectRef idx="0">
-          <a:scrgbClr r="0" g="0" b="0"/>
-        </a:effectRef>
-        <a:fontRef idx="minor"/>
-      </dsp:style>
-      <dsp:txBody>
-        <a:bodyPr spcFirstLastPara="0" vert="horz" wrap="square" lIns="333870" tIns="6350" rIns="35560" bIns="6350" numCol="1" spcCol="1270" anchor="t" anchorCtr="0">
-          <a:noAutofit/>
-        </a:bodyPr>
-        <a:lstStyle/>
-        <a:p>
-          <a:pPr marL="57150" lvl="1" indent="-57150" algn="l" defTabSz="177800" rtl="0">
-            <a:lnSpc>
-              <a:spcPct val="90000"/>
-            </a:lnSpc>
-            <a:spcBef>
-              <a:spcPct val="0"/>
-            </a:spcBef>
-            <a:spcAft>
-              <a:spcPct val="20000"/>
-            </a:spcAft>
-            <a:buChar char="••"/>
-          </a:pPr>
-          <a:endParaRPr lang="en-US" sz="400" kern="1200" dirty="0"/>
-        </a:p>
-      </dsp:txBody>
-      <dsp:txXfrm>
-        <a:off x="0" y="4367850"/>
-        <a:ext cx="10515600" cy="68811"/>
-      </dsp:txXfrm>
-    </dsp:sp>
   </dsp:spTree>
 </dsp:drawing>
 </file>
@@ -4236,245 +3451,6 @@
       <dsp:cNvGrpSpPr/>
     </dsp:nvGrpSpPr>
     <dsp:grpSpPr/>
-    <dsp:sp modelId="{4F694A87-5DD4-43B4-B523-06D5ED9AEA4B}">
-      <dsp:nvSpPr>
-        <dsp:cNvPr id="0" name=""/>
-        <dsp:cNvSpPr/>
-      </dsp:nvSpPr>
-      <dsp:spPr>
-        <a:xfrm>
-          <a:off x="0" y="1707"/>
-          <a:ext cx="10515600" cy="2125646"/>
-        </a:xfrm>
-        <a:prstGeom prst="roundRect">
-          <a:avLst/>
-        </a:prstGeom>
-        <a:solidFill>
-          <a:srgbClr val="2A6BA6"/>
-        </a:solidFill>
-        <a:ln w="12700" cap="flat" cmpd="sng" algn="ctr">
-          <a:solidFill>
-            <a:schemeClr val="lt1">
-              <a:hueOff val="0"/>
-              <a:satOff val="0"/>
-              <a:lumOff val="0"/>
-              <a:alphaOff val="0"/>
-            </a:schemeClr>
-          </a:solidFill>
-          <a:prstDash val="solid"/>
-          <a:miter lim="800000"/>
-        </a:ln>
-        <a:effectLst/>
-      </dsp:spPr>
-      <dsp:style>
-        <a:lnRef idx="2">
-          <a:scrgbClr r="0" g="0" b="0"/>
-        </a:lnRef>
-        <a:fillRef idx="1">
-          <a:scrgbClr r="0" g="0" b="0"/>
-        </a:fillRef>
-        <a:effectRef idx="0">
-          <a:scrgbClr r="0" g="0" b="0"/>
-        </a:effectRef>
-        <a:fontRef idx="minor">
-          <a:schemeClr val="lt1"/>
-        </a:fontRef>
-      </dsp:style>
-      <dsp:txBody>
-        <a:bodyPr spcFirstLastPara="0" vert="horz" wrap="square" lIns="137160" tIns="137160" rIns="137160" bIns="137160" numCol="1" spcCol="1270" anchor="ctr" anchorCtr="0">
-          <a:noAutofit/>
-        </a:bodyPr>
-        <a:lstStyle/>
-        <a:p>
-          <a:pPr lvl="0" algn="l" defTabSz="1600200" rtl="0">
-            <a:lnSpc>
-              <a:spcPct val="90000"/>
-            </a:lnSpc>
-            <a:spcBef>
-              <a:spcPct val="0"/>
-            </a:spcBef>
-            <a:spcAft>
-              <a:spcPct val="35000"/>
-            </a:spcAft>
-          </a:pPr>
-          <a:r>
-            <a:rPr lang="en-US" sz="3600" kern="1200" dirty="0"/>
-            <a:t>In general, it just means pushing much of the presentation logic from the server (XSLT) to the client (JavaScript)</a:t>
-          </a:r>
-        </a:p>
-      </dsp:txBody>
-      <dsp:txXfrm>
-        <a:off x="103765" y="105472"/>
-        <a:ext cx="10308070" cy="1918116"/>
-      </dsp:txXfrm>
-    </dsp:sp>
-    <dsp:sp modelId="{D29B4909-0F47-468C-84E0-A467C5F3E634}">
-      <dsp:nvSpPr>
-        <dsp:cNvPr id="0" name=""/>
-        <dsp:cNvSpPr/>
-      </dsp:nvSpPr>
-      <dsp:spPr>
-        <a:xfrm>
-          <a:off x="0" y="2141669"/>
-          <a:ext cx="10515600" cy="2125646"/>
-        </a:xfrm>
-        <a:prstGeom prst="roundRect">
-          <a:avLst/>
-        </a:prstGeom>
-        <a:solidFill>
-          <a:srgbClr val="4A742E"/>
-        </a:solidFill>
-        <a:ln w="12700" cap="flat" cmpd="sng" algn="ctr">
-          <a:solidFill>
-            <a:schemeClr val="lt1">
-              <a:hueOff val="0"/>
-              <a:satOff val="0"/>
-              <a:lumOff val="0"/>
-              <a:alphaOff val="0"/>
-            </a:schemeClr>
-          </a:solidFill>
-          <a:prstDash val="solid"/>
-          <a:miter lim="800000"/>
-        </a:ln>
-        <a:effectLst/>
-      </dsp:spPr>
-      <dsp:style>
-        <a:lnRef idx="2">
-          <a:scrgbClr r="0" g="0" b="0"/>
-        </a:lnRef>
-        <a:fillRef idx="1">
-          <a:scrgbClr r="0" g="0" b="0"/>
-        </a:fillRef>
-        <a:effectRef idx="0">
-          <a:scrgbClr r="0" g="0" b="0"/>
-        </a:effectRef>
-        <a:fontRef idx="minor">
-          <a:schemeClr val="lt1"/>
-        </a:fontRef>
-      </dsp:style>
-      <dsp:txBody>
-        <a:bodyPr spcFirstLastPara="0" vert="horz" wrap="square" lIns="91440" tIns="91440" rIns="91440" bIns="91440" numCol="1" spcCol="1270" anchor="ctr" anchorCtr="0">
-          <a:noAutofit/>
-        </a:bodyPr>
-        <a:lstStyle/>
-        <a:p>
-          <a:pPr lvl="0" algn="l" defTabSz="1066800" rtl="0">
-            <a:lnSpc>
-              <a:spcPct val="90000"/>
-            </a:lnSpc>
-            <a:spcBef>
-              <a:spcPct val="0"/>
-            </a:spcBef>
-            <a:spcAft>
-              <a:spcPct val="35000"/>
-            </a:spcAft>
-          </a:pPr>
-          <a:r>
-            <a:rPr lang="en-US" sz="2400" kern="1200" dirty="0"/>
-            <a:t>In SharePoint, it is a framework for overriding the built-in presentation logic of new, edit, and display forms, views, and search results using HTML, CSS, and JavaScript</a:t>
-          </a:r>
-        </a:p>
-        <a:p>
-          <a:pPr lvl="0" algn="l" defTabSz="1066800" rtl="0">
-            <a:lnSpc>
-              <a:spcPct val="90000"/>
-            </a:lnSpc>
-            <a:spcBef>
-              <a:spcPct val="0"/>
-            </a:spcBef>
-            <a:spcAft>
-              <a:spcPts val="0"/>
-            </a:spcAft>
-          </a:pPr>
-          <a:r>
-            <a:rPr lang="en-US" sz="1800" kern="1200" dirty="0"/>
-            <a:t>    - </a:t>
-          </a:r>
-          <a:r>
-            <a:rPr lang="en-US" sz="2000" kern="1200" dirty="0"/>
-            <a:t>Depends on a mechanism for injecting JavaScript into one or more SharePoint    </a:t>
-          </a:r>
-        </a:p>
-        <a:p>
-          <a:pPr lvl="0" algn="l" defTabSz="1066800" rtl="0">
-            <a:lnSpc>
-              <a:spcPct val="90000"/>
-            </a:lnSpc>
-            <a:spcBef>
-              <a:spcPct val="0"/>
-            </a:spcBef>
-            <a:spcAft>
-              <a:spcPts val="0"/>
-            </a:spcAft>
-          </a:pPr>
-          <a:r>
-            <a:rPr lang="en-US" sz="2000" kern="1200" dirty="0"/>
-            <a:t>      pages</a:t>
-          </a:r>
-        </a:p>
-      </dsp:txBody>
-      <dsp:txXfrm>
-        <a:off x="103765" y="2245434"/>
-        <a:ext cx="10308070" cy="1918116"/>
-      </dsp:txXfrm>
-    </dsp:sp>
-    <dsp:sp modelId="{F37F4947-6993-4131-8E52-6FEFE9332518}">
-      <dsp:nvSpPr>
-        <dsp:cNvPr id="0" name=""/>
-        <dsp:cNvSpPr/>
-      </dsp:nvSpPr>
-      <dsp:spPr>
-        <a:xfrm>
-          <a:off x="0" y="4267316"/>
-          <a:ext cx="10515600" cy="82314"/>
-        </a:xfrm>
-        <a:prstGeom prst="rect">
-          <a:avLst/>
-        </a:prstGeom>
-        <a:noFill/>
-        <a:ln>
-          <a:noFill/>
-        </a:ln>
-        <a:effectLst/>
-      </dsp:spPr>
-      <dsp:style>
-        <a:lnRef idx="0">
-          <a:scrgbClr r="0" g="0" b="0"/>
-        </a:lnRef>
-        <a:fillRef idx="0">
-          <a:scrgbClr r="0" g="0" b="0"/>
-        </a:fillRef>
-        <a:effectRef idx="0">
-          <a:scrgbClr r="0" g="0" b="0"/>
-        </a:effectRef>
-        <a:fontRef idx="minor"/>
-      </dsp:style>
-      <dsp:txBody>
-        <a:bodyPr spcFirstLastPara="0" vert="horz" wrap="square" lIns="333870" tIns="6350" rIns="35560" bIns="6350" numCol="1" spcCol="1270" anchor="t" anchorCtr="0">
-          <a:noAutofit/>
-        </a:bodyPr>
-        <a:lstStyle/>
-        <a:p>
-          <a:pPr marL="57150" lvl="1" indent="-57150" algn="l" defTabSz="177800" rtl="0">
-            <a:lnSpc>
-              <a:spcPct val="90000"/>
-            </a:lnSpc>
-            <a:spcBef>
-              <a:spcPct val="0"/>
-            </a:spcBef>
-            <a:spcAft>
-              <a:spcPct val="20000"/>
-            </a:spcAft>
-            <a:buChar char="••"/>
-          </a:pPr>
-          <a:endParaRPr lang="en-US" sz="400" kern="1200" dirty="0"/>
-        </a:p>
-      </dsp:txBody>
-      <dsp:txXfrm>
-        <a:off x="0" y="4267316"/>
-        <a:ext cx="10515600" cy="82314"/>
-      </dsp:txXfrm>
-    </dsp:sp>
   </dsp:spTree>
 </dsp:drawing>
 </file>
@@ -11050,16 +10026,9 @@
   <p:cSld>
     <p:bg>
       <p:bgPr>
-        <a:blipFill dpi="0" rotWithShape="1">
-          <a:blip r:embed="rId13">
-            <a:alphaModFix amt="75000"/>
-            <a:lum/>
-          </a:blip>
-          <a:srcRect/>
-          <a:stretch>
-            <a:fillRect/>
-          </a:stretch>
-        </a:blipFill>
+        <a:solidFill>
+          <a:schemeClr val="bg1"/>
+        </a:solidFill>
         <a:effectLst/>
       </p:bgPr>
     </p:bg>
@@ -11601,6 +10570,21 @@
 <file path=ppt/slides/slide1.xml><?xml version="1.0" encoding="utf-8"?>
 <p:sld xmlns:a="http://schemas.openxmlformats.org/drawingml/2006/main" xmlns:r="http://schemas.openxmlformats.org/officeDocument/2006/relationships" xmlns:p="http://schemas.openxmlformats.org/presentationml/2006/main">
   <p:cSld>
+    <p:bg>
+      <p:bgPr>
+        <a:blipFill dpi="0" rotWithShape="1">
+          <a:blip r:embed="rId3">
+            <a:alphaModFix amt="75000"/>
+            <a:lum/>
+          </a:blip>
+          <a:srcRect/>
+          <a:stretch>
+            <a:fillRect/>
+          </a:stretch>
+        </a:blipFill>
+        <a:effectLst/>
+      </p:bgPr>
+    </p:bg>
     <p:spTree>
       <p:nvGrpSpPr>
         <p:cNvPr id="1" name=""/>
@@ -11624,7 +10608,7 @@
           <p:nvPr/>
         </p:nvPicPr>
         <p:blipFill>
-          <a:blip r:embed="rId3">
+          <a:blip r:embed="rId4">
             <a:extLst>
               <a:ext uri="{28A0092B-C50C-407E-A947-70E740481C1C}">
                 <a14:useLocalDpi xmlns:a14="http://schemas.microsoft.com/office/drawing/2010/main" val="0"/>
@@ -12158,11 +11142,7 @@
           <a:p>
             <a:r>
               <a:rPr lang="en-US" dirty="0" smtClean="0"/>
-              <a:t>Demo #4 - Tabbed </a:t>
-            </a:r>
-            <a:r>
-              <a:rPr lang="en-US" dirty="0" smtClean="0"/>
-              <a:t>Form</a:t>
+              <a:t>Demo #4 - Tabbed Form</a:t>
             </a:r>
             <a:endParaRPr lang="en-US" dirty="0"/>
           </a:p>
@@ -12361,11 +11341,7 @@
             </a:r>
             <a:r>
               <a:rPr lang="en-US" dirty="0" smtClean="0"/>
-              <a:t>#5 – </a:t>
-            </a:r>
-            <a:r>
-              <a:rPr lang="en-US" dirty="0" smtClean="0"/>
-              <a:t>Entity Editor</a:t>
+              <a:t>#5 – Entity Editor</a:t>
             </a:r>
             <a:endParaRPr lang="en-US" dirty="0"/>
           </a:p>

--- a/SPSSTL_CSR.pptx
+++ b/SPSSTL_CSR.pptx
@@ -17,8 +17,8 @@
     <p:sldId id="297" r:id="rId8"/>
     <p:sldId id="296" r:id="rId9"/>
     <p:sldId id="289" r:id="rId10"/>
-    <p:sldId id="291" r:id="rId11"/>
-    <p:sldId id="290" r:id="rId12"/>
+    <p:sldId id="290" r:id="rId11"/>
+    <p:sldId id="291" r:id="rId12"/>
     <p:sldId id="299" r:id="rId13"/>
     <p:sldId id="294" r:id="rId14"/>
     <p:sldId id="298" r:id="rId15"/>
@@ -3427,6 +3427,375 @@
       <dsp:cNvGrpSpPr/>
     </dsp:nvGrpSpPr>
     <dsp:grpSpPr/>
+    <dsp:sp modelId="{AC944DED-EBB6-488E-BF26-669AE3A7F6BE}">
+      <dsp:nvSpPr>
+        <dsp:cNvPr id="0" name=""/>
+        <dsp:cNvSpPr/>
+      </dsp:nvSpPr>
+      <dsp:spPr>
+        <a:xfrm>
+          <a:off x="-134034" y="0"/>
+          <a:ext cx="10783669" cy="4530725"/>
+        </a:xfrm>
+        <a:prstGeom prst="diamond">
+          <a:avLst/>
+        </a:prstGeom>
+        <a:solidFill>
+          <a:srgbClr val="ECECEC">
+            <a:alpha val="0"/>
+          </a:srgbClr>
+        </a:solidFill>
+        <a:ln>
+          <a:noFill/>
+        </a:ln>
+        <a:effectLst/>
+      </dsp:spPr>
+      <dsp:style>
+        <a:lnRef idx="0">
+          <a:scrgbClr r="0" g="0" b="0"/>
+        </a:lnRef>
+        <a:fillRef idx="1">
+          <a:scrgbClr r="0" g="0" b="0"/>
+        </a:fillRef>
+        <a:effectRef idx="0">
+          <a:scrgbClr r="0" g="0" b="0"/>
+        </a:effectRef>
+        <a:fontRef idx="minor"/>
+      </dsp:style>
+    </dsp:sp>
+    <dsp:sp modelId="{A938AC64-1965-4837-94E0-32948ED8DF0E}">
+      <dsp:nvSpPr>
+        <dsp:cNvPr id="0" name=""/>
+        <dsp:cNvSpPr/>
+      </dsp:nvSpPr>
+      <dsp:spPr>
+        <a:xfrm>
+          <a:off x="1108197" y="147993"/>
+          <a:ext cx="3540008" cy="2024449"/>
+        </a:xfrm>
+        <a:prstGeom prst="roundRect">
+          <a:avLst/>
+        </a:prstGeom>
+        <a:solidFill>
+          <a:schemeClr val="accent1">
+            <a:hueOff val="0"/>
+            <a:satOff val="0"/>
+            <a:lumOff val="0"/>
+            <a:alphaOff val="0"/>
+          </a:schemeClr>
+        </a:solidFill>
+        <a:ln w="12700" cap="flat" cmpd="sng" algn="ctr">
+          <a:solidFill>
+            <a:schemeClr val="lt1">
+              <a:hueOff val="0"/>
+              <a:satOff val="0"/>
+              <a:lumOff val="0"/>
+              <a:alphaOff val="0"/>
+            </a:schemeClr>
+          </a:solidFill>
+          <a:prstDash val="solid"/>
+          <a:miter lim="800000"/>
+        </a:ln>
+        <a:effectLst/>
+      </dsp:spPr>
+      <dsp:style>
+        <a:lnRef idx="2">
+          <a:scrgbClr r="0" g="0" b="0"/>
+        </a:lnRef>
+        <a:fillRef idx="1">
+          <a:scrgbClr r="0" g="0" b="0"/>
+        </a:fillRef>
+        <a:effectRef idx="0">
+          <a:scrgbClr r="0" g="0" b="0"/>
+        </a:effectRef>
+        <a:fontRef idx="minor">
+          <a:schemeClr val="lt1"/>
+        </a:fontRef>
+      </dsp:style>
+      <dsp:txBody>
+        <a:bodyPr spcFirstLastPara="0" vert="horz" wrap="square" lIns="106680" tIns="106680" rIns="106680" bIns="106680" numCol="1" spcCol="1270" anchor="ctr" anchorCtr="0">
+          <a:noAutofit/>
+        </a:bodyPr>
+        <a:lstStyle/>
+        <a:p>
+          <a:pPr lvl="0" algn="ctr" defTabSz="1244600" rtl="0">
+            <a:lnSpc>
+              <a:spcPct val="90000"/>
+            </a:lnSpc>
+            <a:spcBef>
+              <a:spcPct val="0"/>
+            </a:spcBef>
+            <a:spcAft>
+              <a:spcPct val="35000"/>
+            </a:spcAft>
+          </a:pPr>
+          <a:r>
+            <a:rPr lang="en-US" sz="2800" kern="1200" dirty="0"/>
+            <a:t>Who? Developers </a:t>
+          </a:r>
+        </a:p>
+        <a:p>
+          <a:pPr lvl="0" algn="ctr" defTabSz="1244600" rtl="0">
+            <a:lnSpc>
+              <a:spcPct val="90000"/>
+            </a:lnSpc>
+            <a:spcBef>
+              <a:spcPct val="0"/>
+            </a:spcBef>
+            <a:spcAft>
+              <a:spcPct val="35000"/>
+            </a:spcAft>
+          </a:pPr>
+          <a:r>
+            <a:rPr lang="en-US" sz="2800" kern="1200" dirty="0"/>
+            <a:t>(including Citizen Developers)</a:t>
+          </a:r>
+        </a:p>
+      </dsp:txBody>
+      <dsp:txXfrm>
+        <a:off x="1207022" y="246818"/>
+        <a:ext cx="3342358" cy="1826799"/>
+      </dsp:txXfrm>
+    </dsp:sp>
+    <dsp:sp modelId="{9345D29A-389E-42F7-82F5-13738ADA8976}">
+      <dsp:nvSpPr>
+        <dsp:cNvPr id="0" name=""/>
+        <dsp:cNvSpPr/>
+      </dsp:nvSpPr>
+      <dsp:spPr>
+        <a:xfrm>
+          <a:off x="5875504" y="210818"/>
+          <a:ext cx="3589625" cy="1987078"/>
+        </a:xfrm>
+        <a:prstGeom prst="roundRect">
+          <a:avLst/>
+        </a:prstGeom>
+        <a:solidFill>
+          <a:schemeClr val="accent1">
+            <a:hueOff val="0"/>
+            <a:satOff val="0"/>
+            <a:lumOff val="0"/>
+            <a:alphaOff val="0"/>
+          </a:schemeClr>
+        </a:solidFill>
+        <a:ln w="12700" cap="flat" cmpd="sng" algn="ctr">
+          <a:solidFill>
+            <a:schemeClr val="lt1">
+              <a:hueOff val="0"/>
+              <a:satOff val="0"/>
+              <a:lumOff val="0"/>
+              <a:alphaOff val="0"/>
+            </a:schemeClr>
+          </a:solidFill>
+          <a:prstDash val="solid"/>
+          <a:miter lim="800000"/>
+        </a:ln>
+        <a:effectLst/>
+      </dsp:spPr>
+      <dsp:style>
+        <a:lnRef idx="2">
+          <a:scrgbClr r="0" g="0" b="0"/>
+        </a:lnRef>
+        <a:fillRef idx="1">
+          <a:scrgbClr r="0" g="0" b="0"/>
+        </a:fillRef>
+        <a:effectRef idx="0">
+          <a:scrgbClr r="0" g="0" b="0"/>
+        </a:effectRef>
+        <a:fontRef idx="minor">
+          <a:schemeClr val="lt1"/>
+        </a:fontRef>
+      </dsp:style>
+      <dsp:txBody>
+        <a:bodyPr spcFirstLastPara="0" vert="horz" wrap="square" lIns="106680" tIns="106680" rIns="106680" bIns="106680" numCol="1" spcCol="1270" anchor="ctr" anchorCtr="0">
+          <a:noAutofit/>
+        </a:bodyPr>
+        <a:lstStyle/>
+        <a:p>
+          <a:pPr lvl="0" algn="ctr" defTabSz="1244600" rtl="0">
+            <a:lnSpc>
+              <a:spcPct val="90000"/>
+            </a:lnSpc>
+            <a:spcBef>
+              <a:spcPct val="0"/>
+            </a:spcBef>
+            <a:spcAft>
+              <a:spcPct val="35000"/>
+            </a:spcAft>
+          </a:pPr>
+          <a:r>
+            <a:rPr lang="en-US" sz="2800" kern="1200" dirty="0"/>
+            <a:t>Show practical examples of CSR to customize forms (and possibly Views)</a:t>
+          </a:r>
+        </a:p>
+      </dsp:txBody>
+      <dsp:txXfrm>
+        <a:off x="5972505" y="307819"/>
+        <a:ext cx="3395623" cy="1793076"/>
+      </dsp:txXfrm>
+    </dsp:sp>
+    <dsp:sp modelId="{26309244-D78B-4147-92EB-687CA5A90E3A}">
+      <dsp:nvSpPr>
+        <dsp:cNvPr id="0" name=""/>
+        <dsp:cNvSpPr/>
+      </dsp:nvSpPr>
+      <dsp:spPr>
+        <a:xfrm>
+          <a:off x="1126794" y="2547286"/>
+          <a:ext cx="3521225" cy="1983438"/>
+        </a:xfrm>
+        <a:prstGeom prst="roundRect">
+          <a:avLst/>
+        </a:prstGeom>
+        <a:solidFill>
+          <a:schemeClr val="accent1">
+            <a:hueOff val="0"/>
+            <a:satOff val="0"/>
+            <a:lumOff val="0"/>
+            <a:alphaOff val="0"/>
+          </a:schemeClr>
+        </a:solidFill>
+        <a:ln w="12700" cap="flat" cmpd="sng" algn="ctr">
+          <a:solidFill>
+            <a:schemeClr val="lt1">
+              <a:hueOff val="0"/>
+              <a:satOff val="0"/>
+              <a:lumOff val="0"/>
+              <a:alphaOff val="0"/>
+            </a:schemeClr>
+          </a:solidFill>
+          <a:prstDash val="solid"/>
+          <a:miter lim="800000"/>
+        </a:ln>
+        <a:effectLst/>
+      </dsp:spPr>
+      <dsp:style>
+        <a:lnRef idx="2">
+          <a:scrgbClr r="0" g="0" b="0"/>
+        </a:lnRef>
+        <a:fillRef idx="1">
+          <a:scrgbClr r="0" g="0" b="0"/>
+        </a:fillRef>
+        <a:effectRef idx="0">
+          <a:scrgbClr r="0" g="0" b="0"/>
+        </a:effectRef>
+        <a:fontRef idx="minor">
+          <a:schemeClr val="lt1"/>
+        </a:fontRef>
+      </dsp:style>
+      <dsp:txBody>
+        <a:bodyPr spcFirstLastPara="0" vert="horz" wrap="square" lIns="106680" tIns="106680" rIns="106680" bIns="106680" numCol="1" spcCol="1270" anchor="ctr" anchorCtr="0">
+          <a:noAutofit/>
+        </a:bodyPr>
+        <a:lstStyle/>
+        <a:p>
+          <a:pPr lvl="0" algn="ctr" defTabSz="1244600" rtl="0">
+            <a:lnSpc>
+              <a:spcPct val="90000"/>
+            </a:lnSpc>
+            <a:spcBef>
+              <a:spcPct val="0"/>
+            </a:spcBef>
+            <a:spcAft>
+              <a:spcPct val="35000"/>
+            </a:spcAft>
+          </a:pPr>
+          <a:r>
+            <a:rPr lang="en-US" sz="2800" kern="1200" dirty="0"/>
+            <a:t>Talk about gotchas MDS, dep</a:t>
+          </a:r>
+          <a:r>
+            <a:rPr lang="en-US" sz="2800" b="1" kern="1200" dirty="0"/>
+            <a:t>lo</a:t>
+          </a:r>
+          <a:r>
+            <a:rPr lang="en-US" sz="2800" kern="1200" dirty="0"/>
+            <a:t>yment, JSLink limitations</a:t>
+          </a:r>
+        </a:p>
+      </dsp:txBody>
+      <dsp:txXfrm>
+        <a:off x="1223617" y="2644109"/>
+        <a:ext cx="3327579" cy="1789792"/>
+      </dsp:txXfrm>
+    </dsp:sp>
+    <dsp:sp modelId="{EEEB16C2-02E3-4B32-9461-82D301FB9452}">
+      <dsp:nvSpPr>
+        <dsp:cNvPr id="0" name=""/>
+        <dsp:cNvSpPr/>
+      </dsp:nvSpPr>
+      <dsp:spPr>
+        <a:xfrm>
+          <a:off x="5873905" y="2533840"/>
+          <a:ext cx="3589042" cy="1996884"/>
+        </a:xfrm>
+        <a:prstGeom prst="roundRect">
+          <a:avLst/>
+        </a:prstGeom>
+        <a:solidFill>
+          <a:schemeClr val="accent1">
+            <a:hueOff val="0"/>
+            <a:satOff val="0"/>
+            <a:lumOff val="0"/>
+            <a:alphaOff val="0"/>
+          </a:schemeClr>
+        </a:solidFill>
+        <a:ln w="12700" cap="flat" cmpd="sng" algn="ctr">
+          <a:solidFill>
+            <a:schemeClr val="lt1">
+              <a:hueOff val="0"/>
+              <a:satOff val="0"/>
+              <a:lumOff val="0"/>
+              <a:alphaOff val="0"/>
+            </a:schemeClr>
+          </a:solidFill>
+          <a:prstDash val="solid"/>
+          <a:miter lim="800000"/>
+        </a:ln>
+        <a:effectLst/>
+      </dsp:spPr>
+      <dsp:style>
+        <a:lnRef idx="2">
+          <a:scrgbClr r="0" g="0" b="0"/>
+        </a:lnRef>
+        <a:fillRef idx="1">
+          <a:scrgbClr r="0" g="0" b="0"/>
+        </a:fillRef>
+        <a:effectRef idx="0">
+          <a:scrgbClr r="0" g="0" b="0"/>
+        </a:effectRef>
+        <a:fontRef idx="minor">
+          <a:schemeClr val="lt1"/>
+        </a:fontRef>
+      </dsp:style>
+      <dsp:txBody>
+        <a:bodyPr spcFirstLastPara="0" vert="horz" wrap="square" lIns="106680" tIns="106680" rIns="106680" bIns="106680" numCol="1" spcCol="1270" anchor="ctr" anchorCtr="0">
+          <a:noAutofit/>
+        </a:bodyPr>
+        <a:lstStyle/>
+        <a:p>
+          <a:pPr lvl="0" algn="ctr" defTabSz="1244600" rtl="0">
+            <a:lnSpc>
+              <a:spcPct val="90000"/>
+            </a:lnSpc>
+            <a:spcBef>
+              <a:spcPct val="0"/>
+            </a:spcBef>
+            <a:spcAft>
+              <a:spcPct val="35000"/>
+            </a:spcAft>
+          </a:pPr>
+          <a:r>
+            <a:rPr lang="en-US" sz="2800" kern="1200" dirty="0"/>
+            <a:t>Demonstrate building components that can be easily reused by power users</a:t>
+          </a:r>
+        </a:p>
+      </dsp:txBody>
+      <dsp:txXfrm>
+        <a:off x="5971385" y="2631320"/>
+        <a:ext cx="3394082" cy="1801924"/>
+      </dsp:txXfrm>
+    </dsp:sp>
   </dsp:spTree>
 </dsp:drawing>
 </file>
@@ -10804,11 +11173,15 @@
           <a:p>
             <a:r>
               <a:rPr lang="en-US" dirty="0" smtClean="0"/>
-              <a:t>Demo #2 </a:t>
+              <a:t>Demo </a:t>
+            </a:r>
+            <a:r>
+              <a:rPr lang="en-US" dirty="0" smtClean="0"/>
+              <a:t>#2 </a:t>
             </a:r>
             <a:r>
               <a:rPr lang="en-US" dirty="0"/>
-              <a:t>– Cascading Lookups</a:t>
+              <a:t>– Type Ahead Fields</a:t>
             </a:r>
           </a:p>
         </p:txBody>
@@ -10825,45 +11198,44 @@
         </p:nvSpPr>
         <p:spPr/>
         <p:txBody>
-          <a:bodyPr/>
+          <a:bodyPr>
+            <a:normAutofit/>
+          </a:bodyPr>
           <a:lstStyle/>
           <a:p>
             <a:r>
-              <a:rPr lang="en-US" sz="4400" dirty="0"/>
-              <a:t>Modifying fields without overriding </a:t>
-            </a:r>
-            <a:r>
-              <a:rPr lang="en-US" sz="4400" dirty="0" smtClean="0"/>
-              <a:t>rendering</a:t>
-            </a:r>
-          </a:p>
-          <a:p>
-            <a:r>
-              <a:rPr lang="en-US" sz="4400" dirty="0" err="1" smtClean="0"/>
-              <a:t>registerInitCallback</a:t>
-            </a:r>
-            <a:r>
-              <a:rPr lang="en-US" sz="4400" dirty="0" smtClean="0"/>
-              <a:t> (only one)</a:t>
-            </a:r>
-          </a:p>
-          <a:p>
-            <a:r>
-              <a:rPr lang="en-US" sz="4400" dirty="0" smtClean="0"/>
-              <a:t>Setting </a:t>
-            </a:r>
-            <a:r>
-              <a:rPr lang="en-US" sz="4400" dirty="0" err="1" smtClean="0"/>
-              <a:t>jsLink</a:t>
-            </a:r>
-            <a:r>
-              <a:rPr lang="en-US" sz="4400" dirty="0" smtClean="0"/>
-              <a:t> on multiple fields (with dependencies)</a:t>
-            </a:r>
-            <a:endParaRPr lang="en-US" sz="4400" dirty="0"/>
-          </a:p>
-          <a:p>
-            <a:endParaRPr lang="en-US" dirty="0"/>
+              <a:rPr lang="en-US" sz="4000" dirty="0"/>
+              <a:t>How to handle Minimal Download Strategy</a:t>
+            </a:r>
+          </a:p>
+          <a:p>
+            <a:r>
+              <a:rPr lang="en-US" sz="4000" dirty="0"/>
+              <a:t>Use of an OnPostRender handler to wire events </a:t>
+            </a:r>
+            <a:r>
+              <a:rPr lang="en-US" sz="4000" smtClean="0"/>
+              <a:t>(when and </a:t>
+            </a:r>
+            <a:r>
+              <a:rPr lang="en-US" sz="4000" dirty="0"/>
+              <a:t>how many times is it called</a:t>
+            </a:r>
+            <a:r>
+              <a:rPr lang="en-US" sz="4000" dirty="0" smtClean="0"/>
+              <a:t>)</a:t>
+            </a:r>
+          </a:p>
+          <a:p>
+            <a:r>
+              <a:rPr lang="en-US" sz="4000" dirty="0"/>
+              <a:t>If installed on fields, should be on all fields </a:t>
+            </a:r>
+            <a:r>
+              <a:rPr lang="en-US" sz="4000" dirty="0" smtClean="0"/>
+              <a:t>altered</a:t>
+            </a:r>
+            <a:endParaRPr lang="en-US" sz="4000" dirty="0" smtClean="0"/>
           </a:p>
         </p:txBody>
       </p:sp>
@@ -10916,7 +11288,7 @@
     </p:spTree>
     <p:extLst>
       <p:ext uri="{BB962C8B-B14F-4D97-AF65-F5344CB8AC3E}">
-        <p14:creationId xmlns:p14="http://schemas.microsoft.com/office/powerpoint/2010/main" val="3200256140"/>
+        <p14:creationId xmlns:p14="http://schemas.microsoft.com/office/powerpoint/2010/main" val="2579643466"/>
       </p:ext>
     </p:extLst>
   </p:cSld>
@@ -10968,11 +11340,11 @@
           <a:p>
             <a:r>
               <a:rPr lang="en-US" dirty="0" smtClean="0"/>
-              <a:t>Demo #3 </a:t>
+              <a:t>Demo #2 </a:t>
             </a:r>
             <a:r>
               <a:rPr lang="en-US" dirty="0"/>
-              <a:t>– Type Ahead Fields</a:t>
+              <a:t>– Cascading Lookups</a:t>
             </a:r>
           </a:p>
         </p:txBody>
@@ -10990,54 +11362,68 @@
         <p:spPr/>
         <p:txBody>
           <a:bodyPr>
-            <a:normAutofit/>
+            <a:normAutofit fontScale="92500"/>
           </a:bodyPr>
           <a:lstStyle/>
           <a:p>
             <a:r>
-              <a:rPr lang="en-US" sz="4000" dirty="0"/>
-              <a:t>How to handle Minimal Download Strategy</a:t>
-            </a:r>
-          </a:p>
-          <a:p>
-            <a:r>
-              <a:rPr lang="en-US" sz="4000" dirty="0"/>
-              <a:t>Use of an OnPostRender handler to wire events (and how many times is it called</a:t>
-            </a:r>
-            <a:r>
-              <a:rPr lang="en-US" sz="4000" dirty="0" smtClean="0"/>
+              <a:rPr lang="en-US" sz="4400" dirty="0"/>
+              <a:t>Modifying fields without overriding </a:t>
+            </a:r>
+            <a:r>
+              <a:rPr lang="en-US" sz="4400" dirty="0" smtClean="0"/>
+              <a:t>rendering</a:t>
+            </a:r>
+          </a:p>
+          <a:p>
+            <a:r>
+              <a:rPr lang="en-US" sz="4400" dirty="0" err="1" smtClean="0"/>
+              <a:t>registerInitCallback</a:t>
+            </a:r>
+            <a:r>
+              <a:rPr lang="en-US" sz="4400" dirty="0" smtClean="0"/>
+              <a:t> (only one)</a:t>
+            </a:r>
+          </a:p>
+          <a:p>
+            <a:r>
+              <a:rPr lang="en-US" sz="4400" dirty="0" smtClean="0"/>
+              <a:t>Setting </a:t>
+            </a:r>
+            <a:r>
+              <a:rPr lang="en-US" sz="4400" dirty="0" err="1" smtClean="0"/>
+              <a:t>jsLink</a:t>
+            </a:r>
+            <a:r>
+              <a:rPr lang="en-US" sz="4400" dirty="0" smtClean="0"/>
+              <a:t> on multiple fields (with dependencies</a:t>
+            </a:r>
+            <a:r>
+              <a:rPr lang="en-US" sz="4400" dirty="0" smtClean="0"/>
               <a:t>)</a:t>
             </a:r>
           </a:p>
           <a:p>
             <a:r>
-              <a:rPr lang="en-US" sz="4000" dirty="0"/>
-              <a:t>If installed on fields, should be on all fields </a:t>
-            </a:r>
-            <a:r>
-              <a:rPr lang="en-US" sz="4000" dirty="0" smtClean="0"/>
-              <a:t>altered</a:t>
-            </a:r>
-          </a:p>
-          <a:p>
-            <a:r>
-              <a:rPr lang="en-US" sz="4000" dirty="0"/>
+              <a:rPr lang="en-US" sz="4400" dirty="0"/>
               <a:t>OnPostRender  vs. </a:t>
             </a:r>
             <a:r>
-              <a:rPr lang="en-US" sz="4000" dirty="0" err="1"/>
+              <a:rPr lang="en-US" sz="4400" dirty="0" err="1"/>
               <a:t>registerInitCallback</a:t>
             </a:r>
             <a:r>
-              <a:rPr lang="en-US" sz="4000" dirty="0"/>
-              <a:t> when working with multiple fields (and gotcha’s)</a:t>
-            </a:r>
-          </a:p>
-          <a:p>
-            <a:pPr marL="0" indent="0">
-              <a:buNone/>
-            </a:pPr>
-            <a:endParaRPr lang="en-US" sz="4000" dirty="0"/>
+              <a:rPr lang="en-US" sz="4400" dirty="0"/>
+              <a:t> when working with multiple fields (and gotcha’s</a:t>
+            </a:r>
+            <a:r>
+              <a:rPr lang="en-US" sz="4400" dirty="0" smtClean="0"/>
+              <a:t>)</a:t>
+            </a:r>
+            <a:endParaRPr lang="en-US" sz="4400" dirty="0"/>
+          </a:p>
+          <a:p>
+            <a:endParaRPr lang="en-US" dirty="0"/>
           </a:p>
         </p:txBody>
       </p:sp>
@@ -11090,7 +11476,7 @@
     </p:spTree>
     <p:extLst>
       <p:ext uri="{BB962C8B-B14F-4D97-AF65-F5344CB8AC3E}">
-        <p14:creationId xmlns:p14="http://schemas.microsoft.com/office/powerpoint/2010/main" val="2579643466"/>
+        <p14:creationId xmlns:p14="http://schemas.microsoft.com/office/powerpoint/2010/main" val="3200256140"/>
       </p:ext>
     </p:extLst>
   </p:cSld>

--- a/SPSSTL_CSR.pptx
+++ b/SPSSTL_CSR.pptx
@@ -10,7 +10,7 @@
   <p:sldIdLst>
     <p:sldId id="280" r:id="rId2"/>
     <p:sldId id="257" r:id="rId3"/>
-    <p:sldId id="300" r:id="rId4"/>
+    <p:sldId id="301" r:id="rId4"/>
     <p:sldId id="260" r:id="rId5"/>
     <p:sldId id="277" r:id="rId6"/>
     <p:sldId id="274" r:id="rId7"/>
@@ -3808,6 +3808,422 @@
       <dsp:cNvGrpSpPr/>
     </dsp:nvGrpSpPr>
     <dsp:grpSpPr/>
+    <dsp:sp modelId="{49121172-462D-4D7B-B892-B91EF6B7757D}">
+      <dsp:nvSpPr>
+        <dsp:cNvPr id="0" name=""/>
+        <dsp:cNvSpPr/>
+      </dsp:nvSpPr>
+      <dsp:spPr>
+        <a:xfrm>
+          <a:off x="0" y="2326"/>
+          <a:ext cx="10515600" cy="1428248"/>
+        </a:xfrm>
+        <a:prstGeom prst="roundRect">
+          <a:avLst/>
+        </a:prstGeom>
+        <a:solidFill>
+          <a:srgbClr val="2E74B4"/>
+        </a:solidFill>
+        <a:ln w="12700" cap="flat" cmpd="sng" algn="ctr">
+          <a:solidFill>
+            <a:schemeClr val="lt1">
+              <a:hueOff val="0"/>
+              <a:satOff val="0"/>
+              <a:lumOff val="0"/>
+              <a:alphaOff val="0"/>
+            </a:schemeClr>
+          </a:solidFill>
+          <a:prstDash val="solid"/>
+          <a:miter lim="800000"/>
+        </a:ln>
+        <a:effectLst/>
+      </dsp:spPr>
+      <dsp:style>
+        <a:lnRef idx="2">
+          <a:scrgbClr r="0" g="0" b="0"/>
+        </a:lnRef>
+        <a:fillRef idx="1">
+          <a:scrgbClr r="0" g="0" b="0"/>
+        </a:fillRef>
+        <a:effectRef idx="0">
+          <a:scrgbClr r="0" g="0" b="0"/>
+        </a:effectRef>
+        <a:fontRef idx="minor">
+          <a:schemeClr val="lt1"/>
+        </a:fontRef>
+      </dsp:style>
+      <dsp:txBody>
+        <a:bodyPr spcFirstLastPara="0" vert="horz" wrap="square" lIns="121920" tIns="121920" rIns="121920" bIns="121920" numCol="1" spcCol="1270" anchor="ctr" anchorCtr="0">
+          <a:noAutofit/>
+        </a:bodyPr>
+        <a:lstStyle/>
+        <a:p>
+          <a:pPr lvl="0" algn="l" defTabSz="1422400" rtl="0">
+            <a:lnSpc>
+              <a:spcPct val="90000"/>
+            </a:lnSpc>
+            <a:spcBef>
+              <a:spcPct val="0"/>
+            </a:spcBef>
+            <a:spcAft>
+              <a:spcPct val="35000"/>
+            </a:spcAft>
+          </a:pPr>
+          <a:r>
+            <a:rPr lang="en-US" sz="3200" kern="1200" dirty="0"/>
+            <a:t>A mechanism to inject JavaScript into various pages</a:t>
+          </a:r>
+        </a:p>
+      </dsp:txBody>
+      <dsp:txXfrm>
+        <a:off x="69721" y="72047"/>
+        <a:ext cx="10376158" cy="1288806"/>
+      </dsp:txXfrm>
+    </dsp:sp>
+    <dsp:sp modelId="{D72AC7AB-600E-41F0-A1F1-04EC62A14A47}">
+      <dsp:nvSpPr>
+        <dsp:cNvPr id="0" name=""/>
+        <dsp:cNvSpPr/>
+      </dsp:nvSpPr>
+      <dsp:spPr>
+        <a:xfrm>
+          <a:off x="0" y="1528035"/>
+          <a:ext cx="10515600" cy="1428248"/>
+        </a:xfrm>
+        <a:prstGeom prst="roundRect">
+          <a:avLst/>
+        </a:prstGeom>
+        <a:solidFill>
+          <a:srgbClr val="BB5611"/>
+        </a:solidFill>
+        <a:ln w="12700" cap="flat" cmpd="sng" algn="ctr">
+          <a:solidFill>
+            <a:schemeClr val="lt1">
+              <a:hueOff val="0"/>
+              <a:satOff val="0"/>
+              <a:lumOff val="0"/>
+              <a:alphaOff val="0"/>
+            </a:schemeClr>
+          </a:solidFill>
+          <a:prstDash val="solid"/>
+          <a:miter lim="800000"/>
+        </a:ln>
+        <a:effectLst/>
+      </dsp:spPr>
+      <dsp:style>
+        <a:lnRef idx="2">
+          <a:scrgbClr r="0" g="0" b="0"/>
+        </a:lnRef>
+        <a:fillRef idx="1">
+          <a:scrgbClr r="0" g="0" b="0"/>
+        </a:fillRef>
+        <a:effectRef idx="0">
+          <a:scrgbClr r="0" g="0" b="0"/>
+        </a:effectRef>
+        <a:fontRef idx="minor">
+          <a:schemeClr val="lt1"/>
+        </a:fontRef>
+      </dsp:style>
+      <dsp:txBody>
+        <a:bodyPr spcFirstLastPara="0" vert="horz" wrap="square" lIns="121920" tIns="121920" rIns="121920" bIns="121920" numCol="1" spcCol="1270" anchor="ctr" anchorCtr="0">
+          <a:noAutofit/>
+        </a:bodyPr>
+        <a:lstStyle/>
+        <a:p>
+          <a:pPr lvl="0" algn="l" defTabSz="1422400" rtl="0">
+            <a:lnSpc>
+              <a:spcPct val="90000"/>
+            </a:lnSpc>
+            <a:spcBef>
+              <a:spcPct val="0"/>
+            </a:spcBef>
+            <a:spcAft>
+              <a:spcPct val="35000"/>
+            </a:spcAft>
+          </a:pPr>
+          <a:r>
+            <a:rPr lang="en-US" sz="3200" kern="1200" dirty="0"/>
+            <a:t>A property that can be set on various SharePoint objects</a:t>
+          </a:r>
+        </a:p>
+        <a:p>
+          <a:pPr lvl="0" algn="l" defTabSz="1422400" rtl="0">
+            <a:lnSpc>
+              <a:spcPct val="90000"/>
+            </a:lnSpc>
+            <a:spcBef>
+              <a:spcPct val="0"/>
+            </a:spcBef>
+            <a:spcAft>
+              <a:spcPct val="35000"/>
+            </a:spcAft>
+          </a:pPr>
+          <a:r>
+            <a:rPr lang="en-US" sz="500" kern="1200" dirty="0"/>
+            <a:t>      </a:t>
+          </a:r>
+          <a:r>
+            <a:rPr lang="en-US" sz="2000" kern="1200" dirty="0"/>
+            <a:t>- Form, Field, Content Type, View, List View Web Part (XLSTListViewWebPart)</a:t>
+          </a:r>
+          <a:endParaRPr lang="en-US" sz="500" kern="1200" dirty="0"/>
+        </a:p>
+      </dsp:txBody>
+      <dsp:txXfrm>
+        <a:off x="69721" y="1597756"/>
+        <a:ext cx="10376158" cy="1288806"/>
+      </dsp:txXfrm>
+    </dsp:sp>
+    <dsp:sp modelId="{9F78F9A8-91DB-4B53-9C97-66189ADC155B}">
+      <dsp:nvSpPr>
+        <dsp:cNvPr id="0" name=""/>
+        <dsp:cNvSpPr/>
+      </dsp:nvSpPr>
+      <dsp:spPr>
+        <a:xfrm>
+          <a:off x="0" y="2870790"/>
+          <a:ext cx="10515600" cy="68811"/>
+        </a:xfrm>
+        <a:prstGeom prst="rect">
+          <a:avLst/>
+        </a:prstGeom>
+        <a:noFill/>
+        <a:ln>
+          <a:noFill/>
+        </a:ln>
+        <a:effectLst/>
+      </dsp:spPr>
+      <dsp:style>
+        <a:lnRef idx="0">
+          <a:scrgbClr r="0" g="0" b="0"/>
+        </a:lnRef>
+        <a:fillRef idx="0">
+          <a:scrgbClr r="0" g="0" b="0"/>
+        </a:fillRef>
+        <a:effectRef idx="0">
+          <a:scrgbClr r="0" g="0" b="0"/>
+        </a:effectRef>
+        <a:fontRef idx="minor"/>
+      </dsp:style>
+      <dsp:txBody>
+        <a:bodyPr spcFirstLastPara="0" vert="horz" wrap="square" lIns="333870" tIns="6350" rIns="35560" bIns="6350" numCol="1" spcCol="1270" anchor="t" anchorCtr="0">
+          <a:noAutofit/>
+        </a:bodyPr>
+        <a:lstStyle/>
+        <a:p>
+          <a:pPr marL="57150" lvl="1" indent="-57150" algn="l" defTabSz="177800" rtl="0">
+            <a:lnSpc>
+              <a:spcPct val="90000"/>
+            </a:lnSpc>
+            <a:spcBef>
+              <a:spcPct val="0"/>
+            </a:spcBef>
+            <a:spcAft>
+              <a:spcPct val="20000"/>
+            </a:spcAft>
+            <a:buChar char="••"/>
+          </a:pPr>
+          <a:endParaRPr lang="en-US" sz="400" kern="1200" dirty="0"/>
+        </a:p>
+      </dsp:txBody>
+      <dsp:txXfrm>
+        <a:off x="0" y="2870790"/>
+        <a:ext cx="10515600" cy="68811"/>
+      </dsp:txXfrm>
+    </dsp:sp>
+    <dsp:sp modelId="{1A186D14-F1CB-4CF9-8AD8-6C09CA5E9B12}">
+      <dsp:nvSpPr>
+        <dsp:cNvPr id="0" name=""/>
+        <dsp:cNvSpPr/>
+      </dsp:nvSpPr>
+      <dsp:spPr>
+        <a:xfrm>
+          <a:off x="0" y="3010739"/>
+          <a:ext cx="10515600" cy="1428248"/>
+        </a:xfrm>
+        <a:prstGeom prst="roundRect">
+          <a:avLst/>
+        </a:prstGeom>
+        <a:solidFill>
+          <a:srgbClr val="4F7B31"/>
+        </a:solidFill>
+        <a:ln w="12700" cap="flat" cmpd="sng" algn="ctr">
+          <a:solidFill>
+            <a:schemeClr val="lt1">
+              <a:hueOff val="0"/>
+              <a:satOff val="0"/>
+              <a:lumOff val="0"/>
+              <a:alphaOff val="0"/>
+            </a:schemeClr>
+          </a:solidFill>
+          <a:prstDash val="solid"/>
+          <a:miter lim="800000"/>
+        </a:ln>
+        <a:effectLst/>
+      </dsp:spPr>
+      <dsp:style>
+        <a:lnRef idx="2">
+          <a:scrgbClr r="0" g="0" b="0"/>
+        </a:lnRef>
+        <a:fillRef idx="1">
+          <a:scrgbClr r="0" g="0" b="0"/>
+        </a:fillRef>
+        <a:effectRef idx="0">
+          <a:scrgbClr r="0" g="0" b="0"/>
+        </a:effectRef>
+        <a:fontRef idx="minor">
+          <a:schemeClr val="lt1"/>
+        </a:fontRef>
+      </dsp:style>
+      <dsp:txBody>
+        <a:bodyPr spcFirstLastPara="0" vert="horz" wrap="square" lIns="121920" tIns="121920" rIns="121920" bIns="121920" numCol="1" spcCol="1270" anchor="ctr" anchorCtr="0">
+          <a:noAutofit/>
+        </a:bodyPr>
+        <a:lstStyle/>
+        <a:p>
+          <a:pPr lvl="0" algn="l" defTabSz="1422400" rtl="0">
+            <a:lnSpc>
+              <a:spcPct val="90000"/>
+            </a:lnSpc>
+            <a:spcBef>
+              <a:spcPct val="0"/>
+            </a:spcBef>
+            <a:spcAft>
+              <a:spcPts val="600"/>
+            </a:spcAft>
+          </a:pPr>
+          <a:r>
+            <a:rPr lang="en-US" sz="3200" kern="1200" dirty="0"/>
+            <a:t>CSR depends on a mechanism to inject JavaScript</a:t>
+          </a:r>
+        </a:p>
+        <a:p>
+          <a:pPr lvl="0" algn="l" defTabSz="1422400" rtl="0">
+            <a:lnSpc>
+              <a:spcPct val="90000"/>
+            </a:lnSpc>
+            <a:spcBef>
+              <a:spcPct val="0"/>
+            </a:spcBef>
+            <a:spcAft>
+              <a:spcPts val="0"/>
+            </a:spcAft>
+          </a:pPr>
+          <a:r>
+            <a:rPr lang="en-US" sz="1800" kern="1200" dirty="0"/>
+            <a:t>      - It does </a:t>
+          </a:r>
+          <a:r>
+            <a:rPr lang="en-US" sz="1800" b="1" u="sng" kern="1200" dirty="0"/>
+            <a:t>NOT</a:t>
+          </a:r>
+          <a:r>
+            <a:rPr lang="en-US" sz="1800" kern="1200" dirty="0"/>
+            <a:t> depend on JSLink</a:t>
+          </a:r>
+        </a:p>
+        <a:p>
+          <a:pPr lvl="0" algn="l" defTabSz="1422400" rtl="0">
+            <a:lnSpc>
+              <a:spcPct val="90000"/>
+            </a:lnSpc>
+            <a:spcBef>
+              <a:spcPct val="0"/>
+            </a:spcBef>
+            <a:spcAft>
+              <a:spcPts val="0"/>
+            </a:spcAft>
+          </a:pPr>
+          <a:r>
+            <a:rPr lang="en-US" sz="1800" kern="1200" dirty="0"/>
+            <a:t>      - There are other </a:t>
+          </a:r>
+          <a:r>
+            <a:rPr lang="en-US" sz="1800" kern="1200" dirty="0" smtClean="0"/>
+            <a:t>alternatives (Custom Actions, CEWP, etc.)</a:t>
+          </a:r>
+          <a:endParaRPr lang="en-US" sz="1800" kern="1200" dirty="0"/>
+        </a:p>
+        <a:p>
+          <a:pPr lvl="0" algn="l" defTabSz="1422400" rtl="0">
+            <a:lnSpc>
+              <a:spcPct val="90000"/>
+            </a:lnSpc>
+            <a:spcBef>
+              <a:spcPct val="0"/>
+            </a:spcBef>
+            <a:spcAft>
+              <a:spcPts val="0"/>
+            </a:spcAft>
+          </a:pPr>
+          <a:r>
+            <a:rPr lang="en-US" sz="1800" kern="1200" dirty="0"/>
+            <a:t>      - In some cases, JSLink works quite well with CSR, in others it does not play well with CSR at all</a:t>
+          </a:r>
+        </a:p>
+      </dsp:txBody>
+      <dsp:txXfrm>
+        <a:off x="69721" y="3080460"/>
+        <a:ext cx="10376158" cy="1288806"/>
+      </dsp:txXfrm>
+    </dsp:sp>
+    <dsp:sp modelId="{728BF77C-9C68-40F1-BB96-F8B36C52BBC6}">
+      <dsp:nvSpPr>
+        <dsp:cNvPr id="0" name=""/>
+        <dsp:cNvSpPr/>
+      </dsp:nvSpPr>
+      <dsp:spPr>
+        <a:xfrm>
+          <a:off x="0" y="4367850"/>
+          <a:ext cx="10515600" cy="68811"/>
+        </a:xfrm>
+        <a:prstGeom prst="rect">
+          <a:avLst/>
+        </a:prstGeom>
+        <a:noFill/>
+        <a:ln>
+          <a:noFill/>
+        </a:ln>
+        <a:effectLst/>
+      </dsp:spPr>
+      <dsp:style>
+        <a:lnRef idx="0">
+          <a:scrgbClr r="0" g="0" b="0"/>
+        </a:lnRef>
+        <a:fillRef idx="0">
+          <a:scrgbClr r="0" g="0" b="0"/>
+        </a:fillRef>
+        <a:effectRef idx="0">
+          <a:scrgbClr r="0" g="0" b="0"/>
+        </a:effectRef>
+        <a:fontRef idx="minor"/>
+      </dsp:style>
+      <dsp:txBody>
+        <a:bodyPr spcFirstLastPara="0" vert="horz" wrap="square" lIns="333870" tIns="6350" rIns="35560" bIns="6350" numCol="1" spcCol="1270" anchor="t" anchorCtr="0">
+          <a:noAutofit/>
+        </a:bodyPr>
+        <a:lstStyle/>
+        <a:p>
+          <a:pPr marL="57150" lvl="1" indent="-57150" algn="l" defTabSz="177800" rtl="0">
+            <a:lnSpc>
+              <a:spcPct val="90000"/>
+            </a:lnSpc>
+            <a:spcBef>
+              <a:spcPct val="0"/>
+            </a:spcBef>
+            <a:spcAft>
+              <a:spcPct val="20000"/>
+            </a:spcAft>
+            <a:buChar char="••"/>
+          </a:pPr>
+          <a:endParaRPr lang="en-US" sz="400" kern="1200" dirty="0"/>
+        </a:p>
+      </dsp:txBody>
+      <dsp:txXfrm>
+        <a:off x="0" y="4367850"/>
+        <a:ext cx="10515600" cy="68811"/>
+      </dsp:txXfrm>
+    </dsp:sp>
   </dsp:spTree>
 </dsp:drawing>
 </file>
@@ -3820,6 +4236,245 @@
       <dsp:cNvGrpSpPr/>
     </dsp:nvGrpSpPr>
     <dsp:grpSpPr/>
+    <dsp:sp modelId="{4F694A87-5DD4-43B4-B523-06D5ED9AEA4B}">
+      <dsp:nvSpPr>
+        <dsp:cNvPr id="0" name=""/>
+        <dsp:cNvSpPr/>
+      </dsp:nvSpPr>
+      <dsp:spPr>
+        <a:xfrm>
+          <a:off x="0" y="1707"/>
+          <a:ext cx="10515600" cy="2125646"/>
+        </a:xfrm>
+        <a:prstGeom prst="roundRect">
+          <a:avLst/>
+        </a:prstGeom>
+        <a:solidFill>
+          <a:srgbClr val="2A6BA6"/>
+        </a:solidFill>
+        <a:ln w="12700" cap="flat" cmpd="sng" algn="ctr">
+          <a:solidFill>
+            <a:schemeClr val="lt1">
+              <a:hueOff val="0"/>
+              <a:satOff val="0"/>
+              <a:lumOff val="0"/>
+              <a:alphaOff val="0"/>
+            </a:schemeClr>
+          </a:solidFill>
+          <a:prstDash val="solid"/>
+          <a:miter lim="800000"/>
+        </a:ln>
+        <a:effectLst/>
+      </dsp:spPr>
+      <dsp:style>
+        <a:lnRef idx="2">
+          <a:scrgbClr r="0" g="0" b="0"/>
+        </a:lnRef>
+        <a:fillRef idx="1">
+          <a:scrgbClr r="0" g="0" b="0"/>
+        </a:fillRef>
+        <a:effectRef idx="0">
+          <a:scrgbClr r="0" g="0" b="0"/>
+        </a:effectRef>
+        <a:fontRef idx="minor">
+          <a:schemeClr val="lt1"/>
+        </a:fontRef>
+      </dsp:style>
+      <dsp:txBody>
+        <a:bodyPr spcFirstLastPara="0" vert="horz" wrap="square" lIns="137160" tIns="137160" rIns="137160" bIns="137160" numCol="1" spcCol="1270" anchor="ctr" anchorCtr="0">
+          <a:noAutofit/>
+        </a:bodyPr>
+        <a:lstStyle/>
+        <a:p>
+          <a:pPr lvl="0" algn="l" defTabSz="1600200" rtl="0">
+            <a:lnSpc>
+              <a:spcPct val="90000"/>
+            </a:lnSpc>
+            <a:spcBef>
+              <a:spcPct val="0"/>
+            </a:spcBef>
+            <a:spcAft>
+              <a:spcPct val="35000"/>
+            </a:spcAft>
+          </a:pPr>
+          <a:r>
+            <a:rPr lang="en-US" sz="3600" kern="1200" dirty="0"/>
+            <a:t>In general, it just means pushing much of the presentation logic from the server (XSLT) to the client (JavaScript)</a:t>
+          </a:r>
+        </a:p>
+      </dsp:txBody>
+      <dsp:txXfrm>
+        <a:off x="103765" y="105472"/>
+        <a:ext cx="10308070" cy="1918116"/>
+      </dsp:txXfrm>
+    </dsp:sp>
+    <dsp:sp modelId="{D29B4909-0F47-468C-84E0-A467C5F3E634}">
+      <dsp:nvSpPr>
+        <dsp:cNvPr id="0" name=""/>
+        <dsp:cNvSpPr/>
+      </dsp:nvSpPr>
+      <dsp:spPr>
+        <a:xfrm>
+          <a:off x="0" y="2141669"/>
+          <a:ext cx="10515600" cy="2125646"/>
+        </a:xfrm>
+        <a:prstGeom prst="roundRect">
+          <a:avLst/>
+        </a:prstGeom>
+        <a:solidFill>
+          <a:srgbClr val="4A742E"/>
+        </a:solidFill>
+        <a:ln w="12700" cap="flat" cmpd="sng" algn="ctr">
+          <a:solidFill>
+            <a:schemeClr val="lt1">
+              <a:hueOff val="0"/>
+              <a:satOff val="0"/>
+              <a:lumOff val="0"/>
+              <a:alphaOff val="0"/>
+            </a:schemeClr>
+          </a:solidFill>
+          <a:prstDash val="solid"/>
+          <a:miter lim="800000"/>
+        </a:ln>
+        <a:effectLst/>
+      </dsp:spPr>
+      <dsp:style>
+        <a:lnRef idx="2">
+          <a:scrgbClr r="0" g="0" b="0"/>
+        </a:lnRef>
+        <a:fillRef idx="1">
+          <a:scrgbClr r="0" g="0" b="0"/>
+        </a:fillRef>
+        <a:effectRef idx="0">
+          <a:scrgbClr r="0" g="0" b="0"/>
+        </a:effectRef>
+        <a:fontRef idx="minor">
+          <a:schemeClr val="lt1"/>
+        </a:fontRef>
+      </dsp:style>
+      <dsp:txBody>
+        <a:bodyPr spcFirstLastPara="0" vert="horz" wrap="square" lIns="91440" tIns="91440" rIns="91440" bIns="91440" numCol="1" spcCol="1270" anchor="ctr" anchorCtr="0">
+          <a:noAutofit/>
+        </a:bodyPr>
+        <a:lstStyle/>
+        <a:p>
+          <a:pPr lvl="0" algn="l" defTabSz="1066800" rtl="0">
+            <a:lnSpc>
+              <a:spcPct val="90000"/>
+            </a:lnSpc>
+            <a:spcBef>
+              <a:spcPct val="0"/>
+            </a:spcBef>
+            <a:spcAft>
+              <a:spcPct val="35000"/>
+            </a:spcAft>
+          </a:pPr>
+          <a:r>
+            <a:rPr lang="en-US" sz="2400" kern="1200" dirty="0"/>
+            <a:t>In SharePoint, it is a framework for overriding the built-in presentation logic of new, edit, and display forms, views, and search results using HTML, CSS, and JavaScript</a:t>
+          </a:r>
+        </a:p>
+        <a:p>
+          <a:pPr lvl="0" algn="l" defTabSz="1066800" rtl="0">
+            <a:lnSpc>
+              <a:spcPct val="90000"/>
+            </a:lnSpc>
+            <a:spcBef>
+              <a:spcPct val="0"/>
+            </a:spcBef>
+            <a:spcAft>
+              <a:spcPts val="0"/>
+            </a:spcAft>
+          </a:pPr>
+          <a:r>
+            <a:rPr lang="en-US" sz="1800" kern="1200" dirty="0"/>
+            <a:t>    - </a:t>
+          </a:r>
+          <a:r>
+            <a:rPr lang="en-US" sz="2000" kern="1200" dirty="0"/>
+            <a:t>Depends on a mechanism for injecting JavaScript into one or more SharePoint    </a:t>
+          </a:r>
+        </a:p>
+        <a:p>
+          <a:pPr lvl="0" algn="l" defTabSz="1066800" rtl="0">
+            <a:lnSpc>
+              <a:spcPct val="90000"/>
+            </a:lnSpc>
+            <a:spcBef>
+              <a:spcPct val="0"/>
+            </a:spcBef>
+            <a:spcAft>
+              <a:spcPts val="0"/>
+            </a:spcAft>
+          </a:pPr>
+          <a:r>
+            <a:rPr lang="en-US" sz="2000" kern="1200" dirty="0"/>
+            <a:t>      pages</a:t>
+          </a:r>
+        </a:p>
+      </dsp:txBody>
+      <dsp:txXfrm>
+        <a:off x="103765" y="2245434"/>
+        <a:ext cx="10308070" cy="1918116"/>
+      </dsp:txXfrm>
+    </dsp:sp>
+    <dsp:sp modelId="{F37F4947-6993-4131-8E52-6FEFE9332518}">
+      <dsp:nvSpPr>
+        <dsp:cNvPr id="0" name=""/>
+        <dsp:cNvSpPr/>
+      </dsp:nvSpPr>
+      <dsp:spPr>
+        <a:xfrm>
+          <a:off x="0" y="4267316"/>
+          <a:ext cx="10515600" cy="82314"/>
+        </a:xfrm>
+        <a:prstGeom prst="rect">
+          <a:avLst/>
+        </a:prstGeom>
+        <a:noFill/>
+        <a:ln>
+          <a:noFill/>
+        </a:ln>
+        <a:effectLst/>
+      </dsp:spPr>
+      <dsp:style>
+        <a:lnRef idx="0">
+          <a:scrgbClr r="0" g="0" b="0"/>
+        </a:lnRef>
+        <a:fillRef idx="0">
+          <a:scrgbClr r="0" g="0" b="0"/>
+        </a:fillRef>
+        <a:effectRef idx="0">
+          <a:scrgbClr r="0" g="0" b="0"/>
+        </a:effectRef>
+        <a:fontRef idx="minor"/>
+      </dsp:style>
+      <dsp:txBody>
+        <a:bodyPr spcFirstLastPara="0" vert="horz" wrap="square" lIns="333870" tIns="6350" rIns="35560" bIns="6350" numCol="1" spcCol="1270" anchor="t" anchorCtr="0">
+          <a:noAutofit/>
+        </a:bodyPr>
+        <a:lstStyle/>
+        <a:p>
+          <a:pPr marL="57150" lvl="1" indent="-57150" algn="l" defTabSz="177800" rtl="0">
+            <a:lnSpc>
+              <a:spcPct val="90000"/>
+            </a:lnSpc>
+            <a:spcBef>
+              <a:spcPct val="0"/>
+            </a:spcBef>
+            <a:spcAft>
+              <a:spcPct val="20000"/>
+            </a:spcAft>
+            <a:buChar char="••"/>
+          </a:pPr>
+          <a:endParaRPr lang="en-US" sz="400" kern="1200" dirty="0"/>
+        </a:p>
+      </dsp:txBody>
+      <dsp:txXfrm>
+        <a:off x="0" y="4267316"/>
+        <a:ext cx="10515600" cy="82314"/>
+      </dsp:txXfrm>
+    </dsp:sp>
   </dsp:spTree>
 </dsp:drawing>
 </file>
@@ -11214,7 +11869,7 @@
               <a:t>Use of an OnPostRender handler to wire events </a:t>
             </a:r>
             <a:r>
-              <a:rPr lang="en-US" sz="4000" smtClean="0"/>
+              <a:rPr lang="en-US" sz="4000" dirty="0" smtClean="0"/>
               <a:t>(when and </a:t>
             </a:r>
             <a:r>
@@ -11483,6 +12138,13 @@
   <p:clrMapOvr>
     <a:masterClrMapping/>
   </p:clrMapOvr>
+  <p:timing>
+    <p:tnLst>
+      <p:par>
+        <p:cTn id="1" dur="indefinite" restart="never" nodeType="tmRoot"/>
+      </p:par>
+    </p:tnLst>
+  </p:timing>
 </p:sld>
 </file>
 
@@ -11678,6 +12340,13 @@
   <p:clrMapOvr>
     <a:masterClrMapping/>
   </p:clrMapOvr>
+  <p:timing>
+    <p:tnLst>
+      <p:par>
+        <p:cTn id="1" dur="indefinite" restart="never" nodeType="tmRoot"/>
+      </p:par>
+    </p:tnLst>
+  </p:timing>
 </p:sld>
 </file>
 
@@ -11845,6 +12514,13 @@
   <p:clrMapOvr>
     <a:masterClrMapping/>
   </p:clrMapOvr>
+  <p:timing>
+    <p:tnLst>
+      <p:par>
+        <p:cTn id="1" dur="indefinite" restart="never" nodeType="tmRoot"/>
+      </p:par>
+    </p:tnLst>
+  </p:timing>
 </p:sld>
 </file>
 
@@ -12511,6 +13187,13 @@
   <p:clrMapOvr>
     <a:masterClrMapping/>
   </p:clrMapOvr>
+  <p:timing>
+    <p:tnLst>
+      <p:par>
+        <p:cTn id="1" dur="indefinite" restart="never" nodeType="tmRoot"/>
+      </p:par>
+    </p:tnLst>
+  </p:timing>
 </p:sld>
 </file>
 
@@ -12625,6 +13308,13 @@
   <p:clrMapOvr>
     <a:masterClrMapping/>
   </p:clrMapOvr>
+  <p:timing>
+    <p:tnLst>
+      <p:par>
+        <p:cTn id="1" dur="indefinite" restart="never" nodeType="tmRoot"/>
+      </p:par>
+    </p:tnLst>
+  </p:timing>
 </p:sld>
 </file>
 
@@ -12770,6 +13460,13 @@
   <p:clrMapOvr>
     <a:masterClrMapping/>
   </p:clrMapOvr>
+  <p:timing>
+    <p:tnLst>
+      <p:par>
+        <p:cTn id="1" dur="indefinite" restart="never" nodeType="tmRoot"/>
+      </p:par>
+    </p:tnLst>
+  </p:timing>
 </p:sld>
 </file>
 
@@ -12935,8 +13632,20 @@
           </a:p>
           <a:p>
             <a:r>
+              <a:rPr lang="en-US" sz="2000" dirty="0" smtClean="0"/>
+              <a:t>Jose </a:t>
+            </a:r>
+            <a:r>
+              <a:rPr lang="en-US" sz="2000" dirty="0" smtClean="0"/>
+              <a:t>Quinto, SharePoint </a:t>
+            </a:r>
+            <a:r>
               <a:rPr lang="en-US" sz="2000" dirty="0"/>
-              <a:t>Slides and Code from this presentation</a:t>
+              <a:t>2013 Client Side Rendering: Register Templates Overrides in </a:t>
+            </a:r>
+            <a:r>
+              <a:rPr lang="en-US" sz="2000" dirty="0" smtClean="0"/>
+              <a:t>Detail</a:t>
             </a:r>
           </a:p>
           <a:p>
@@ -12944,16 +13653,10 @@
               <a:buNone/>
             </a:pPr>
             <a:r>
-              <a:rPr lang="en-US" sz="1600" dirty="0" smtClean="0">
+              <a:rPr lang="en-US" sz="1600" dirty="0">
                 <a:hlinkClick r:id="rId6"/>
               </a:rPr>
-              <a:t>github.com/</a:t>
-            </a:r>
-            <a:r>
-              <a:rPr lang="en-US" sz="1600" dirty="0" err="1" smtClean="0">
-                <a:hlinkClick r:id="rId6"/>
-              </a:rPr>
-              <a:t>mcsheaj</a:t>
+              <a:t>https://blog.josequinto.com/2016/01/14/sharepoint-2013-client-side-rendering-register-templates-overrides-in-detail</a:t>
             </a:r>
             <a:r>
               <a:rPr lang="en-US" sz="1600" dirty="0" smtClean="0">
@@ -12961,26 +13664,12 @@
               </a:rPr>
               <a:t>/</a:t>
             </a:r>
-            <a:r>
-              <a:rPr lang="en-US" sz="1600" dirty="0" err="1" smtClean="0">
-                <a:hlinkClick r:id="rId6"/>
-              </a:rPr>
-              <a:t>CSRDemos</a:t>
-            </a:r>
             <a:endParaRPr lang="en-US" sz="1600" dirty="0" smtClean="0"/>
           </a:p>
           <a:p>
             <a:r>
-              <a:rPr lang="en-US" sz="2000" dirty="0" smtClean="0"/>
-              <a:t>Jose Quinto, SharePoint </a:t>
-            </a:r>
-            <a:r>
               <a:rPr lang="en-US" sz="2000" dirty="0"/>
-              <a:t>2013 Client Side Rendering: Register Templates Overrides in </a:t>
-            </a:r>
-            <a:r>
-              <a:rPr lang="en-US" sz="2000" dirty="0" smtClean="0"/>
-              <a:t>Detail</a:t>
+              <a:t>Slides and Code from this presentation</a:t>
             </a:r>
           </a:p>
           <a:p>
@@ -12991,14 +13680,32 @@
               <a:rPr lang="en-US" sz="1600" dirty="0">
                 <a:hlinkClick r:id="rId7"/>
               </a:rPr>
-              <a:t>https://blog.josequinto.com/2016/01/14/sharepoint-2013-client-side-rendering-register-templates-overrides-in-detail</a:t>
-            </a:r>
-            <a:r>
-              <a:rPr lang="en-US" sz="1600" dirty="0" smtClean="0">
+              <a:t>github.com/</a:t>
+            </a:r>
+            <a:r>
+              <a:rPr lang="en-US" sz="1600" dirty="0" err="1">
+                <a:hlinkClick r:id="rId7"/>
+              </a:rPr>
+              <a:t>mcsheaj</a:t>
+            </a:r>
+            <a:r>
+              <a:rPr lang="en-US" sz="1600" dirty="0">
                 <a:hlinkClick r:id="rId7"/>
               </a:rPr>
               <a:t>/</a:t>
             </a:r>
+            <a:r>
+              <a:rPr lang="en-US" sz="1600" dirty="0" err="1">
+                <a:hlinkClick r:id="rId7"/>
+              </a:rPr>
+              <a:t>CSRDemos</a:t>
+            </a:r>
+            <a:endParaRPr lang="en-US" sz="1600" dirty="0"/>
+          </a:p>
+          <a:p>
+            <a:pPr marL="0" indent="0">
+              <a:buNone/>
+            </a:pPr>
             <a:endParaRPr lang="en-US" sz="1600" dirty="0" smtClean="0"/>
           </a:p>
           <a:p>
@@ -13048,7 +13755,7 @@
           <a:lstStyle/>
           <a:p>
             <a:r>
-              <a:rPr lang="en-US" smtClean="0"/>
+              <a:rPr lang="en-US" dirty="0" smtClean="0"/>
               <a:t>SharePoint Saturday St Louis - Spice up Your Forms and View with Client Side Rendering (CSR)</a:t>
             </a:r>
             <a:endParaRPr lang="en-US" dirty="0"/>
@@ -13065,6 +13772,13 @@
   <p:clrMapOvr>
     <a:masterClrMapping/>
   </p:clrMapOvr>
+  <p:timing>
+    <p:tnLst>
+      <p:par>
+        <p:cTn id="1" dur="indefinite" restart="never" nodeType="tmRoot"/>
+      </p:par>
+    </p:tnLst>
+  </p:timing>
 </p:sld>
 </file>
 
@@ -13361,14 +14075,6 @@
 <file path=ppt/slides/slide3.xml><?xml version="1.0" encoding="utf-8"?>
 <p:sld xmlns:a="http://schemas.openxmlformats.org/drawingml/2006/main" xmlns:r="http://schemas.openxmlformats.org/officeDocument/2006/relationships" xmlns:p="http://schemas.openxmlformats.org/presentationml/2006/main">
   <p:cSld>
-    <p:bg>
-      <p:bgPr>
-        <a:solidFill>
-          <a:schemeClr val="bg1"/>
-        </a:solidFill>
-        <a:effectLst/>
-      </p:bgPr>
-    </p:bg>
     <p:spTree>
       <p:nvGrpSpPr>
         <p:cNvPr id="1" name=""/>
@@ -13520,8 +14226,20 @@
           </a:p>
           <a:p>
             <a:r>
+              <a:rPr lang="en-US" sz="2000" dirty="0" smtClean="0"/>
+              <a:t>Jose </a:t>
+            </a:r>
+            <a:r>
+              <a:rPr lang="en-US" sz="2000" dirty="0" smtClean="0"/>
+              <a:t>Quinto, SharePoint </a:t>
+            </a:r>
+            <a:r>
               <a:rPr lang="en-US" sz="2000" dirty="0"/>
-              <a:t>Slides and Code from this presentation</a:t>
+              <a:t>2013 Client Side Rendering: Register Templates Overrides in </a:t>
+            </a:r>
+            <a:r>
+              <a:rPr lang="en-US" sz="2000" dirty="0" smtClean="0"/>
+              <a:t>Detail</a:t>
             </a:r>
           </a:p>
           <a:p>
@@ -13529,16 +14247,10 @@
               <a:buNone/>
             </a:pPr>
             <a:r>
-              <a:rPr lang="en-US" sz="1600" dirty="0" smtClean="0">
+              <a:rPr lang="en-US" sz="1600" dirty="0">
                 <a:hlinkClick r:id="rId6"/>
               </a:rPr>
-              <a:t>github.com/</a:t>
-            </a:r>
-            <a:r>
-              <a:rPr lang="en-US" sz="1600" dirty="0" err="1" smtClean="0">
-                <a:hlinkClick r:id="rId6"/>
-              </a:rPr>
-              <a:t>mcsheaj</a:t>
+              <a:t>https://blog.josequinto.com/2016/01/14/sharepoint-2013-client-side-rendering-register-templates-overrides-in-detail</a:t>
             </a:r>
             <a:r>
               <a:rPr lang="en-US" sz="1600" dirty="0" smtClean="0">
@@ -13546,26 +14258,12 @@
               </a:rPr>
               <a:t>/</a:t>
             </a:r>
-            <a:r>
-              <a:rPr lang="en-US" sz="1600" dirty="0" err="1" smtClean="0">
-                <a:hlinkClick r:id="rId6"/>
-              </a:rPr>
-              <a:t>CSRDemos</a:t>
-            </a:r>
             <a:endParaRPr lang="en-US" sz="1600" dirty="0" smtClean="0"/>
           </a:p>
           <a:p>
             <a:r>
-              <a:rPr lang="en-US" sz="2000" dirty="0" smtClean="0"/>
-              <a:t>Jose Quinto, SharePoint </a:t>
-            </a:r>
-            <a:r>
               <a:rPr lang="en-US" sz="2000" dirty="0"/>
-              <a:t>2013 Client Side Rendering: Register Templates Overrides in </a:t>
-            </a:r>
-            <a:r>
-              <a:rPr lang="en-US" sz="2000" dirty="0" smtClean="0"/>
-              <a:t>Detail</a:t>
+              <a:t>Slides and Code from this presentation</a:t>
             </a:r>
           </a:p>
           <a:p>
@@ -13576,14 +14274,32 @@
               <a:rPr lang="en-US" sz="1600" dirty="0">
                 <a:hlinkClick r:id="rId7"/>
               </a:rPr>
-              <a:t>https://blog.josequinto.com/2016/01/14/sharepoint-2013-client-side-rendering-register-templates-overrides-in-detail</a:t>
-            </a:r>
-            <a:r>
-              <a:rPr lang="en-US" sz="1600" dirty="0" smtClean="0">
+              <a:t>github.com/</a:t>
+            </a:r>
+            <a:r>
+              <a:rPr lang="en-US" sz="1600" dirty="0" err="1">
+                <a:hlinkClick r:id="rId7"/>
+              </a:rPr>
+              <a:t>mcsheaj</a:t>
+            </a:r>
+            <a:r>
+              <a:rPr lang="en-US" sz="1600" dirty="0">
                 <a:hlinkClick r:id="rId7"/>
               </a:rPr>
               <a:t>/</a:t>
             </a:r>
+            <a:r>
+              <a:rPr lang="en-US" sz="1600" dirty="0" err="1">
+                <a:hlinkClick r:id="rId7"/>
+              </a:rPr>
+              <a:t>CSRDemos</a:t>
+            </a:r>
+            <a:endParaRPr lang="en-US" sz="1600" dirty="0"/>
+          </a:p>
+          <a:p>
+            <a:pPr marL="0" indent="0">
+              <a:buNone/>
+            </a:pPr>
             <a:endParaRPr lang="en-US" sz="1600" dirty="0" smtClean="0"/>
           </a:p>
           <a:p>
@@ -13633,7 +14349,7 @@
           <a:lstStyle/>
           <a:p>
             <a:r>
-              <a:rPr lang="en-US" smtClean="0"/>
+              <a:rPr lang="en-US" dirty="0" smtClean="0"/>
               <a:t>SharePoint Saturday St Louis - Spice up Your Forms and View with Client Side Rendering (CSR)</a:t>
             </a:r>
             <a:endParaRPr lang="en-US" dirty="0"/>
@@ -13643,7 +14359,7 @@
     </p:spTree>
     <p:extLst>
       <p:ext uri="{BB962C8B-B14F-4D97-AF65-F5344CB8AC3E}">
-        <p14:creationId xmlns:p14="http://schemas.microsoft.com/office/powerpoint/2010/main" val="2594131776"/>
+        <p14:creationId xmlns:p14="http://schemas.microsoft.com/office/powerpoint/2010/main" val="2066261323"/>
       </p:ext>
     </p:extLst>
   </p:cSld>
